--- a/presentation/fr81.pptx
+++ b/presentation/fr81.pptx
@@ -17,20 +17,22 @@
     <p:sldId id="261" r:id="rId11"/>
     <p:sldId id="271" r:id="rId12"/>
     <p:sldId id="262" r:id="rId13"/>
-    <p:sldId id="263" r:id="rId14"/>
-    <p:sldId id="264" r:id="rId15"/>
-    <p:sldId id="265" r:id="rId16"/>
-    <p:sldId id="266" r:id="rId17"/>
-    <p:sldId id="267" r:id="rId18"/>
-    <p:sldId id="272" r:id="rId19"/>
-    <p:sldId id="273" r:id="rId20"/>
-    <p:sldId id="277" r:id="rId21"/>
-    <p:sldId id="274" r:id="rId22"/>
-    <p:sldId id="275" r:id="rId23"/>
-    <p:sldId id="276" r:id="rId24"/>
-    <p:sldId id="278" r:id="rId25"/>
-    <p:sldId id="281" r:id="rId26"/>
-    <p:sldId id="280" r:id="rId27"/>
+    <p:sldId id="282" r:id="rId14"/>
+    <p:sldId id="283" r:id="rId15"/>
+    <p:sldId id="284" r:id="rId16"/>
+    <p:sldId id="264" r:id="rId17"/>
+    <p:sldId id="265" r:id="rId18"/>
+    <p:sldId id="266" r:id="rId19"/>
+    <p:sldId id="267" r:id="rId20"/>
+    <p:sldId id="272" r:id="rId21"/>
+    <p:sldId id="273" r:id="rId22"/>
+    <p:sldId id="277" r:id="rId23"/>
+    <p:sldId id="274" r:id="rId24"/>
+    <p:sldId id="275" r:id="rId25"/>
+    <p:sldId id="276" r:id="rId26"/>
+    <p:sldId id="278" r:id="rId27"/>
+    <p:sldId id="281" r:id="rId28"/>
+    <p:sldId id="280" r:id="rId29"/>
   </p:sldIdLst>
   <p:sldSz cx="12192000" cy="6858000"/>
   <p:notesSz cx="6858000" cy="9144000"/>
@@ -129,6 +131,11 @@
       </a:defRPr>
     </a:lvl9pPr>
   </p:defaultTextStyle>
+  <p:extLst>
+    <p:ext uri="{EFAFB233-063F-42B5-8137-9DF3F51BA10A}">
+      <p15:sldGuideLst xmlns:p15="http://schemas.microsoft.com/office/powerpoint/2012/main"/>
+    </p:ext>
+  </p:extLst>
 </p:presentation>
 </file>
 
@@ -4658,8 +4665,8 @@
         </p:nvSpPr>
         <p:spPr>
           <a:xfrm>
-            <a:off x="2129589" y="2087235"/>
-            <a:ext cx="10515600" cy="4351338"/>
+            <a:off x="4466015" y="3130126"/>
+            <a:ext cx="3588906" cy="597747"/>
           </a:xfrm>
           <a:prstGeom prst="rect">
             <a:avLst/>
@@ -4845,7 +4852,31 @@
                 <a:latin typeface="Segoe UI" panose="020B0502040204020203" pitchFamily="34" charset="0"/>
                 <a:cs typeface="Segoe UI" panose="020B0502040204020203" pitchFamily="34" charset="0"/>
               </a:rPr>
-              <a:t>Texte blablabla</a:t>
+              <a:t>« </a:t>
+            </a:r>
+            <a:r>
+              <a:rPr lang="fr-FR" dirty="0" err="1">
+                <a:solidFill>
+                  <a:schemeClr val="bg2">
+                    <a:lumMod val="50000"/>
+                  </a:schemeClr>
+                </a:solidFill>
+                <a:latin typeface="Segoe UI" panose="020B0502040204020203" pitchFamily="34" charset="0"/>
+                <a:cs typeface="Segoe UI" panose="020B0502040204020203" pitchFamily="34" charset="0"/>
+              </a:rPr>
+              <a:t>Find</a:t>
+            </a:r>
+            <a:r>
+              <a:rPr lang="fr-FR" dirty="0">
+                <a:solidFill>
+                  <a:schemeClr val="bg2">
+                    <a:lumMod val="50000"/>
+                  </a:schemeClr>
+                </a:solidFill>
+                <a:latin typeface="Segoe UI" panose="020B0502040204020203" pitchFamily="34" charset="0"/>
+                <a:cs typeface="Segoe UI" panose="020B0502040204020203" pitchFamily="34" charset="0"/>
+              </a:rPr>
+              <a:t> the right one »</a:t>
             </a:r>
           </a:p>
         </p:txBody>
@@ -4970,10 +5001,10 @@
       </p:grpSpPr>
       <p:sp>
         <p:nvSpPr>
-          <p:cNvPr id="12" name="Titre 1">
-            <a:extLst>
-              <a:ext uri="{FF2B5EF4-FFF2-40B4-BE49-F238E27FC236}">
-                <a16:creationId xmlns:a16="http://schemas.microsoft.com/office/drawing/2014/main" id="{8CB05E21-0B36-4229-BC17-A64766192AC5}"/>
+          <p:cNvPr id="2" name="Titre 1">
+            <a:extLst>
+              <a:ext uri="{FF2B5EF4-FFF2-40B4-BE49-F238E27FC236}">
+                <a16:creationId xmlns:a16="http://schemas.microsoft.com/office/drawing/2014/main" id="{0C0609AE-81E1-4AC2-BFCD-B2556C6D552F}"/>
               </a:ext>
             </a:extLst>
           </p:cNvPr>
@@ -5027,10 +5058,10 @@
       </p:sp>
       <p:sp>
         <p:nvSpPr>
-          <p:cNvPr id="14" name="Espace réservé du contenu 2">
-            <a:extLst>
-              <a:ext uri="{FF2B5EF4-FFF2-40B4-BE49-F238E27FC236}">
-                <a16:creationId xmlns:a16="http://schemas.microsoft.com/office/drawing/2014/main" id="{BA8DA574-5F90-4169-840F-348B222F0D88}"/>
+          <p:cNvPr id="3" name="Espace réservé du contenu 2">
+            <a:extLst>
+              <a:ext uri="{FF2B5EF4-FFF2-40B4-BE49-F238E27FC236}">
+                <a16:creationId xmlns:a16="http://schemas.microsoft.com/office/drawing/2014/main" id="{8A2F3C6B-46E5-4968-B1FC-1DB99A94EDE8}"/>
               </a:ext>
             </a:extLst>
           </p:cNvPr>
@@ -5041,8 +5072,8 @@
         </p:nvSpPr>
         <p:spPr>
           <a:xfrm>
-            <a:off x="2129589" y="2087235"/>
-            <a:ext cx="10515600" cy="4351338"/>
+            <a:off x="350401" y="1575808"/>
+            <a:ext cx="4066457" cy="4634851"/>
           </a:xfrm>
           <a:prstGeom prst="rect">
             <a:avLst/>
@@ -5219,26 +5250,164 @@
               <a:buNone/>
             </a:pPr>
             <a:r>
-              <a:rPr lang="fr-FR" dirty="0">
-                <a:solidFill>
-                  <a:schemeClr val="bg2">
-                    <a:lumMod val="50000"/>
-                  </a:schemeClr>
+              <a:rPr lang="fr-FR" sz="3600" dirty="0">
+                <a:solidFill>
+                  <a:srgbClr val="707070"/>
                 </a:solidFill>
                 <a:latin typeface="Segoe UI" panose="020B0502040204020203" pitchFamily="34" charset="0"/>
                 <a:cs typeface="Segoe UI" panose="020B0502040204020203" pitchFamily="34" charset="0"/>
               </a:rPr>
-              <a:t>Texte blablabla</a:t>
-            </a:r>
-          </a:p>
-        </p:txBody>
-      </p:sp>
-      <p:sp>
-        <p:nvSpPr>
-          <p:cNvPr id="9" name="Rectangle 8">
-            <a:extLst>
-              <a:ext uri="{FF2B5EF4-FFF2-40B4-BE49-F238E27FC236}">
-                <a16:creationId xmlns:a16="http://schemas.microsoft.com/office/drawing/2014/main" id="{EE7D3276-0BDB-461D-B207-F5EE677F8F14}"/>
+              <a:t>Couleurs</a:t>
+            </a:r>
+          </a:p>
+          <a:p>
+            <a:pPr marL="0" indent="0">
+              <a:buNone/>
+            </a:pPr>
+            <a:r>
+              <a:rPr lang="fr-FR" dirty="0">
+                <a:solidFill>
+                  <a:srgbClr val="F5F7FA"/>
+                </a:solidFill>
+                <a:latin typeface="Segoe UI" panose="020B0502040204020203" pitchFamily="34" charset="0"/>
+                <a:cs typeface="Segoe UI" panose="020B0502040204020203" pitchFamily="34" charset="0"/>
+              </a:rPr>
+              <a:t>#F5F7FA	bleu blanc</a:t>
+            </a:r>
+            <a:endParaRPr lang="fr-FR" dirty="0">
+              <a:solidFill>
+                <a:schemeClr val="bg2">
+                  <a:lumMod val="50000"/>
+                </a:schemeClr>
+              </a:solidFill>
+              <a:latin typeface="Segoe UI" panose="020B0502040204020203" pitchFamily="34" charset="0"/>
+              <a:cs typeface="Segoe UI" panose="020B0502040204020203" pitchFamily="34" charset="0"/>
+            </a:endParaRPr>
+          </a:p>
+          <a:p>
+            <a:pPr marL="0" indent="0">
+              <a:buNone/>
+            </a:pPr>
+            <a:r>
+              <a:rPr lang="fr-FR" dirty="0">
+                <a:solidFill>
+                  <a:srgbClr val="E6F0F5"/>
+                </a:solidFill>
+                <a:latin typeface="Segoe UI" panose="020B0502040204020203" pitchFamily="34" charset="0"/>
+                <a:cs typeface="Segoe UI" panose="020B0502040204020203" pitchFamily="34" charset="0"/>
+              </a:rPr>
+              <a:t>#E6F0F5	bleu claire</a:t>
+            </a:r>
+          </a:p>
+          <a:p>
+            <a:pPr marL="0" indent="0">
+              <a:buNone/>
+            </a:pPr>
+            <a:r>
+              <a:rPr lang="fr-FR" dirty="0">
+                <a:solidFill>
+                  <a:srgbClr val="61B8D0"/>
+                </a:solidFill>
+                <a:latin typeface="Segoe UI" panose="020B0502040204020203" pitchFamily="34" charset="0"/>
+                <a:cs typeface="Segoe UI" panose="020B0502040204020203" pitchFamily="34" charset="0"/>
+              </a:rPr>
+              <a:t>#61B8D0	bleu ciel</a:t>
+            </a:r>
+            <a:endParaRPr lang="fr-FR" dirty="0">
+              <a:solidFill>
+                <a:srgbClr val="707070"/>
+              </a:solidFill>
+              <a:latin typeface="Segoe UI" panose="020B0502040204020203" pitchFamily="34" charset="0"/>
+              <a:cs typeface="Segoe UI" panose="020B0502040204020203" pitchFamily="34" charset="0"/>
+            </a:endParaRPr>
+          </a:p>
+          <a:p>
+            <a:pPr marL="0" indent="0">
+              <a:buNone/>
+            </a:pPr>
+            <a:r>
+              <a:rPr lang="fr-FR" dirty="0">
+                <a:solidFill>
+                  <a:srgbClr val="707070"/>
+                </a:solidFill>
+                <a:latin typeface="Segoe UI" panose="020B0502040204020203" pitchFamily="34" charset="0"/>
+                <a:cs typeface="Segoe UI" panose="020B0502040204020203" pitchFamily="34" charset="0"/>
+              </a:rPr>
+              <a:t>#707070	gris</a:t>
+            </a:r>
+          </a:p>
+          <a:p>
+            <a:pPr marL="0" indent="0">
+              <a:buNone/>
+            </a:pPr>
+            <a:r>
+              <a:rPr lang="fr-FR" dirty="0">
+                <a:solidFill>
+                  <a:srgbClr val="254463"/>
+                </a:solidFill>
+                <a:latin typeface="Segoe UI" panose="020B0502040204020203" pitchFamily="34" charset="0"/>
+                <a:cs typeface="Segoe UI" panose="020B0502040204020203" pitchFamily="34" charset="0"/>
+              </a:rPr>
+              <a:t>#254463	bleu marine</a:t>
+            </a:r>
+          </a:p>
+          <a:p>
+            <a:pPr marL="0" indent="0">
+              <a:buNone/>
+            </a:pPr>
+            <a:r>
+              <a:rPr lang="fr-FR" dirty="0">
+                <a:solidFill>
+                  <a:srgbClr val="4152BC"/>
+                </a:solidFill>
+                <a:latin typeface="Segoe UI" panose="020B0502040204020203" pitchFamily="34" charset="0"/>
+                <a:cs typeface="Segoe UI" panose="020B0502040204020203" pitchFamily="34" charset="0"/>
+              </a:rPr>
+              <a:t>#4152BC	violet</a:t>
+            </a:r>
+            <a:endParaRPr lang="fr-FR" dirty="0">
+              <a:solidFill>
+                <a:srgbClr val="61B8D0"/>
+              </a:solidFill>
+              <a:latin typeface="Segoe UI" panose="020B0502040204020203" pitchFamily="34" charset="0"/>
+              <a:cs typeface="Segoe UI" panose="020B0502040204020203" pitchFamily="34" charset="0"/>
+            </a:endParaRPr>
+          </a:p>
+          <a:p>
+            <a:pPr marL="0" indent="0">
+              <a:buNone/>
+            </a:pPr>
+            <a:r>
+              <a:rPr lang="fr-FR" dirty="0">
+                <a:solidFill>
+                  <a:srgbClr val="F05228"/>
+                </a:solidFill>
+                <a:latin typeface="Segoe UI" panose="020B0502040204020203" pitchFamily="34" charset="0"/>
+                <a:cs typeface="Segoe UI" panose="020B0502040204020203" pitchFamily="34" charset="0"/>
+              </a:rPr>
+              <a:t>#F05228	orange</a:t>
+            </a:r>
+          </a:p>
+          <a:p>
+            <a:pPr marL="0" indent="0">
+              <a:buNone/>
+            </a:pPr>
+            <a:endParaRPr lang="fr-FR" dirty="0">
+              <a:solidFill>
+                <a:srgbClr val="61B8D0"/>
+              </a:solidFill>
+              <a:latin typeface="Segoe UI" panose="020B0502040204020203" pitchFamily="34" charset="0"/>
+              <a:cs typeface="Segoe UI" panose="020B0502040204020203" pitchFamily="34" charset="0"/>
+            </a:endParaRPr>
+          </a:p>
+        </p:txBody>
+      </p:sp>
+      <p:sp>
+        <p:nvSpPr>
+          <p:cNvPr id="4" name="Rectangle 3">
+            <a:extLst>
+              <a:ext uri="{FF2B5EF4-FFF2-40B4-BE49-F238E27FC236}">
+                <a16:creationId xmlns:a16="http://schemas.microsoft.com/office/drawing/2014/main" id="{25F03F66-B246-4943-986B-42B62BD29A1B}"/>
               </a:ext>
             </a:extLst>
           </p:cNvPr>
@@ -5283,10 +5452,10 @@
       </p:sp>
       <p:sp>
         <p:nvSpPr>
-          <p:cNvPr id="10" name="Rectangle 9">
-            <a:extLst>
-              <a:ext uri="{FF2B5EF4-FFF2-40B4-BE49-F238E27FC236}">
-                <a16:creationId xmlns:a16="http://schemas.microsoft.com/office/drawing/2014/main" id="{5719C5B8-FC55-413B-BD37-47960D3A6BE5}"/>
+          <p:cNvPr id="5" name="Rectangle 4">
+            <a:extLst>
+              <a:ext uri="{FF2B5EF4-FFF2-40B4-BE49-F238E27FC236}">
+                <a16:creationId xmlns:a16="http://schemas.microsoft.com/office/drawing/2014/main" id="{1E578D9D-1CFD-4D73-8A60-E24974B74B07}"/>
               </a:ext>
             </a:extLst>
           </p:cNvPr>
@@ -5321,10 +5490,262 @@
           </a:p>
         </p:txBody>
       </p:sp>
+      <p:pic>
+        <p:nvPicPr>
+          <p:cNvPr id="7" name="Image 6">
+            <a:extLst>
+              <a:ext uri="{FF2B5EF4-FFF2-40B4-BE49-F238E27FC236}">
+                <a16:creationId xmlns:a16="http://schemas.microsoft.com/office/drawing/2014/main" id="{5CC90847-6389-4887-B932-BBC0FABAE7AA}"/>
+              </a:ext>
+            </a:extLst>
+          </p:cNvPr>
+          <p:cNvPicPr>
+            <a:picLocks noChangeAspect="1"/>
+          </p:cNvPicPr>
+          <p:nvPr/>
+        </p:nvPicPr>
+        <p:blipFill>
+          <a:blip r:embed="rId2">
+            <a:extLst>
+              <a:ext uri="{28A0092B-C50C-407E-A947-70E740481C1C}">
+                <a14:useLocalDpi xmlns:a14="http://schemas.microsoft.com/office/drawing/2010/main" val="0"/>
+              </a:ext>
+            </a:extLst>
+          </a:blip>
+          <a:stretch>
+            <a:fillRect/>
+          </a:stretch>
+        </p:blipFill>
+        <p:spPr>
+          <a:xfrm>
+            <a:off x="7961772" y="2759498"/>
+            <a:ext cx="1035158" cy="703637"/>
+          </a:xfrm>
+          <a:prstGeom prst="rect">
+            <a:avLst/>
+          </a:prstGeom>
+        </p:spPr>
+      </p:pic>
+      <p:pic>
+        <p:nvPicPr>
+          <p:cNvPr id="8" name="Image 7">
+            <a:extLst>
+              <a:ext uri="{FF2B5EF4-FFF2-40B4-BE49-F238E27FC236}">
+                <a16:creationId xmlns:a16="http://schemas.microsoft.com/office/drawing/2014/main" id="{C303EA0B-CA9C-4D22-A565-215229809705}"/>
+              </a:ext>
+            </a:extLst>
+          </p:cNvPr>
+          <p:cNvPicPr>
+            <a:picLocks noChangeAspect="1"/>
+          </p:cNvPicPr>
+          <p:nvPr/>
+        </p:nvPicPr>
+        <p:blipFill>
+          <a:blip r:embed="rId3">
+            <a:extLst>
+              <a:ext uri="{28A0092B-C50C-407E-A947-70E740481C1C}">
+                <a14:useLocalDpi xmlns:a14="http://schemas.microsoft.com/office/drawing/2010/main" val="0"/>
+              </a:ext>
+            </a:extLst>
+          </a:blip>
+          <a:stretch>
+            <a:fillRect/>
+          </a:stretch>
+        </p:blipFill>
+        <p:spPr>
+          <a:xfrm>
+            <a:off x="7505012" y="4418751"/>
+            <a:ext cx="1886465" cy="1282302"/>
+          </a:xfrm>
+          <a:prstGeom prst="rect">
+            <a:avLst/>
+          </a:prstGeom>
+        </p:spPr>
+      </p:pic>
+      <p:pic>
+        <p:nvPicPr>
+          <p:cNvPr id="9" name="Image 8">
+            <a:extLst>
+              <a:ext uri="{FF2B5EF4-FFF2-40B4-BE49-F238E27FC236}">
+                <a16:creationId xmlns:a16="http://schemas.microsoft.com/office/drawing/2014/main" id="{216326F1-BD42-46D1-A17B-95B09552D7CD}"/>
+              </a:ext>
+            </a:extLst>
+          </p:cNvPr>
+          <p:cNvPicPr>
+            <a:picLocks noChangeAspect="1"/>
+          </p:cNvPicPr>
+          <p:nvPr/>
+        </p:nvPicPr>
+        <p:blipFill>
+          <a:blip r:embed="rId4">
+            <a:extLst>
+              <a:ext uri="{28A0092B-C50C-407E-A947-70E740481C1C}">
+                <a14:useLocalDpi xmlns:a14="http://schemas.microsoft.com/office/drawing/2010/main" val="0"/>
+              </a:ext>
+            </a:extLst>
+          </a:blip>
+          <a:stretch>
+            <a:fillRect/>
+          </a:stretch>
+        </p:blipFill>
+        <p:spPr>
+          <a:xfrm>
+            <a:off x="6997506" y="3659754"/>
+            <a:ext cx="1070948" cy="727965"/>
+          </a:xfrm>
+          <a:prstGeom prst="rect">
+            <a:avLst/>
+          </a:prstGeom>
+        </p:spPr>
+      </p:pic>
+      <p:pic>
+        <p:nvPicPr>
+          <p:cNvPr id="10" name="Image 9">
+            <a:extLst>
+              <a:ext uri="{FF2B5EF4-FFF2-40B4-BE49-F238E27FC236}">
+                <a16:creationId xmlns:a16="http://schemas.microsoft.com/office/drawing/2014/main" id="{C5B602BE-0CE6-489C-AEDC-7FE335F75CB3}"/>
+              </a:ext>
+            </a:extLst>
+          </p:cNvPr>
+          <p:cNvPicPr>
+            <a:picLocks noChangeAspect="1"/>
+          </p:cNvPicPr>
+          <p:nvPr/>
+        </p:nvPicPr>
+        <p:blipFill>
+          <a:blip r:embed="rId5">
+            <a:extLst>
+              <a:ext uri="{28A0092B-C50C-407E-A947-70E740481C1C}">
+                <a14:useLocalDpi xmlns:a14="http://schemas.microsoft.com/office/drawing/2010/main" val="0"/>
+              </a:ext>
+            </a:extLst>
+          </a:blip>
+          <a:stretch>
+            <a:fillRect/>
+          </a:stretch>
+        </p:blipFill>
+        <p:spPr>
+          <a:xfrm>
+            <a:off x="5957180" y="4816528"/>
+            <a:ext cx="1412771" cy="960314"/>
+          </a:xfrm>
+          <a:prstGeom prst="rect">
+            <a:avLst/>
+          </a:prstGeom>
+        </p:spPr>
+      </p:pic>
+      <p:pic>
+        <p:nvPicPr>
+          <p:cNvPr id="11" name="Image 10">
+            <a:extLst>
+              <a:ext uri="{FF2B5EF4-FFF2-40B4-BE49-F238E27FC236}">
+                <a16:creationId xmlns:a16="http://schemas.microsoft.com/office/drawing/2014/main" id="{5F291AB6-A3CF-4517-A2F5-6CCA22E23110}"/>
+              </a:ext>
+            </a:extLst>
+          </p:cNvPr>
+          <p:cNvPicPr>
+            <a:picLocks noChangeAspect="1"/>
+          </p:cNvPicPr>
+          <p:nvPr/>
+        </p:nvPicPr>
+        <p:blipFill>
+          <a:blip r:embed="rId6">
+            <a:extLst>
+              <a:ext uri="{28A0092B-C50C-407E-A947-70E740481C1C}">
+                <a14:useLocalDpi xmlns:a14="http://schemas.microsoft.com/office/drawing/2010/main" val="0"/>
+              </a:ext>
+            </a:extLst>
+          </a:blip>
+          <a:stretch>
+            <a:fillRect/>
+          </a:stretch>
+        </p:blipFill>
+        <p:spPr>
+          <a:xfrm>
+            <a:off x="8703788" y="3186059"/>
+            <a:ext cx="1412771" cy="960314"/>
+          </a:xfrm>
+          <a:prstGeom prst="rect">
+            <a:avLst/>
+          </a:prstGeom>
+        </p:spPr>
+      </p:pic>
+      <p:pic>
+        <p:nvPicPr>
+          <p:cNvPr id="12" name="Image 11">
+            <a:extLst>
+              <a:ext uri="{FF2B5EF4-FFF2-40B4-BE49-F238E27FC236}">
+                <a16:creationId xmlns:a16="http://schemas.microsoft.com/office/drawing/2014/main" id="{45502D82-2CCA-4B52-B558-9EA5ED261CD5}"/>
+              </a:ext>
+            </a:extLst>
+          </p:cNvPr>
+          <p:cNvPicPr>
+            <a:picLocks noChangeAspect="1"/>
+          </p:cNvPicPr>
+          <p:nvPr/>
+        </p:nvPicPr>
+        <p:blipFill>
+          <a:blip r:embed="rId7">
+            <a:extLst>
+              <a:ext uri="{28A0092B-C50C-407E-A947-70E740481C1C}">
+                <a14:useLocalDpi xmlns:a14="http://schemas.microsoft.com/office/drawing/2010/main" val="0"/>
+              </a:ext>
+            </a:extLst>
+          </a:blip>
+          <a:stretch>
+            <a:fillRect/>
+          </a:stretch>
+        </p:blipFill>
+        <p:spPr>
+          <a:xfrm>
+            <a:off x="6640151" y="2225745"/>
+            <a:ext cx="1412771" cy="960314"/>
+          </a:xfrm>
+          <a:prstGeom prst="rect">
+            <a:avLst/>
+          </a:prstGeom>
+        </p:spPr>
+      </p:pic>
+      <p:pic>
+        <p:nvPicPr>
+          <p:cNvPr id="13" name="Image 12">
+            <a:extLst>
+              <a:ext uri="{FF2B5EF4-FFF2-40B4-BE49-F238E27FC236}">
+                <a16:creationId xmlns:a16="http://schemas.microsoft.com/office/drawing/2014/main" id="{63AAFA38-AA19-482A-925C-26720176B8C7}"/>
+              </a:ext>
+            </a:extLst>
+          </p:cNvPr>
+          <p:cNvPicPr>
+            <a:picLocks noChangeAspect="1"/>
+          </p:cNvPicPr>
+          <p:nvPr/>
+        </p:nvPicPr>
+        <p:blipFill>
+          <a:blip r:embed="rId8">
+            <a:extLst>
+              <a:ext uri="{28A0092B-C50C-407E-A947-70E740481C1C}">
+                <a14:useLocalDpi xmlns:a14="http://schemas.microsoft.com/office/drawing/2010/main" val="0"/>
+              </a:ext>
+            </a:extLst>
+          </a:blip>
+          <a:stretch>
+            <a:fillRect/>
+          </a:stretch>
+        </p:blipFill>
+        <p:spPr>
+          <a:xfrm>
+            <a:off x="6410612" y="3468386"/>
+            <a:ext cx="563061" cy="382735"/>
+          </a:xfrm>
+          <a:prstGeom prst="rect">
+            <a:avLst/>
+          </a:prstGeom>
+        </p:spPr>
+      </p:pic>
     </p:spTree>
     <p:extLst>
       <p:ext uri="{BB962C8B-B14F-4D97-AF65-F5344CB8AC3E}">
-        <p14:creationId xmlns:p14="http://schemas.microsoft.com/office/powerpoint/2010/main" val="2968011660"/>
+        <p14:creationId xmlns:p14="http://schemas.microsoft.com/office/powerpoint/2010/main" val="3546362421"/>
       </p:ext>
     </p:extLst>
   </p:cSld>
@@ -5353,10 +5774,10 @@
       </p:grpSpPr>
       <p:sp>
         <p:nvSpPr>
-          <p:cNvPr id="12" name="Titre 1">
-            <a:extLst>
-              <a:ext uri="{FF2B5EF4-FFF2-40B4-BE49-F238E27FC236}">
-                <a16:creationId xmlns:a16="http://schemas.microsoft.com/office/drawing/2014/main" id="{8CB05E21-0B36-4229-BC17-A64766192AC5}"/>
+          <p:cNvPr id="2" name="Titre 1">
+            <a:extLst>
+              <a:ext uri="{FF2B5EF4-FFF2-40B4-BE49-F238E27FC236}">
+                <a16:creationId xmlns:a16="http://schemas.microsoft.com/office/drawing/2014/main" id="{0C0609AE-81E1-4AC2-BFCD-B2556C6D552F}"/>
               </a:ext>
             </a:extLst>
           </p:cNvPr>
@@ -5403,225 +5824,17 @@
                 </a:solidFill>
                 <a:latin typeface="Fjalla One" panose="02000506040000020004" pitchFamily="2" charset="0"/>
               </a:rPr>
-              <a:t>Signes  de reconnaissance</a:t>
-            </a:r>
-          </a:p>
-        </p:txBody>
-      </p:sp>
-      <p:sp>
-        <p:nvSpPr>
-          <p:cNvPr id="14" name="Espace réservé du contenu 2">
-            <a:extLst>
-              <a:ext uri="{FF2B5EF4-FFF2-40B4-BE49-F238E27FC236}">
-                <a16:creationId xmlns:a16="http://schemas.microsoft.com/office/drawing/2014/main" id="{BA8DA574-5F90-4169-840F-348B222F0D88}"/>
-              </a:ext>
-            </a:extLst>
-          </p:cNvPr>
-          <p:cNvSpPr txBox="1">
-            <a:spLocks/>
-          </p:cNvSpPr>
-          <p:nvPr/>
-        </p:nvSpPr>
-        <p:spPr>
-          <a:xfrm>
-            <a:off x="2129589" y="2087235"/>
-            <a:ext cx="10515600" cy="4351338"/>
-          </a:xfrm>
-          <a:prstGeom prst="rect">
-            <a:avLst/>
-          </a:prstGeom>
-        </p:spPr>
-        <p:txBody>
-          <a:bodyPr/>
-          <a:lstStyle>
-            <a:lvl1pPr marL="228600" indent="-228600" algn="l" defTabSz="914400" rtl="0" eaLnBrk="1" latinLnBrk="0" hangingPunct="1">
-              <a:lnSpc>
-                <a:spcPct val="90000"/>
-              </a:lnSpc>
-              <a:spcBef>
-                <a:spcPts val="1000"/>
-              </a:spcBef>
-              <a:buFont typeface="Arial" panose="020B0604020202020204" pitchFamily="34" charset="0"/>
-              <a:buChar char="•"/>
-              <a:defRPr sz="2800" kern="1200">
-                <a:solidFill>
-                  <a:schemeClr val="tx1"/>
-                </a:solidFill>
-                <a:latin typeface="+mn-lt"/>
-                <a:ea typeface="+mn-ea"/>
-                <a:cs typeface="+mn-cs"/>
-              </a:defRPr>
-            </a:lvl1pPr>
-            <a:lvl2pPr marL="685800" indent="-228600" algn="l" defTabSz="914400" rtl="0" eaLnBrk="1" latinLnBrk="0" hangingPunct="1">
-              <a:lnSpc>
-                <a:spcPct val="90000"/>
-              </a:lnSpc>
-              <a:spcBef>
-                <a:spcPts val="500"/>
-              </a:spcBef>
-              <a:buFont typeface="Arial" panose="020B0604020202020204" pitchFamily="34" charset="0"/>
-              <a:buChar char="•"/>
-              <a:defRPr sz="2400" kern="1200">
-                <a:solidFill>
-                  <a:schemeClr val="tx1"/>
-                </a:solidFill>
-                <a:latin typeface="+mn-lt"/>
-                <a:ea typeface="+mn-ea"/>
-                <a:cs typeface="+mn-cs"/>
-              </a:defRPr>
-            </a:lvl2pPr>
-            <a:lvl3pPr marL="1143000" indent="-228600" algn="l" defTabSz="914400" rtl="0" eaLnBrk="1" latinLnBrk="0" hangingPunct="1">
-              <a:lnSpc>
-                <a:spcPct val="90000"/>
-              </a:lnSpc>
-              <a:spcBef>
-                <a:spcPts val="500"/>
-              </a:spcBef>
-              <a:buFont typeface="Arial" panose="020B0604020202020204" pitchFamily="34" charset="0"/>
-              <a:buChar char="•"/>
-              <a:defRPr sz="2000" kern="1200">
-                <a:solidFill>
-                  <a:schemeClr val="tx1"/>
-                </a:solidFill>
-                <a:latin typeface="+mn-lt"/>
-                <a:ea typeface="+mn-ea"/>
-                <a:cs typeface="+mn-cs"/>
-              </a:defRPr>
-            </a:lvl3pPr>
-            <a:lvl4pPr marL="1600200" indent="-228600" algn="l" defTabSz="914400" rtl="0" eaLnBrk="1" latinLnBrk="0" hangingPunct="1">
-              <a:lnSpc>
-                <a:spcPct val="90000"/>
-              </a:lnSpc>
-              <a:spcBef>
-                <a:spcPts val="500"/>
-              </a:spcBef>
-              <a:buFont typeface="Arial" panose="020B0604020202020204" pitchFamily="34" charset="0"/>
-              <a:buChar char="•"/>
-              <a:defRPr sz="1800" kern="1200">
-                <a:solidFill>
-                  <a:schemeClr val="tx1"/>
-                </a:solidFill>
-                <a:latin typeface="+mn-lt"/>
-                <a:ea typeface="+mn-ea"/>
-                <a:cs typeface="+mn-cs"/>
-              </a:defRPr>
-            </a:lvl4pPr>
-            <a:lvl5pPr marL="2057400" indent="-228600" algn="l" defTabSz="914400" rtl="0" eaLnBrk="1" latinLnBrk="0" hangingPunct="1">
-              <a:lnSpc>
-                <a:spcPct val="90000"/>
-              </a:lnSpc>
-              <a:spcBef>
-                <a:spcPts val="500"/>
-              </a:spcBef>
-              <a:buFont typeface="Arial" panose="020B0604020202020204" pitchFamily="34" charset="0"/>
-              <a:buChar char="•"/>
-              <a:defRPr sz="1800" kern="1200">
-                <a:solidFill>
-                  <a:schemeClr val="tx1"/>
-                </a:solidFill>
-                <a:latin typeface="+mn-lt"/>
-                <a:ea typeface="+mn-ea"/>
-                <a:cs typeface="+mn-cs"/>
-              </a:defRPr>
-            </a:lvl5pPr>
-            <a:lvl6pPr marL="2514600" indent="-228600" algn="l" defTabSz="914400" rtl="0" eaLnBrk="1" latinLnBrk="0" hangingPunct="1">
-              <a:lnSpc>
-                <a:spcPct val="90000"/>
-              </a:lnSpc>
-              <a:spcBef>
-                <a:spcPts val="500"/>
-              </a:spcBef>
-              <a:buFont typeface="Arial" panose="020B0604020202020204" pitchFamily="34" charset="0"/>
-              <a:buChar char="•"/>
-              <a:defRPr sz="1800" kern="1200">
-                <a:solidFill>
-                  <a:schemeClr val="tx1"/>
-                </a:solidFill>
-                <a:latin typeface="+mn-lt"/>
-                <a:ea typeface="+mn-ea"/>
-                <a:cs typeface="+mn-cs"/>
-              </a:defRPr>
-            </a:lvl6pPr>
-            <a:lvl7pPr marL="2971800" indent="-228600" algn="l" defTabSz="914400" rtl="0" eaLnBrk="1" latinLnBrk="0" hangingPunct="1">
-              <a:lnSpc>
-                <a:spcPct val="90000"/>
-              </a:lnSpc>
-              <a:spcBef>
-                <a:spcPts val="500"/>
-              </a:spcBef>
-              <a:buFont typeface="Arial" panose="020B0604020202020204" pitchFamily="34" charset="0"/>
-              <a:buChar char="•"/>
-              <a:defRPr sz="1800" kern="1200">
-                <a:solidFill>
-                  <a:schemeClr val="tx1"/>
-                </a:solidFill>
-                <a:latin typeface="+mn-lt"/>
-                <a:ea typeface="+mn-ea"/>
-                <a:cs typeface="+mn-cs"/>
-              </a:defRPr>
-            </a:lvl7pPr>
-            <a:lvl8pPr marL="3429000" indent="-228600" algn="l" defTabSz="914400" rtl="0" eaLnBrk="1" latinLnBrk="0" hangingPunct="1">
-              <a:lnSpc>
-                <a:spcPct val="90000"/>
-              </a:lnSpc>
-              <a:spcBef>
-                <a:spcPts val="500"/>
-              </a:spcBef>
-              <a:buFont typeface="Arial" panose="020B0604020202020204" pitchFamily="34" charset="0"/>
-              <a:buChar char="•"/>
-              <a:defRPr sz="1800" kern="1200">
-                <a:solidFill>
-                  <a:schemeClr val="tx1"/>
-                </a:solidFill>
-                <a:latin typeface="+mn-lt"/>
-                <a:ea typeface="+mn-ea"/>
-                <a:cs typeface="+mn-cs"/>
-              </a:defRPr>
-            </a:lvl8pPr>
-            <a:lvl9pPr marL="3886200" indent="-228600" algn="l" defTabSz="914400" rtl="0" eaLnBrk="1" latinLnBrk="0" hangingPunct="1">
-              <a:lnSpc>
-                <a:spcPct val="90000"/>
-              </a:lnSpc>
-              <a:spcBef>
-                <a:spcPts val="500"/>
-              </a:spcBef>
-              <a:buFont typeface="Arial" panose="020B0604020202020204" pitchFamily="34" charset="0"/>
-              <a:buChar char="•"/>
-              <a:defRPr sz="1800" kern="1200">
-                <a:solidFill>
-                  <a:schemeClr val="tx1"/>
-                </a:solidFill>
-                <a:latin typeface="+mn-lt"/>
-                <a:ea typeface="+mn-ea"/>
-                <a:cs typeface="+mn-cs"/>
-              </a:defRPr>
-            </a:lvl9pPr>
-          </a:lstStyle>
-          <a:p>
-            <a:pPr marL="0" indent="0">
-              <a:buNone/>
-            </a:pPr>
-            <a:r>
-              <a:rPr lang="fr-FR" dirty="0">
-                <a:solidFill>
-                  <a:schemeClr val="bg2">
-                    <a:lumMod val="50000"/>
-                  </a:schemeClr>
-                </a:solidFill>
-                <a:latin typeface="Segoe UI" panose="020B0502040204020203" pitchFamily="34" charset="0"/>
-                <a:cs typeface="Segoe UI" panose="020B0502040204020203" pitchFamily="34" charset="0"/>
-              </a:rPr>
-              <a:t>Texte blablabla</a:t>
-            </a:r>
-          </a:p>
-        </p:txBody>
-      </p:sp>
-      <p:sp>
-        <p:nvSpPr>
-          <p:cNvPr id="9" name="Rectangle 8">
-            <a:extLst>
-              <a:ext uri="{FF2B5EF4-FFF2-40B4-BE49-F238E27FC236}">
-                <a16:creationId xmlns:a16="http://schemas.microsoft.com/office/drawing/2014/main" id="{EE7D3276-0BDB-461D-B207-F5EE677F8F14}"/>
+              <a:t>Charte graphique</a:t>
+            </a:r>
+          </a:p>
+        </p:txBody>
+      </p:sp>
+      <p:sp>
+        <p:nvSpPr>
+          <p:cNvPr id="4" name="Rectangle 3">
+            <a:extLst>
+              <a:ext uri="{FF2B5EF4-FFF2-40B4-BE49-F238E27FC236}">
+                <a16:creationId xmlns:a16="http://schemas.microsoft.com/office/drawing/2014/main" id="{25F03F66-B246-4943-986B-42B62BD29A1B}"/>
               </a:ext>
             </a:extLst>
           </p:cNvPr>
@@ -5666,10 +5879,10 @@
       </p:sp>
       <p:sp>
         <p:nvSpPr>
-          <p:cNvPr id="10" name="Rectangle 9">
-            <a:extLst>
-              <a:ext uri="{FF2B5EF4-FFF2-40B4-BE49-F238E27FC236}">
-                <a16:creationId xmlns:a16="http://schemas.microsoft.com/office/drawing/2014/main" id="{5719C5B8-FC55-413B-BD37-47960D3A6BE5}"/>
+          <p:cNvPr id="5" name="Rectangle 4">
+            <a:extLst>
+              <a:ext uri="{FF2B5EF4-FFF2-40B4-BE49-F238E27FC236}">
+                <a16:creationId xmlns:a16="http://schemas.microsoft.com/office/drawing/2014/main" id="{1E578D9D-1CFD-4D73-8A60-E24974B74B07}"/>
               </a:ext>
             </a:extLst>
           </p:cNvPr>
@@ -5704,10 +5917,226 @@
           </a:p>
         </p:txBody>
       </p:sp>
+      <p:sp>
+        <p:nvSpPr>
+          <p:cNvPr id="6" name="Rectangle 5">
+            <a:extLst>
+              <a:ext uri="{FF2B5EF4-FFF2-40B4-BE49-F238E27FC236}">
+                <a16:creationId xmlns:a16="http://schemas.microsoft.com/office/drawing/2014/main" id="{D2CB8F7A-F00C-4EE0-9612-B2FDDDAB0516}"/>
+              </a:ext>
+            </a:extLst>
+          </p:cNvPr>
+          <p:cNvSpPr/>
+          <p:nvPr/>
+        </p:nvSpPr>
+        <p:spPr>
+          <a:xfrm>
+            <a:off x="5022986" y="2374124"/>
+            <a:ext cx="5180505" cy="1200329"/>
+          </a:xfrm>
+          <a:prstGeom prst="rect">
+            <a:avLst/>
+          </a:prstGeom>
+        </p:spPr>
+        <p:txBody>
+          <a:bodyPr wrap="square">
+            <a:spAutoFit/>
+          </a:bodyPr>
+          <a:lstStyle/>
+          <a:p>
+            <a:r>
+              <a:rPr lang="fr-FR" sz="3600" dirty="0" err="1">
+                <a:solidFill>
+                  <a:srgbClr val="707070"/>
+                </a:solidFill>
+                <a:latin typeface="Fjalla One" panose="02000506040000020004" pitchFamily="2" charset="0"/>
+                <a:cs typeface="Segoe UI" panose="020B0502040204020203" pitchFamily="34" charset="0"/>
+              </a:rPr>
+              <a:t>Fjalla</a:t>
+            </a:r>
+            <a:r>
+              <a:rPr lang="fr-FR" sz="3600" dirty="0">
+                <a:solidFill>
+                  <a:srgbClr val="707070"/>
+                </a:solidFill>
+                <a:latin typeface="Fjalla One" panose="02000506040000020004" pitchFamily="2" charset="0"/>
+                <a:cs typeface="Segoe UI" panose="020B0502040204020203" pitchFamily="34" charset="0"/>
+              </a:rPr>
+              <a:t> One (titre) </a:t>
+            </a:r>
+          </a:p>
+          <a:p>
+            <a:r>
+              <a:rPr lang="fr-FR" sz="3600" dirty="0" err="1">
+                <a:solidFill>
+                  <a:srgbClr val="707070"/>
+                </a:solidFill>
+                <a:latin typeface="Segoe UI" panose="020B0502040204020203" pitchFamily="34" charset="0"/>
+                <a:cs typeface="Segoe UI" panose="020B0502040204020203" pitchFamily="34" charset="0"/>
+              </a:rPr>
+              <a:t>SegoeUI</a:t>
+            </a:r>
+            <a:r>
+              <a:rPr lang="fr-FR" sz="3600" dirty="0">
+                <a:solidFill>
+                  <a:srgbClr val="707070"/>
+                </a:solidFill>
+                <a:latin typeface="Segoe UI" panose="020B0502040204020203" pitchFamily="34" charset="0"/>
+                <a:cs typeface="Segoe UI" panose="020B0502040204020203" pitchFamily="34" charset="0"/>
+              </a:rPr>
+              <a:t> (corps de texte)</a:t>
+            </a:r>
+          </a:p>
+        </p:txBody>
+      </p:sp>
+      <p:pic>
+        <p:nvPicPr>
+          <p:cNvPr id="15" name="Image 14">
+            <a:extLst>
+              <a:ext uri="{FF2B5EF4-FFF2-40B4-BE49-F238E27FC236}">
+                <a16:creationId xmlns:a16="http://schemas.microsoft.com/office/drawing/2014/main" id="{49437B06-4C91-4478-A4B8-07588658A9D5}"/>
+              </a:ext>
+            </a:extLst>
+          </p:cNvPr>
+          <p:cNvPicPr>
+            <a:picLocks noChangeAspect="1"/>
+          </p:cNvPicPr>
+          <p:nvPr/>
+        </p:nvPicPr>
+        <p:blipFill>
+          <a:blip r:embed="rId2">
+            <a:extLst>
+              <a:ext uri="{28A0092B-C50C-407E-A947-70E740481C1C}">
+                <a14:useLocalDpi xmlns:a14="http://schemas.microsoft.com/office/drawing/2010/main" val="0"/>
+              </a:ext>
+            </a:extLst>
+          </a:blip>
+          <a:stretch>
+            <a:fillRect/>
+          </a:stretch>
+        </p:blipFill>
+        <p:spPr>
+          <a:xfrm>
+            <a:off x="2128584" y="4335025"/>
+            <a:ext cx="2260506" cy="2260506"/>
+          </a:xfrm>
+          <a:prstGeom prst="rect">
+            <a:avLst/>
+          </a:prstGeom>
+        </p:spPr>
+      </p:pic>
+      <p:pic>
+        <p:nvPicPr>
+          <p:cNvPr id="16" name="Image 15">
+            <a:extLst>
+              <a:ext uri="{FF2B5EF4-FFF2-40B4-BE49-F238E27FC236}">
+                <a16:creationId xmlns:a16="http://schemas.microsoft.com/office/drawing/2014/main" id="{EAD3E66B-60CF-4808-9F64-C3B62DDF2BDF}"/>
+              </a:ext>
+            </a:extLst>
+          </p:cNvPr>
+          <p:cNvPicPr>
+            <a:picLocks noChangeAspect="1"/>
+          </p:cNvPicPr>
+          <p:nvPr/>
+        </p:nvPicPr>
+        <p:blipFill>
+          <a:blip r:embed="rId3">
+            <a:extLst>
+              <a:ext uri="{28A0092B-C50C-407E-A947-70E740481C1C}">
+                <a14:useLocalDpi xmlns:a14="http://schemas.microsoft.com/office/drawing/2010/main" val="0"/>
+              </a:ext>
+            </a:extLst>
+          </a:blip>
+          <a:stretch>
+            <a:fillRect/>
+          </a:stretch>
+        </p:blipFill>
+        <p:spPr>
+          <a:xfrm>
+            <a:off x="240533" y="3535281"/>
+            <a:ext cx="1599487" cy="1599487"/>
+          </a:xfrm>
+          <a:prstGeom prst="rect">
+            <a:avLst/>
+          </a:prstGeom>
+        </p:spPr>
+      </p:pic>
+      <p:pic>
+        <p:nvPicPr>
+          <p:cNvPr id="17" name="Image 16">
+            <a:extLst>
+              <a:ext uri="{FF2B5EF4-FFF2-40B4-BE49-F238E27FC236}">
+                <a16:creationId xmlns:a16="http://schemas.microsoft.com/office/drawing/2014/main" id="{1673EA7F-D702-45B0-9A3E-7AC536D6F394}"/>
+              </a:ext>
+            </a:extLst>
+          </p:cNvPr>
+          <p:cNvPicPr>
+            <a:picLocks noChangeAspect="1"/>
+          </p:cNvPicPr>
+          <p:nvPr/>
+        </p:nvPicPr>
+        <p:blipFill>
+          <a:blip r:embed="rId4">
+            <a:extLst>
+              <a:ext uri="{28A0092B-C50C-407E-A947-70E740481C1C}">
+                <a14:useLocalDpi xmlns:a14="http://schemas.microsoft.com/office/drawing/2010/main" val="0"/>
+              </a:ext>
+            </a:extLst>
+          </a:blip>
+          <a:stretch>
+            <a:fillRect/>
+          </a:stretch>
+        </p:blipFill>
+        <p:spPr>
+          <a:xfrm>
+            <a:off x="2016217" y="2894915"/>
+            <a:ext cx="1106541" cy="1106541"/>
+          </a:xfrm>
+          <a:prstGeom prst="rect">
+            <a:avLst/>
+          </a:prstGeom>
+        </p:spPr>
+      </p:pic>
+      <p:pic>
+        <p:nvPicPr>
+          <p:cNvPr id="18" name="Image 17">
+            <a:extLst>
+              <a:ext uri="{FF2B5EF4-FFF2-40B4-BE49-F238E27FC236}">
+                <a16:creationId xmlns:a16="http://schemas.microsoft.com/office/drawing/2014/main" id="{85D12E2D-4F82-49C3-9FCC-74951BB4055F}"/>
+              </a:ext>
+            </a:extLst>
+          </p:cNvPr>
+          <p:cNvPicPr>
+            <a:picLocks noChangeAspect="1"/>
+          </p:cNvPicPr>
+          <p:nvPr/>
+        </p:nvPicPr>
+        <p:blipFill>
+          <a:blip r:embed="rId5">
+            <a:extLst>
+              <a:ext uri="{28A0092B-C50C-407E-A947-70E740481C1C}">
+                <a14:useLocalDpi xmlns:a14="http://schemas.microsoft.com/office/drawing/2010/main" val="0"/>
+              </a:ext>
+            </a:extLst>
+          </a:blip>
+          <a:stretch>
+            <a:fillRect/>
+          </a:stretch>
+        </p:blipFill>
+        <p:spPr>
+          <a:xfrm>
+            <a:off x="458436" y="1683635"/>
+            <a:ext cx="1325563" cy="1325563"/>
+          </a:xfrm>
+          <a:prstGeom prst="rect">
+            <a:avLst/>
+          </a:prstGeom>
+        </p:spPr>
+      </p:pic>
     </p:spTree>
     <p:extLst>
       <p:ext uri="{BB962C8B-B14F-4D97-AF65-F5344CB8AC3E}">
-        <p14:creationId xmlns:p14="http://schemas.microsoft.com/office/powerpoint/2010/main" val="3854982131"/>
+        <p14:creationId xmlns:p14="http://schemas.microsoft.com/office/powerpoint/2010/main" val="511851118"/>
       </p:ext>
     </p:extLst>
   </p:cSld>
@@ -5736,10 +6165,10 @@
       </p:grpSpPr>
       <p:sp>
         <p:nvSpPr>
-          <p:cNvPr id="12" name="Titre 1">
-            <a:extLst>
-              <a:ext uri="{FF2B5EF4-FFF2-40B4-BE49-F238E27FC236}">
-                <a16:creationId xmlns:a16="http://schemas.microsoft.com/office/drawing/2014/main" id="{8CB05E21-0B36-4229-BC17-A64766192AC5}"/>
+          <p:cNvPr id="2" name="Titre 1">
+            <a:extLst>
+              <a:ext uri="{FF2B5EF4-FFF2-40B4-BE49-F238E27FC236}">
+                <a16:creationId xmlns:a16="http://schemas.microsoft.com/office/drawing/2014/main" id="{0C0609AE-81E1-4AC2-BFCD-B2556C6D552F}"/>
               </a:ext>
             </a:extLst>
           </p:cNvPr>
@@ -5786,225 +6215,17 @@
                 </a:solidFill>
                 <a:latin typeface="Fjalla One" panose="02000506040000020004" pitchFamily="2" charset="0"/>
               </a:rPr>
-              <a:t>Concurrents directs et indirects</a:t>
-            </a:r>
-          </a:p>
-        </p:txBody>
-      </p:sp>
-      <p:sp>
-        <p:nvSpPr>
-          <p:cNvPr id="14" name="Espace réservé du contenu 2">
-            <a:extLst>
-              <a:ext uri="{FF2B5EF4-FFF2-40B4-BE49-F238E27FC236}">
-                <a16:creationId xmlns:a16="http://schemas.microsoft.com/office/drawing/2014/main" id="{BA8DA574-5F90-4169-840F-348B222F0D88}"/>
-              </a:ext>
-            </a:extLst>
-          </p:cNvPr>
-          <p:cNvSpPr txBox="1">
-            <a:spLocks/>
-          </p:cNvSpPr>
-          <p:nvPr/>
-        </p:nvSpPr>
-        <p:spPr>
-          <a:xfrm>
-            <a:off x="2129589" y="2087235"/>
-            <a:ext cx="10515600" cy="4351338"/>
-          </a:xfrm>
-          <a:prstGeom prst="rect">
-            <a:avLst/>
-          </a:prstGeom>
-        </p:spPr>
-        <p:txBody>
-          <a:bodyPr/>
-          <a:lstStyle>
-            <a:lvl1pPr marL="228600" indent="-228600" algn="l" defTabSz="914400" rtl="0" eaLnBrk="1" latinLnBrk="0" hangingPunct="1">
-              <a:lnSpc>
-                <a:spcPct val="90000"/>
-              </a:lnSpc>
-              <a:spcBef>
-                <a:spcPts val="1000"/>
-              </a:spcBef>
-              <a:buFont typeface="Arial" panose="020B0604020202020204" pitchFamily="34" charset="0"/>
-              <a:buChar char="•"/>
-              <a:defRPr sz="2800" kern="1200">
-                <a:solidFill>
-                  <a:schemeClr val="tx1"/>
-                </a:solidFill>
-                <a:latin typeface="+mn-lt"/>
-                <a:ea typeface="+mn-ea"/>
-                <a:cs typeface="+mn-cs"/>
-              </a:defRPr>
-            </a:lvl1pPr>
-            <a:lvl2pPr marL="685800" indent="-228600" algn="l" defTabSz="914400" rtl="0" eaLnBrk="1" latinLnBrk="0" hangingPunct="1">
-              <a:lnSpc>
-                <a:spcPct val="90000"/>
-              </a:lnSpc>
-              <a:spcBef>
-                <a:spcPts val="500"/>
-              </a:spcBef>
-              <a:buFont typeface="Arial" panose="020B0604020202020204" pitchFamily="34" charset="0"/>
-              <a:buChar char="•"/>
-              <a:defRPr sz="2400" kern="1200">
-                <a:solidFill>
-                  <a:schemeClr val="tx1"/>
-                </a:solidFill>
-                <a:latin typeface="+mn-lt"/>
-                <a:ea typeface="+mn-ea"/>
-                <a:cs typeface="+mn-cs"/>
-              </a:defRPr>
-            </a:lvl2pPr>
-            <a:lvl3pPr marL="1143000" indent="-228600" algn="l" defTabSz="914400" rtl="0" eaLnBrk="1" latinLnBrk="0" hangingPunct="1">
-              <a:lnSpc>
-                <a:spcPct val="90000"/>
-              </a:lnSpc>
-              <a:spcBef>
-                <a:spcPts val="500"/>
-              </a:spcBef>
-              <a:buFont typeface="Arial" panose="020B0604020202020204" pitchFamily="34" charset="0"/>
-              <a:buChar char="•"/>
-              <a:defRPr sz="2000" kern="1200">
-                <a:solidFill>
-                  <a:schemeClr val="tx1"/>
-                </a:solidFill>
-                <a:latin typeface="+mn-lt"/>
-                <a:ea typeface="+mn-ea"/>
-                <a:cs typeface="+mn-cs"/>
-              </a:defRPr>
-            </a:lvl3pPr>
-            <a:lvl4pPr marL="1600200" indent="-228600" algn="l" defTabSz="914400" rtl="0" eaLnBrk="1" latinLnBrk="0" hangingPunct="1">
-              <a:lnSpc>
-                <a:spcPct val="90000"/>
-              </a:lnSpc>
-              <a:spcBef>
-                <a:spcPts val="500"/>
-              </a:spcBef>
-              <a:buFont typeface="Arial" panose="020B0604020202020204" pitchFamily="34" charset="0"/>
-              <a:buChar char="•"/>
-              <a:defRPr sz="1800" kern="1200">
-                <a:solidFill>
-                  <a:schemeClr val="tx1"/>
-                </a:solidFill>
-                <a:latin typeface="+mn-lt"/>
-                <a:ea typeface="+mn-ea"/>
-                <a:cs typeface="+mn-cs"/>
-              </a:defRPr>
-            </a:lvl4pPr>
-            <a:lvl5pPr marL="2057400" indent="-228600" algn="l" defTabSz="914400" rtl="0" eaLnBrk="1" latinLnBrk="0" hangingPunct="1">
-              <a:lnSpc>
-                <a:spcPct val="90000"/>
-              </a:lnSpc>
-              <a:spcBef>
-                <a:spcPts val="500"/>
-              </a:spcBef>
-              <a:buFont typeface="Arial" panose="020B0604020202020204" pitchFamily="34" charset="0"/>
-              <a:buChar char="•"/>
-              <a:defRPr sz="1800" kern="1200">
-                <a:solidFill>
-                  <a:schemeClr val="tx1"/>
-                </a:solidFill>
-                <a:latin typeface="+mn-lt"/>
-                <a:ea typeface="+mn-ea"/>
-                <a:cs typeface="+mn-cs"/>
-              </a:defRPr>
-            </a:lvl5pPr>
-            <a:lvl6pPr marL="2514600" indent="-228600" algn="l" defTabSz="914400" rtl="0" eaLnBrk="1" latinLnBrk="0" hangingPunct="1">
-              <a:lnSpc>
-                <a:spcPct val="90000"/>
-              </a:lnSpc>
-              <a:spcBef>
-                <a:spcPts val="500"/>
-              </a:spcBef>
-              <a:buFont typeface="Arial" panose="020B0604020202020204" pitchFamily="34" charset="0"/>
-              <a:buChar char="•"/>
-              <a:defRPr sz="1800" kern="1200">
-                <a:solidFill>
-                  <a:schemeClr val="tx1"/>
-                </a:solidFill>
-                <a:latin typeface="+mn-lt"/>
-                <a:ea typeface="+mn-ea"/>
-                <a:cs typeface="+mn-cs"/>
-              </a:defRPr>
-            </a:lvl6pPr>
-            <a:lvl7pPr marL="2971800" indent="-228600" algn="l" defTabSz="914400" rtl="0" eaLnBrk="1" latinLnBrk="0" hangingPunct="1">
-              <a:lnSpc>
-                <a:spcPct val="90000"/>
-              </a:lnSpc>
-              <a:spcBef>
-                <a:spcPts val="500"/>
-              </a:spcBef>
-              <a:buFont typeface="Arial" panose="020B0604020202020204" pitchFamily="34" charset="0"/>
-              <a:buChar char="•"/>
-              <a:defRPr sz="1800" kern="1200">
-                <a:solidFill>
-                  <a:schemeClr val="tx1"/>
-                </a:solidFill>
-                <a:latin typeface="+mn-lt"/>
-                <a:ea typeface="+mn-ea"/>
-                <a:cs typeface="+mn-cs"/>
-              </a:defRPr>
-            </a:lvl7pPr>
-            <a:lvl8pPr marL="3429000" indent="-228600" algn="l" defTabSz="914400" rtl="0" eaLnBrk="1" latinLnBrk="0" hangingPunct="1">
-              <a:lnSpc>
-                <a:spcPct val="90000"/>
-              </a:lnSpc>
-              <a:spcBef>
-                <a:spcPts val="500"/>
-              </a:spcBef>
-              <a:buFont typeface="Arial" panose="020B0604020202020204" pitchFamily="34" charset="0"/>
-              <a:buChar char="•"/>
-              <a:defRPr sz="1800" kern="1200">
-                <a:solidFill>
-                  <a:schemeClr val="tx1"/>
-                </a:solidFill>
-                <a:latin typeface="+mn-lt"/>
-                <a:ea typeface="+mn-ea"/>
-                <a:cs typeface="+mn-cs"/>
-              </a:defRPr>
-            </a:lvl8pPr>
-            <a:lvl9pPr marL="3886200" indent="-228600" algn="l" defTabSz="914400" rtl="0" eaLnBrk="1" latinLnBrk="0" hangingPunct="1">
-              <a:lnSpc>
-                <a:spcPct val="90000"/>
-              </a:lnSpc>
-              <a:spcBef>
-                <a:spcPts val="500"/>
-              </a:spcBef>
-              <a:buFont typeface="Arial" panose="020B0604020202020204" pitchFamily="34" charset="0"/>
-              <a:buChar char="•"/>
-              <a:defRPr sz="1800" kern="1200">
-                <a:solidFill>
-                  <a:schemeClr val="tx1"/>
-                </a:solidFill>
-                <a:latin typeface="+mn-lt"/>
-                <a:ea typeface="+mn-ea"/>
-                <a:cs typeface="+mn-cs"/>
-              </a:defRPr>
-            </a:lvl9pPr>
-          </a:lstStyle>
-          <a:p>
-            <a:pPr marL="0" indent="0">
-              <a:buNone/>
-            </a:pPr>
-            <a:r>
-              <a:rPr lang="fr-FR" dirty="0">
-                <a:solidFill>
-                  <a:schemeClr val="bg2">
-                    <a:lumMod val="50000"/>
-                  </a:schemeClr>
-                </a:solidFill>
-                <a:latin typeface="Segoe UI" panose="020B0502040204020203" pitchFamily="34" charset="0"/>
-                <a:cs typeface="Segoe UI" panose="020B0502040204020203" pitchFamily="34" charset="0"/>
-              </a:rPr>
-              <a:t>Texte blablabla</a:t>
-            </a:r>
-          </a:p>
-        </p:txBody>
-      </p:sp>
-      <p:sp>
-        <p:nvSpPr>
-          <p:cNvPr id="9" name="Rectangle 8">
-            <a:extLst>
-              <a:ext uri="{FF2B5EF4-FFF2-40B4-BE49-F238E27FC236}">
-                <a16:creationId xmlns:a16="http://schemas.microsoft.com/office/drawing/2014/main" id="{EE7D3276-0BDB-461D-B207-F5EE677F8F14}"/>
+              <a:t>Charte graphique</a:t>
+            </a:r>
+          </a:p>
+        </p:txBody>
+      </p:sp>
+      <p:sp>
+        <p:nvSpPr>
+          <p:cNvPr id="4" name="Rectangle 3">
+            <a:extLst>
+              <a:ext uri="{FF2B5EF4-FFF2-40B4-BE49-F238E27FC236}">
+                <a16:creationId xmlns:a16="http://schemas.microsoft.com/office/drawing/2014/main" id="{25F03F66-B246-4943-986B-42B62BD29A1B}"/>
               </a:ext>
             </a:extLst>
           </p:cNvPr>
@@ -6049,10 +6270,10 @@
       </p:sp>
       <p:sp>
         <p:nvSpPr>
-          <p:cNvPr id="10" name="Rectangle 9">
-            <a:extLst>
-              <a:ext uri="{FF2B5EF4-FFF2-40B4-BE49-F238E27FC236}">
-                <a16:creationId xmlns:a16="http://schemas.microsoft.com/office/drawing/2014/main" id="{5719C5B8-FC55-413B-BD37-47960D3A6BE5}"/>
+          <p:cNvPr id="5" name="Rectangle 4">
+            <a:extLst>
+              <a:ext uri="{FF2B5EF4-FFF2-40B4-BE49-F238E27FC236}">
+                <a16:creationId xmlns:a16="http://schemas.microsoft.com/office/drawing/2014/main" id="{1E578D9D-1CFD-4D73-8A60-E24974B74B07}"/>
               </a:ext>
             </a:extLst>
           </p:cNvPr>
@@ -6087,10 +6308,215 @@
           </a:p>
         </p:txBody>
       </p:sp>
+      <p:pic>
+        <p:nvPicPr>
+          <p:cNvPr id="20" name="Image 19">
+            <a:extLst>
+              <a:ext uri="{FF2B5EF4-FFF2-40B4-BE49-F238E27FC236}">
+                <a16:creationId xmlns:a16="http://schemas.microsoft.com/office/drawing/2014/main" id="{A2C9F015-AC15-4D28-8179-6A20270D06B8}"/>
+              </a:ext>
+            </a:extLst>
+          </p:cNvPr>
+          <p:cNvPicPr>
+            <a:picLocks noChangeAspect="1"/>
+          </p:cNvPicPr>
+          <p:nvPr/>
+        </p:nvPicPr>
+        <p:blipFill>
+          <a:blip r:embed="rId2">
+            <a:extLst>
+              <a:ext uri="{28A0092B-C50C-407E-A947-70E740481C1C}">
+                <a14:useLocalDpi xmlns:a14="http://schemas.microsoft.com/office/drawing/2010/main" val="0"/>
+              </a:ext>
+            </a:extLst>
+          </a:blip>
+          <a:stretch>
+            <a:fillRect/>
+          </a:stretch>
+        </p:blipFill>
+        <p:spPr>
+          <a:xfrm>
+            <a:off x="8769475" y="2022083"/>
+            <a:ext cx="2532407" cy="2640169"/>
+          </a:xfrm>
+          <a:prstGeom prst="rect">
+            <a:avLst/>
+          </a:prstGeom>
+        </p:spPr>
+      </p:pic>
+      <p:pic>
+        <p:nvPicPr>
+          <p:cNvPr id="22" name="Image 21">
+            <a:extLst>
+              <a:ext uri="{FF2B5EF4-FFF2-40B4-BE49-F238E27FC236}">
+                <a16:creationId xmlns:a16="http://schemas.microsoft.com/office/drawing/2014/main" id="{6F96CB24-C815-42DA-B0B0-B3EB7CEE4C6B}"/>
+              </a:ext>
+            </a:extLst>
+          </p:cNvPr>
+          <p:cNvPicPr>
+            <a:picLocks noChangeAspect="1"/>
+          </p:cNvPicPr>
+          <p:nvPr/>
+        </p:nvPicPr>
+        <p:blipFill>
+          <a:blip r:embed="rId3">
+            <a:extLst>
+              <a:ext uri="{28A0092B-C50C-407E-A947-70E740481C1C}">
+                <a14:useLocalDpi xmlns:a14="http://schemas.microsoft.com/office/drawing/2010/main" val="0"/>
+              </a:ext>
+            </a:extLst>
+          </a:blip>
+          <a:stretch>
+            <a:fillRect/>
+          </a:stretch>
+        </p:blipFill>
+        <p:spPr>
+          <a:xfrm>
+            <a:off x="389022" y="2158806"/>
+            <a:ext cx="3189650" cy="2366725"/>
+          </a:xfrm>
+          <a:prstGeom prst="rect">
+            <a:avLst/>
+          </a:prstGeom>
+        </p:spPr>
+      </p:pic>
+      <p:grpSp>
+        <p:nvGrpSpPr>
+          <p:cNvPr id="7" name="Groupe 6">
+            <a:extLst>
+              <a:ext uri="{FF2B5EF4-FFF2-40B4-BE49-F238E27FC236}">
+                <a16:creationId xmlns:a16="http://schemas.microsoft.com/office/drawing/2014/main" id="{66155A1A-A94C-4B58-9879-849E09F1AC5F}"/>
+              </a:ext>
+            </a:extLst>
+          </p:cNvPr>
+          <p:cNvGrpSpPr/>
+          <p:nvPr/>
+        </p:nvGrpSpPr>
+        <p:grpSpPr>
+          <a:xfrm>
+            <a:off x="4779774" y="2632924"/>
+            <a:ext cx="2632452" cy="1758405"/>
+            <a:chOff x="5071560" y="2371813"/>
+            <a:chExt cx="2632452" cy="1758405"/>
+          </a:xfrm>
+        </p:grpSpPr>
+        <p:pic>
+          <p:nvPicPr>
+            <p:cNvPr id="21" name="Image 20">
+              <a:extLst>
+                <a:ext uri="{FF2B5EF4-FFF2-40B4-BE49-F238E27FC236}">
+                  <a16:creationId xmlns:a16="http://schemas.microsoft.com/office/drawing/2014/main" id="{865880B0-E604-4A8F-A355-A9F4DB809156}"/>
+                </a:ext>
+              </a:extLst>
+            </p:cNvPr>
+            <p:cNvPicPr>
+              <a:picLocks noChangeAspect="1"/>
+            </p:cNvPicPr>
+            <p:nvPr/>
+          </p:nvPicPr>
+          <p:blipFill>
+            <a:blip r:embed="rId4">
+              <a:extLst>
+                <a:ext uri="{28A0092B-C50C-407E-A947-70E740481C1C}">
+                  <a14:useLocalDpi xmlns:a14="http://schemas.microsoft.com/office/drawing/2010/main" val="0"/>
+                </a:ext>
+              </a:extLst>
+            </a:blip>
+            <a:stretch>
+              <a:fillRect/>
+            </a:stretch>
+          </p:blipFill>
+          <p:spPr>
+            <a:xfrm>
+              <a:off x="5071560" y="3081059"/>
+              <a:ext cx="1049159" cy="1049159"/>
+            </a:xfrm>
+            <a:prstGeom prst="rect">
+              <a:avLst/>
+            </a:prstGeom>
+          </p:spPr>
+        </p:pic>
+        <p:pic>
+          <p:nvPicPr>
+            <p:cNvPr id="23" name="Image 22">
+              <a:extLst>
+                <a:ext uri="{FF2B5EF4-FFF2-40B4-BE49-F238E27FC236}">
+                  <a16:creationId xmlns:a16="http://schemas.microsoft.com/office/drawing/2014/main" id="{01B57968-BBF7-4921-8B55-F37940E5CBF5}"/>
+                </a:ext>
+              </a:extLst>
+            </p:cNvPr>
+            <p:cNvPicPr>
+              <a:picLocks noChangeAspect="1"/>
+            </p:cNvPicPr>
+            <p:nvPr/>
+          </p:nvPicPr>
+          <p:blipFill>
+            <a:blip r:embed="rId5">
+              <a:extLst>
+                <a:ext uri="{28A0092B-C50C-407E-A947-70E740481C1C}">
+                  <a14:useLocalDpi xmlns:a14="http://schemas.microsoft.com/office/drawing/2010/main" val="0"/>
+                </a:ext>
+              </a:extLst>
+            </a:blip>
+            <a:stretch>
+              <a:fillRect/>
+            </a:stretch>
+          </p:blipFill>
+          <p:spPr>
+            <a:xfrm>
+              <a:off x="6651423" y="3081058"/>
+              <a:ext cx="1049159" cy="1049159"/>
+            </a:xfrm>
+            <a:prstGeom prst="rect">
+              <a:avLst/>
+            </a:prstGeom>
+          </p:spPr>
+        </p:pic>
+        <p:sp>
+          <p:nvSpPr>
+            <p:cNvPr id="3" name="Rectangle 2">
+              <a:extLst>
+                <a:ext uri="{FF2B5EF4-FFF2-40B4-BE49-F238E27FC236}">
+                  <a16:creationId xmlns:a16="http://schemas.microsoft.com/office/drawing/2014/main" id="{6E5F294C-B9A2-4F1A-AB3E-3D8C063AA22F}"/>
+                </a:ext>
+              </a:extLst>
+            </p:cNvPr>
+            <p:cNvSpPr/>
+            <p:nvPr/>
+          </p:nvSpPr>
+          <p:spPr>
+            <a:xfrm>
+              <a:off x="5071560" y="2371813"/>
+              <a:ext cx="2632452" cy="369332"/>
+            </a:xfrm>
+            <a:prstGeom prst="rect">
+              <a:avLst/>
+            </a:prstGeom>
+          </p:spPr>
+          <p:txBody>
+            <a:bodyPr wrap="none">
+              <a:spAutoFit/>
+            </a:bodyPr>
+            <a:lstStyle/>
+            <a:p>
+              <a:r>
+                <a:rPr lang="fr-FR" dirty="0">
+                  <a:solidFill>
+                    <a:srgbClr val="707070"/>
+                  </a:solidFill>
+                  <a:latin typeface="Segoe UI" panose="020B0502040204020203" pitchFamily="34" charset="0"/>
+                  <a:cs typeface="Segoe UI" panose="020B0502040204020203" pitchFamily="34" charset="0"/>
+                </a:rPr>
+                <a:t>Icones en « flat design »</a:t>
+              </a:r>
+            </a:p>
+          </p:txBody>
+        </p:sp>
+      </p:grpSp>
     </p:spTree>
     <p:extLst>
       <p:ext uri="{BB962C8B-B14F-4D97-AF65-F5344CB8AC3E}">
-        <p14:creationId xmlns:p14="http://schemas.microsoft.com/office/powerpoint/2010/main" val="1498753491"/>
+        <p14:creationId xmlns:p14="http://schemas.microsoft.com/office/powerpoint/2010/main" val="74188245"/>
       </p:ext>
     </p:extLst>
   </p:cSld>
@@ -6169,7 +6595,7 @@
                 </a:solidFill>
                 <a:latin typeface="Fjalla One" panose="02000506040000020004" pitchFamily="2" charset="0"/>
               </a:rPr>
-              <a:t>Politique tarifaire &amp; distribution</a:t>
+              <a:t>Signes  de reconnaissance</a:t>
             </a:r>
           </a:p>
         </p:txBody>
@@ -6473,7 +6899,7 @@
     </p:spTree>
     <p:extLst>
       <p:ext uri="{BB962C8B-B14F-4D97-AF65-F5344CB8AC3E}">
-        <p14:creationId xmlns:p14="http://schemas.microsoft.com/office/powerpoint/2010/main" val="1900340839"/>
+        <p14:creationId xmlns:p14="http://schemas.microsoft.com/office/powerpoint/2010/main" val="3854982131"/>
       </p:ext>
     </p:extLst>
   </p:cSld>
@@ -6552,7 +6978,7 @@
                 </a:solidFill>
                 <a:latin typeface="Fjalla One" panose="02000506040000020004" pitchFamily="2" charset="0"/>
               </a:rPr>
-              <a:t>Politique de communication</a:t>
+              <a:t>Concurrents directs et indirects</a:t>
             </a:r>
           </a:p>
         </p:txBody>
@@ -6573,7 +6999,7 @@
         </p:nvSpPr>
         <p:spPr>
           <a:xfrm>
-            <a:off x="1471863" y="2271901"/>
+            <a:off x="2129589" y="2087235"/>
             <a:ext cx="10515600" cy="4351338"/>
           </a:xfrm>
           <a:prstGeom prst="rect">
@@ -6760,41 +7186,7 @@
                 <a:latin typeface="Segoe UI" panose="020B0502040204020203" pitchFamily="34" charset="0"/>
                 <a:cs typeface="Segoe UI" panose="020B0502040204020203" pitchFamily="34" charset="0"/>
               </a:rPr>
-              <a:t>a. Cible principale et secondaire</a:t>
-            </a:r>
-          </a:p>
-          <a:p>
-            <a:pPr marL="0" indent="0">
-              <a:buNone/>
-            </a:pPr>
-            <a:r>
-              <a:rPr lang="fr-FR" dirty="0">
-                <a:solidFill>
-                  <a:schemeClr val="bg2">
-                    <a:lumMod val="50000"/>
-                  </a:schemeClr>
-                </a:solidFill>
-                <a:latin typeface="Segoe UI" panose="020B0502040204020203" pitchFamily="34" charset="0"/>
-                <a:cs typeface="Segoe UI" panose="020B0502040204020203" pitchFamily="34" charset="0"/>
-              </a:rPr>
-              <a:t>b. Message de Communication</a:t>
-            </a:r>
-          </a:p>
-          <a:p>
-            <a:pPr marL="0" indent="0">
-              <a:buNone/>
-            </a:pPr>
-            <a:r>
-              <a:rPr lang="fr-FR" dirty="0">
-                <a:solidFill>
-                  <a:schemeClr val="bg2">
-                    <a:lumMod val="50000"/>
-                  </a:schemeClr>
-                </a:solidFill>
-                <a:latin typeface="Segoe UI" panose="020B0502040204020203" pitchFamily="34" charset="0"/>
-                <a:cs typeface="Segoe UI" panose="020B0502040204020203" pitchFamily="34" charset="0"/>
-              </a:rPr>
-              <a:t>c. Moyens de communication</a:t>
+              <a:t>Texte blablabla</a:t>
             </a:r>
           </a:p>
         </p:txBody>
@@ -6890,7 +7282,7 @@
     </p:spTree>
     <p:extLst>
       <p:ext uri="{BB962C8B-B14F-4D97-AF65-F5344CB8AC3E}">
-        <p14:creationId xmlns:p14="http://schemas.microsoft.com/office/powerpoint/2010/main" val="1456083070"/>
+        <p14:creationId xmlns:p14="http://schemas.microsoft.com/office/powerpoint/2010/main" val="1498753491"/>
       </p:ext>
     </p:extLst>
   </p:cSld>
@@ -6919,62 +7311,275 @@
       </p:grpSpPr>
       <p:sp>
         <p:nvSpPr>
-          <p:cNvPr id="2" name="Rectangle 1">
-            <a:extLst>
-              <a:ext uri="{FF2B5EF4-FFF2-40B4-BE49-F238E27FC236}">
-                <a16:creationId xmlns:a16="http://schemas.microsoft.com/office/drawing/2014/main" id="{F27BFD2C-A701-487D-A856-0F6F03341EF6}"/>
-              </a:ext>
-            </a:extLst>
-          </p:cNvPr>
-          <p:cNvSpPr/>
+          <p:cNvPr id="12" name="Titre 1">
+            <a:extLst>
+              <a:ext uri="{FF2B5EF4-FFF2-40B4-BE49-F238E27FC236}">
+                <a16:creationId xmlns:a16="http://schemas.microsoft.com/office/drawing/2014/main" id="{8CB05E21-0B36-4229-BC17-A64766192AC5}"/>
+              </a:ext>
+            </a:extLst>
+          </p:cNvPr>
+          <p:cNvSpPr txBox="1">
+            <a:spLocks/>
+          </p:cNvSpPr>
           <p:nvPr/>
         </p:nvSpPr>
         <p:spPr>
           <a:xfrm>
-            <a:off x="0" y="1805709"/>
-            <a:ext cx="12192000" cy="5052291"/>
+            <a:off x="389022" y="500062"/>
+            <a:ext cx="10515600" cy="1325563"/>
           </a:xfrm>
           <a:prstGeom prst="rect">
             <a:avLst/>
           </a:prstGeom>
-          <a:solidFill>
-            <a:srgbClr val="F5F7FA"/>
-          </a:solidFill>
-          <a:ln>
-            <a:noFill/>
-          </a:ln>
-        </p:spPr>
-        <p:style>
-          <a:lnRef idx="2">
-            <a:schemeClr val="accent1">
-              <a:shade val="50000"/>
-            </a:schemeClr>
-          </a:lnRef>
-          <a:fillRef idx="1">
-            <a:schemeClr val="accent1"/>
-          </a:fillRef>
-          <a:effectRef idx="0">
-            <a:schemeClr val="accent1"/>
-          </a:effectRef>
-          <a:fontRef idx="minor">
-            <a:schemeClr val="lt1"/>
-          </a:fontRef>
-        </p:style>
-        <p:txBody>
-          <a:bodyPr rtlCol="0" anchor="ctr"/>
-          <a:lstStyle/>
-          <a:p>
-            <a:pPr algn="ctr"/>
-            <a:endParaRPr lang="fr-FR"/>
-          </a:p>
-        </p:txBody>
-      </p:sp>
-      <p:sp>
-        <p:nvSpPr>
-          <p:cNvPr id="6" name="Rectangle 5">
-            <a:extLst>
-              <a:ext uri="{FF2B5EF4-FFF2-40B4-BE49-F238E27FC236}">
-                <a16:creationId xmlns:a16="http://schemas.microsoft.com/office/drawing/2014/main" id="{604E25AD-D51C-4D61-B2EC-DEADFA2C3B95}"/>
+        </p:spPr>
+        <p:txBody>
+          <a:bodyPr/>
+          <a:lstStyle>
+            <a:lvl1pPr algn="l" defTabSz="914400" rtl="0" eaLnBrk="1" latinLnBrk="0" hangingPunct="1">
+              <a:lnSpc>
+                <a:spcPct val="90000"/>
+              </a:lnSpc>
+              <a:spcBef>
+                <a:spcPct val="0"/>
+              </a:spcBef>
+              <a:buNone/>
+              <a:defRPr sz="4400" kern="1200">
+                <a:solidFill>
+                  <a:schemeClr val="tx1"/>
+                </a:solidFill>
+                <a:latin typeface="+mj-lt"/>
+                <a:ea typeface="+mj-ea"/>
+                <a:cs typeface="+mj-cs"/>
+              </a:defRPr>
+            </a:lvl1pPr>
+          </a:lstStyle>
+          <a:p>
+            <a:r>
+              <a:rPr lang="fr-FR" dirty="0">
+                <a:solidFill>
+                  <a:srgbClr val="3C4DBA"/>
+                </a:solidFill>
+                <a:latin typeface="Fjalla One" panose="02000506040000020004" pitchFamily="2" charset="0"/>
+              </a:rPr>
+              <a:t>Politique tarifaire &amp; distribution</a:t>
+            </a:r>
+          </a:p>
+        </p:txBody>
+      </p:sp>
+      <p:sp>
+        <p:nvSpPr>
+          <p:cNvPr id="14" name="Espace réservé du contenu 2">
+            <a:extLst>
+              <a:ext uri="{FF2B5EF4-FFF2-40B4-BE49-F238E27FC236}">
+                <a16:creationId xmlns:a16="http://schemas.microsoft.com/office/drawing/2014/main" id="{BA8DA574-5F90-4169-840F-348B222F0D88}"/>
+              </a:ext>
+            </a:extLst>
+          </p:cNvPr>
+          <p:cNvSpPr txBox="1">
+            <a:spLocks/>
+          </p:cNvSpPr>
+          <p:nvPr/>
+        </p:nvSpPr>
+        <p:spPr>
+          <a:xfrm>
+            <a:off x="2129589" y="2087235"/>
+            <a:ext cx="10515600" cy="4351338"/>
+          </a:xfrm>
+          <a:prstGeom prst="rect">
+            <a:avLst/>
+          </a:prstGeom>
+        </p:spPr>
+        <p:txBody>
+          <a:bodyPr/>
+          <a:lstStyle>
+            <a:lvl1pPr marL="228600" indent="-228600" algn="l" defTabSz="914400" rtl="0" eaLnBrk="1" latinLnBrk="0" hangingPunct="1">
+              <a:lnSpc>
+                <a:spcPct val="90000"/>
+              </a:lnSpc>
+              <a:spcBef>
+                <a:spcPts val="1000"/>
+              </a:spcBef>
+              <a:buFont typeface="Arial" panose="020B0604020202020204" pitchFamily="34" charset="0"/>
+              <a:buChar char="•"/>
+              <a:defRPr sz="2800" kern="1200">
+                <a:solidFill>
+                  <a:schemeClr val="tx1"/>
+                </a:solidFill>
+                <a:latin typeface="+mn-lt"/>
+                <a:ea typeface="+mn-ea"/>
+                <a:cs typeface="+mn-cs"/>
+              </a:defRPr>
+            </a:lvl1pPr>
+            <a:lvl2pPr marL="685800" indent="-228600" algn="l" defTabSz="914400" rtl="0" eaLnBrk="1" latinLnBrk="0" hangingPunct="1">
+              <a:lnSpc>
+                <a:spcPct val="90000"/>
+              </a:lnSpc>
+              <a:spcBef>
+                <a:spcPts val="500"/>
+              </a:spcBef>
+              <a:buFont typeface="Arial" panose="020B0604020202020204" pitchFamily="34" charset="0"/>
+              <a:buChar char="•"/>
+              <a:defRPr sz="2400" kern="1200">
+                <a:solidFill>
+                  <a:schemeClr val="tx1"/>
+                </a:solidFill>
+                <a:latin typeface="+mn-lt"/>
+                <a:ea typeface="+mn-ea"/>
+                <a:cs typeface="+mn-cs"/>
+              </a:defRPr>
+            </a:lvl2pPr>
+            <a:lvl3pPr marL="1143000" indent="-228600" algn="l" defTabSz="914400" rtl="0" eaLnBrk="1" latinLnBrk="0" hangingPunct="1">
+              <a:lnSpc>
+                <a:spcPct val="90000"/>
+              </a:lnSpc>
+              <a:spcBef>
+                <a:spcPts val="500"/>
+              </a:spcBef>
+              <a:buFont typeface="Arial" panose="020B0604020202020204" pitchFamily="34" charset="0"/>
+              <a:buChar char="•"/>
+              <a:defRPr sz="2000" kern="1200">
+                <a:solidFill>
+                  <a:schemeClr val="tx1"/>
+                </a:solidFill>
+                <a:latin typeface="+mn-lt"/>
+                <a:ea typeface="+mn-ea"/>
+                <a:cs typeface="+mn-cs"/>
+              </a:defRPr>
+            </a:lvl3pPr>
+            <a:lvl4pPr marL="1600200" indent="-228600" algn="l" defTabSz="914400" rtl="0" eaLnBrk="1" latinLnBrk="0" hangingPunct="1">
+              <a:lnSpc>
+                <a:spcPct val="90000"/>
+              </a:lnSpc>
+              <a:spcBef>
+                <a:spcPts val="500"/>
+              </a:spcBef>
+              <a:buFont typeface="Arial" panose="020B0604020202020204" pitchFamily="34" charset="0"/>
+              <a:buChar char="•"/>
+              <a:defRPr sz="1800" kern="1200">
+                <a:solidFill>
+                  <a:schemeClr val="tx1"/>
+                </a:solidFill>
+                <a:latin typeface="+mn-lt"/>
+                <a:ea typeface="+mn-ea"/>
+                <a:cs typeface="+mn-cs"/>
+              </a:defRPr>
+            </a:lvl4pPr>
+            <a:lvl5pPr marL="2057400" indent="-228600" algn="l" defTabSz="914400" rtl="0" eaLnBrk="1" latinLnBrk="0" hangingPunct="1">
+              <a:lnSpc>
+                <a:spcPct val="90000"/>
+              </a:lnSpc>
+              <a:spcBef>
+                <a:spcPts val="500"/>
+              </a:spcBef>
+              <a:buFont typeface="Arial" panose="020B0604020202020204" pitchFamily="34" charset="0"/>
+              <a:buChar char="•"/>
+              <a:defRPr sz="1800" kern="1200">
+                <a:solidFill>
+                  <a:schemeClr val="tx1"/>
+                </a:solidFill>
+                <a:latin typeface="+mn-lt"/>
+                <a:ea typeface="+mn-ea"/>
+                <a:cs typeface="+mn-cs"/>
+              </a:defRPr>
+            </a:lvl5pPr>
+            <a:lvl6pPr marL="2514600" indent="-228600" algn="l" defTabSz="914400" rtl="0" eaLnBrk="1" latinLnBrk="0" hangingPunct="1">
+              <a:lnSpc>
+                <a:spcPct val="90000"/>
+              </a:lnSpc>
+              <a:spcBef>
+                <a:spcPts val="500"/>
+              </a:spcBef>
+              <a:buFont typeface="Arial" panose="020B0604020202020204" pitchFamily="34" charset="0"/>
+              <a:buChar char="•"/>
+              <a:defRPr sz="1800" kern="1200">
+                <a:solidFill>
+                  <a:schemeClr val="tx1"/>
+                </a:solidFill>
+                <a:latin typeface="+mn-lt"/>
+                <a:ea typeface="+mn-ea"/>
+                <a:cs typeface="+mn-cs"/>
+              </a:defRPr>
+            </a:lvl6pPr>
+            <a:lvl7pPr marL="2971800" indent="-228600" algn="l" defTabSz="914400" rtl="0" eaLnBrk="1" latinLnBrk="0" hangingPunct="1">
+              <a:lnSpc>
+                <a:spcPct val="90000"/>
+              </a:lnSpc>
+              <a:spcBef>
+                <a:spcPts val="500"/>
+              </a:spcBef>
+              <a:buFont typeface="Arial" panose="020B0604020202020204" pitchFamily="34" charset="0"/>
+              <a:buChar char="•"/>
+              <a:defRPr sz="1800" kern="1200">
+                <a:solidFill>
+                  <a:schemeClr val="tx1"/>
+                </a:solidFill>
+                <a:latin typeface="+mn-lt"/>
+                <a:ea typeface="+mn-ea"/>
+                <a:cs typeface="+mn-cs"/>
+              </a:defRPr>
+            </a:lvl7pPr>
+            <a:lvl8pPr marL="3429000" indent="-228600" algn="l" defTabSz="914400" rtl="0" eaLnBrk="1" latinLnBrk="0" hangingPunct="1">
+              <a:lnSpc>
+                <a:spcPct val="90000"/>
+              </a:lnSpc>
+              <a:spcBef>
+                <a:spcPts val="500"/>
+              </a:spcBef>
+              <a:buFont typeface="Arial" panose="020B0604020202020204" pitchFamily="34" charset="0"/>
+              <a:buChar char="•"/>
+              <a:defRPr sz="1800" kern="1200">
+                <a:solidFill>
+                  <a:schemeClr val="tx1"/>
+                </a:solidFill>
+                <a:latin typeface="+mn-lt"/>
+                <a:ea typeface="+mn-ea"/>
+                <a:cs typeface="+mn-cs"/>
+              </a:defRPr>
+            </a:lvl8pPr>
+            <a:lvl9pPr marL="3886200" indent="-228600" algn="l" defTabSz="914400" rtl="0" eaLnBrk="1" latinLnBrk="0" hangingPunct="1">
+              <a:lnSpc>
+                <a:spcPct val="90000"/>
+              </a:lnSpc>
+              <a:spcBef>
+                <a:spcPts val="500"/>
+              </a:spcBef>
+              <a:buFont typeface="Arial" panose="020B0604020202020204" pitchFamily="34" charset="0"/>
+              <a:buChar char="•"/>
+              <a:defRPr sz="1800" kern="1200">
+                <a:solidFill>
+                  <a:schemeClr val="tx1"/>
+                </a:solidFill>
+                <a:latin typeface="+mn-lt"/>
+                <a:ea typeface="+mn-ea"/>
+                <a:cs typeface="+mn-cs"/>
+              </a:defRPr>
+            </a:lvl9pPr>
+          </a:lstStyle>
+          <a:p>
+            <a:pPr marL="0" indent="0">
+              <a:buNone/>
+            </a:pPr>
+            <a:r>
+              <a:rPr lang="fr-FR" dirty="0">
+                <a:solidFill>
+                  <a:schemeClr val="bg2">
+                    <a:lumMod val="50000"/>
+                  </a:schemeClr>
+                </a:solidFill>
+                <a:latin typeface="Segoe UI" panose="020B0502040204020203" pitchFamily="34" charset="0"/>
+                <a:cs typeface="Segoe UI" panose="020B0502040204020203" pitchFamily="34" charset="0"/>
+              </a:rPr>
+              <a:t>Texte blablabla</a:t>
+            </a:r>
+          </a:p>
+        </p:txBody>
+      </p:sp>
+      <p:sp>
+        <p:nvSpPr>
+          <p:cNvPr id="9" name="Rectangle 8">
+            <a:extLst>
+              <a:ext uri="{FF2B5EF4-FFF2-40B4-BE49-F238E27FC236}">
+                <a16:creationId xmlns:a16="http://schemas.microsoft.com/office/drawing/2014/main" id="{EE7D3276-0BDB-461D-B207-F5EE677F8F14}"/>
               </a:ext>
             </a:extLst>
           </p:cNvPr>
@@ -6983,7 +7588,7 @@
         </p:nvSpPr>
         <p:spPr>
           <a:xfrm>
-            <a:off x="9248942" y="5984120"/>
+            <a:off x="9452064" y="6176963"/>
             <a:ext cx="2739936" cy="523220"/>
           </a:xfrm>
           <a:prstGeom prst="rect">
@@ -7019,10 +7624,10 @@
       </p:sp>
       <p:sp>
         <p:nvSpPr>
-          <p:cNvPr id="4" name="Rectangle 3">
-            <a:extLst>
-              <a:ext uri="{FF2B5EF4-FFF2-40B4-BE49-F238E27FC236}">
-                <a16:creationId xmlns:a16="http://schemas.microsoft.com/office/drawing/2014/main" id="{06DF5695-BF6D-4C46-B4A9-F588C5F28C66}"/>
+          <p:cNvPr id="10" name="Rectangle 9">
+            <a:extLst>
+              <a:ext uri="{FF2B5EF4-FFF2-40B4-BE49-F238E27FC236}">
+                <a16:creationId xmlns:a16="http://schemas.microsoft.com/office/drawing/2014/main" id="{5719C5B8-FC55-413B-BD37-47960D3A6BE5}"/>
               </a:ext>
             </a:extLst>
           </p:cNvPr>
@@ -7031,8 +7636,8 @@
         </p:nvSpPr>
         <p:spPr>
           <a:xfrm>
-            <a:off x="2879602" y="550664"/>
-            <a:ext cx="3855543" cy="923330"/>
+            <a:off x="5957180" y="6438573"/>
+            <a:ext cx="303288" cy="369332"/>
           </a:xfrm>
           <a:prstGeom prst="rect">
             <a:avLst/>
@@ -7045,310 +7650,22 @@
           <a:lstStyle/>
           <a:p>
             <a:r>
-              <a:rPr lang="fr-FR" sz="5400" b="1" dirty="0">
+              <a:rPr lang="fr-FR" dirty="0">
                 <a:solidFill>
                   <a:srgbClr val="3C4DBA"/>
                 </a:solidFill>
                 <a:latin typeface="Fjalla One" panose="02000506040000020004" pitchFamily="2" charset="0"/>
               </a:rPr>
-              <a:t>Notre produit</a:t>
-            </a:r>
-          </a:p>
-        </p:txBody>
-      </p:sp>
-      <p:pic>
-        <p:nvPicPr>
-          <p:cNvPr id="11" name="Image 10">
-            <a:extLst>
-              <a:ext uri="{FF2B5EF4-FFF2-40B4-BE49-F238E27FC236}">
-                <a16:creationId xmlns:a16="http://schemas.microsoft.com/office/drawing/2014/main" id="{0BDDA7A9-1380-4469-917C-7EA740392A0E}"/>
-              </a:ext>
-            </a:extLst>
-          </p:cNvPr>
-          <p:cNvPicPr>
-            <a:picLocks noChangeAspect="1"/>
-          </p:cNvPicPr>
-          <p:nvPr/>
-        </p:nvPicPr>
-        <p:blipFill>
-          <a:blip r:embed="rId2">
-            <a:extLst>
-              <a:ext uri="{28A0092B-C50C-407E-A947-70E740481C1C}">
-                <a14:useLocalDpi xmlns:a14="http://schemas.microsoft.com/office/drawing/2010/main" val="0"/>
-              </a:ext>
-            </a:extLst>
-          </a:blip>
-          <a:stretch>
-            <a:fillRect/>
-          </a:stretch>
-        </p:blipFill>
-        <p:spPr>
-          <a:xfrm>
-            <a:off x="368914" y="321256"/>
-            <a:ext cx="1828856" cy="1240178"/>
-          </a:xfrm>
-          <a:prstGeom prst="rect">
-            <a:avLst/>
-          </a:prstGeom>
-        </p:spPr>
-      </p:pic>
-      <p:sp>
-        <p:nvSpPr>
-          <p:cNvPr id="13" name="Rectangle 12">
-            <a:extLst>
-              <a:ext uri="{FF2B5EF4-FFF2-40B4-BE49-F238E27FC236}">
-                <a16:creationId xmlns:a16="http://schemas.microsoft.com/office/drawing/2014/main" id="{40E3E30B-CD32-432B-ADE5-A35E49E0BCE9}"/>
-              </a:ext>
-            </a:extLst>
-          </p:cNvPr>
-          <p:cNvSpPr/>
-          <p:nvPr/>
-        </p:nvSpPr>
-        <p:spPr>
-          <a:xfrm>
-            <a:off x="1050746" y="518982"/>
-            <a:ext cx="598241" cy="1015663"/>
-          </a:xfrm>
-          <a:prstGeom prst="rect">
-            <a:avLst/>
-          </a:prstGeom>
-        </p:spPr>
-        <p:txBody>
-          <a:bodyPr wrap="none">
-            <a:spAutoFit/>
-          </a:bodyPr>
-          <a:lstStyle/>
-          <a:p>
-            <a:r>
-              <a:rPr lang="fr-FR" sz="6000" b="1" dirty="0">
-                <a:solidFill>
-                  <a:srgbClr val="3C4DBA"/>
-                </a:solidFill>
-                <a:latin typeface="Fjalla One" panose="02000506040000020004" pitchFamily="2" charset="0"/>
-              </a:rPr>
-              <a:t>4</a:t>
-            </a:r>
-            <a:endParaRPr lang="fr-FR" sz="6600" b="1" dirty="0">
-              <a:solidFill>
-                <a:srgbClr val="3C4DBA"/>
-              </a:solidFill>
-              <a:latin typeface="Fjalla One" panose="02000506040000020004" pitchFamily="2" charset="0"/>
-            </a:endParaRPr>
-          </a:p>
-        </p:txBody>
-      </p:sp>
-      <p:sp>
-        <p:nvSpPr>
-          <p:cNvPr id="9" name="Rectangle 8">
-            <a:extLst>
-              <a:ext uri="{FF2B5EF4-FFF2-40B4-BE49-F238E27FC236}">
-                <a16:creationId xmlns:a16="http://schemas.microsoft.com/office/drawing/2014/main" id="{BF557550-66F5-4956-893C-8FE3FCBD5CA8}"/>
-              </a:ext>
-            </a:extLst>
-          </p:cNvPr>
-          <p:cNvSpPr/>
-          <p:nvPr/>
-        </p:nvSpPr>
-        <p:spPr>
-          <a:xfrm>
-            <a:off x="929217" y="2486926"/>
-            <a:ext cx="2565126" cy="3689856"/>
-          </a:xfrm>
-          <a:prstGeom prst="rect">
-            <a:avLst/>
-          </a:prstGeom>
-        </p:spPr>
-        <p:txBody>
-          <a:bodyPr wrap="none">
-            <a:spAutoFit/>
-          </a:bodyPr>
-          <a:lstStyle/>
-          <a:p>
-            <a:pPr marL="457200" indent="-457200">
-              <a:lnSpc>
-                <a:spcPct val="200000"/>
-              </a:lnSpc>
-              <a:buFont typeface="+mj-lt"/>
-              <a:buAutoNum type="arabicPeriod"/>
-            </a:pPr>
-            <a:r>
-              <a:rPr lang="fr-FR" sz="2000" dirty="0">
-                <a:solidFill>
-                  <a:schemeClr val="bg2">
-                    <a:lumMod val="50000"/>
-                  </a:schemeClr>
-                </a:solidFill>
-                <a:latin typeface="Segoe UI" panose="020B0502040204020203" pitchFamily="34" charset="0"/>
-                <a:cs typeface="Segoe UI" panose="020B0502040204020203" pitchFamily="34" charset="0"/>
-              </a:rPr>
-              <a:t>Technos utilisées</a:t>
-            </a:r>
-          </a:p>
-          <a:p>
-            <a:pPr marL="457200" indent="-457200">
-              <a:lnSpc>
-                <a:spcPct val="200000"/>
-              </a:lnSpc>
-              <a:buFont typeface="+mj-lt"/>
-              <a:buAutoNum type="arabicPeriod"/>
-            </a:pPr>
-            <a:r>
-              <a:rPr lang="fr-FR" sz="2000" dirty="0">
-                <a:solidFill>
-                  <a:schemeClr val="bg2">
-                    <a:lumMod val="50000"/>
-                  </a:schemeClr>
-                </a:solidFill>
-                <a:latin typeface="Segoe UI" panose="020B0502040204020203" pitchFamily="34" charset="0"/>
-                <a:cs typeface="Segoe UI" panose="020B0502040204020203" pitchFamily="34" charset="0"/>
-              </a:rPr>
-              <a:t>Base de données</a:t>
-            </a:r>
-          </a:p>
-          <a:p>
-            <a:pPr marL="457200" indent="-457200">
-              <a:lnSpc>
-                <a:spcPct val="200000"/>
-              </a:lnSpc>
-              <a:buFont typeface="+mj-lt"/>
-              <a:buAutoNum type="arabicPeriod"/>
-            </a:pPr>
-            <a:r>
-              <a:rPr lang="fr-FR" sz="2000" dirty="0" err="1">
-                <a:solidFill>
-                  <a:schemeClr val="bg2">
-                    <a:lumMod val="50000"/>
-                  </a:schemeClr>
-                </a:solidFill>
-                <a:latin typeface="Segoe UI" panose="020B0502040204020203" pitchFamily="34" charset="0"/>
-                <a:cs typeface="Segoe UI" panose="020B0502040204020203" pitchFamily="34" charset="0"/>
-              </a:rPr>
-              <a:t>Front-end</a:t>
-            </a:r>
-            <a:endParaRPr lang="fr-FR" sz="2000" dirty="0">
-              <a:solidFill>
-                <a:schemeClr val="bg2">
-                  <a:lumMod val="50000"/>
-                </a:schemeClr>
-              </a:solidFill>
-              <a:latin typeface="Segoe UI" panose="020B0502040204020203" pitchFamily="34" charset="0"/>
-              <a:cs typeface="Segoe UI" panose="020B0502040204020203" pitchFamily="34" charset="0"/>
-            </a:endParaRPr>
-          </a:p>
-          <a:p>
-            <a:pPr marL="457200" indent="-457200">
-              <a:lnSpc>
-                <a:spcPct val="200000"/>
-              </a:lnSpc>
-              <a:buFont typeface="+mj-lt"/>
-              <a:buAutoNum type="arabicPeriod"/>
-            </a:pPr>
-            <a:r>
-              <a:rPr lang="fr-FR" sz="2000" dirty="0" err="1">
-                <a:solidFill>
-                  <a:schemeClr val="bg2">
-                    <a:lumMod val="50000"/>
-                  </a:schemeClr>
-                </a:solidFill>
-                <a:latin typeface="Segoe UI" panose="020B0502040204020203" pitchFamily="34" charset="0"/>
-                <a:cs typeface="Segoe UI" panose="020B0502040204020203" pitchFamily="34" charset="0"/>
-              </a:rPr>
-              <a:t>Back-end</a:t>
-            </a:r>
-            <a:endParaRPr lang="fr-FR" sz="2000" dirty="0">
-              <a:solidFill>
-                <a:schemeClr val="bg2">
-                  <a:lumMod val="50000"/>
-                </a:schemeClr>
-              </a:solidFill>
-              <a:latin typeface="Segoe UI" panose="020B0502040204020203" pitchFamily="34" charset="0"/>
-              <a:cs typeface="Segoe UI" panose="020B0502040204020203" pitchFamily="34" charset="0"/>
-            </a:endParaRPr>
-          </a:p>
-          <a:p>
-            <a:pPr marL="457200" indent="-457200">
-              <a:lnSpc>
-                <a:spcPct val="200000"/>
-              </a:lnSpc>
-              <a:buFont typeface="+mj-lt"/>
-              <a:buAutoNum type="arabicPeriod"/>
-            </a:pPr>
-            <a:r>
-              <a:rPr lang="fr-FR" sz="2000" dirty="0">
-                <a:solidFill>
-                  <a:schemeClr val="bg2">
-                    <a:lumMod val="50000"/>
-                  </a:schemeClr>
-                </a:solidFill>
-                <a:latin typeface="Segoe UI" panose="020B0502040204020203" pitchFamily="34" charset="0"/>
-                <a:cs typeface="Segoe UI" panose="020B0502040204020203" pitchFamily="34" charset="0"/>
-              </a:rPr>
-              <a:t>Aspect Sécurité</a:t>
-            </a:r>
-          </a:p>
-          <a:p>
-            <a:pPr marL="457200" indent="-457200">
-              <a:lnSpc>
-                <a:spcPct val="200000"/>
-              </a:lnSpc>
-              <a:buFont typeface="+mj-lt"/>
-              <a:buAutoNum type="arabicPeriod"/>
-            </a:pPr>
-            <a:r>
-              <a:rPr lang="fr-FR" sz="2000" dirty="0">
-                <a:solidFill>
-                  <a:schemeClr val="bg2">
-                    <a:lumMod val="50000"/>
-                  </a:schemeClr>
-                </a:solidFill>
-                <a:latin typeface="Segoe UI" panose="020B0502040204020203" pitchFamily="34" charset="0"/>
-                <a:cs typeface="Segoe UI" panose="020B0502040204020203" pitchFamily="34" charset="0"/>
-              </a:rPr>
-              <a:t>A venir</a:t>
-            </a:r>
-          </a:p>
-        </p:txBody>
-      </p:sp>
-      <p:pic>
-        <p:nvPicPr>
-          <p:cNvPr id="16" name="Image 15">
-            <a:extLst>
-              <a:ext uri="{FF2B5EF4-FFF2-40B4-BE49-F238E27FC236}">
-                <a16:creationId xmlns:a16="http://schemas.microsoft.com/office/drawing/2014/main" id="{717B0655-0CC0-4A9E-8BF2-731076559FB2}"/>
-              </a:ext>
-            </a:extLst>
-          </p:cNvPr>
-          <p:cNvPicPr>
-            <a:picLocks noChangeAspect="1"/>
-          </p:cNvPicPr>
-          <p:nvPr/>
-        </p:nvPicPr>
-        <p:blipFill>
-          <a:blip r:embed="rId3">
-            <a:extLst>
-              <a:ext uri="{28A0092B-C50C-407E-A947-70E740481C1C}">
-                <a14:useLocalDpi xmlns:a14="http://schemas.microsoft.com/office/drawing/2010/main" val="0"/>
-              </a:ext>
-            </a:extLst>
-          </a:blip>
-          <a:stretch>
-            <a:fillRect/>
-          </a:stretch>
-        </p:blipFill>
-        <p:spPr>
-          <a:xfrm>
-            <a:off x="6576265" y="2357911"/>
-            <a:ext cx="3361048" cy="3504071"/>
-          </a:xfrm>
-          <a:prstGeom prst="rect">
-            <a:avLst/>
-          </a:prstGeom>
-        </p:spPr>
-      </p:pic>
+              <a:t>0</a:t>
+            </a:r>
+            <a:endParaRPr lang="fr-FR" dirty="0"/>
+          </a:p>
+        </p:txBody>
+      </p:sp>
     </p:spTree>
     <p:extLst>
       <p:ext uri="{BB962C8B-B14F-4D97-AF65-F5344CB8AC3E}">
-        <p14:creationId xmlns:p14="http://schemas.microsoft.com/office/powerpoint/2010/main" val="2508238250"/>
+        <p14:creationId xmlns:p14="http://schemas.microsoft.com/office/powerpoint/2010/main" val="1900340839"/>
       </p:ext>
     </p:extLst>
   </p:cSld>
@@ -7427,7 +7744,7 @@
                 </a:solidFill>
                 <a:latin typeface="Fjalla One" panose="02000506040000020004" pitchFamily="2" charset="0"/>
               </a:rPr>
-              <a:t>Technos utilisées</a:t>
+              <a:t>Politique de communication</a:t>
             </a:r>
           </a:p>
         </p:txBody>
@@ -7448,7 +7765,7 @@
         </p:nvSpPr>
         <p:spPr>
           <a:xfrm>
-            <a:off x="4194264" y="1472624"/>
+            <a:off x="1471863" y="2271901"/>
             <a:ext cx="10515600" cy="4351338"/>
           </a:xfrm>
           <a:prstGeom prst="rect">
@@ -7635,7 +7952,7 @@
                 <a:latin typeface="Segoe UI" panose="020B0502040204020203" pitchFamily="34" charset="0"/>
                 <a:cs typeface="Segoe UI" panose="020B0502040204020203" pitchFamily="34" charset="0"/>
               </a:rPr>
-              <a:t>PHP</a:t>
+              <a:t>a. Cible principale et secondaire</a:t>
             </a:r>
           </a:p>
           <a:p>
@@ -7652,7 +7969,7 @@
                 <a:latin typeface="Segoe UI" panose="020B0502040204020203" pitchFamily="34" charset="0"/>
                 <a:cs typeface="Segoe UI" panose="020B0502040204020203" pitchFamily="34" charset="0"/>
               </a:rPr>
-              <a:t>HTML</a:t>
+              <a:t>b. Message de Communication</a:t>
             </a:r>
           </a:p>
           <a:p>
@@ -7669,130 +7986,7 @@
                 <a:latin typeface="Segoe UI" panose="020B0502040204020203" pitchFamily="34" charset="0"/>
                 <a:cs typeface="Segoe UI" panose="020B0502040204020203" pitchFamily="34" charset="0"/>
               </a:rPr>
-              <a:t>CSS</a:t>
-            </a:r>
-          </a:p>
-          <a:p>
-            <a:pPr marL="0" indent="0">
-              <a:buNone/>
-            </a:pPr>
-            <a:r>
-              <a:rPr lang="fr-FR" dirty="0">
-                <a:solidFill>
-                  <a:schemeClr val="bg2">
-                    <a:lumMod val="50000"/>
-                  </a:schemeClr>
-                </a:solidFill>
-                <a:latin typeface="Segoe UI" panose="020B0502040204020203" pitchFamily="34" charset="0"/>
-                <a:cs typeface="Segoe UI" panose="020B0502040204020203" pitchFamily="34" charset="0"/>
-              </a:rPr>
-              <a:t>JS</a:t>
-            </a:r>
-          </a:p>
-          <a:p>
-            <a:pPr marL="0" indent="0">
-              <a:buNone/>
-            </a:pPr>
-            <a:r>
-              <a:rPr lang="fr-FR" dirty="0">
-                <a:solidFill>
-                  <a:schemeClr val="bg2">
-                    <a:lumMod val="50000"/>
-                  </a:schemeClr>
-                </a:solidFill>
-                <a:latin typeface="Segoe UI" panose="020B0502040204020203" pitchFamily="34" charset="0"/>
-                <a:cs typeface="Segoe UI" panose="020B0502040204020203" pitchFamily="34" charset="0"/>
-              </a:rPr>
-              <a:t>Bootstrap</a:t>
-            </a:r>
-          </a:p>
-          <a:p>
-            <a:pPr marL="0" indent="0">
-              <a:buNone/>
-            </a:pPr>
-            <a:r>
-              <a:rPr lang="fr-FR" dirty="0" err="1">
-                <a:solidFill>
-                  <a:schemeClr val="bg2">
-                    <a:lumMod val="50000"/>
-                  </a:schemeClr>
-                </a:solidFill>
-                <a:latin typeface="Segoe UI" panose="020B0502040204020203" pitchFamily="34" charset="0"/>
-                <a:cs typeface="Segoe UI" panose="020B0502040204020203" pitchFamily="34" charset="0"/>
-              </a:rPr>
-              <a:t>React</a:t>
-            </a:r>
-            <a:r>
-              <a:rPr lang="fr-FR" dirty="0">
-                <a:solidFill>
-                  <a:schemeClr val="bg2">
-                    <a:lumMod val="50000"/>
-                  </a:schemeClr>
-                </a:solidFill>
-                <a:latin typeface="Segoe UI" panose="020B0502040204020203" pitchFamily="34" charset="0"/>
-                <a:cs typeface="Segoe UI" panose="020B0502040204020203" pitchFamily="34" charset="0"/>
-              </a:rPr>
-              <a:t> JS</a:t>
-            </a:r>
-          </a:p>
-          <a:p>
-            <a:pPr marL="0" indent="0">
-              <a:buNone/>
-            </a:pPr>
-            <a:r>
-              <a:rPr lang="fr-FR" dirty="0" err="1">
-                <a:solidFill>
-                  <a:schemeClr val="bg2">
-                    <a:lumMod val="50000"/>
-                  </a:schemeClr>
-                </a:solidFill>
-                <a:latin typeface="Segoe UI" panose="020B0502040204020203" pitchFamily="34" charset="0"/>
-                <a:cs typeface="Segoe UI" panose="020B0502040204020203" pitchFamily="34" charset="0"/>
-              </a:rPr>
-              <a:t>Jquery</a:t>
-            </a:r>
-            <a:endParaRPr lang="fr-FR" dirty="0">
-              <a:solidFill>
-                <a:schemeClr val="bg2">
-                  <a:lumMod val="50000"/>
-                </a:schemeClr>
-              </a:solidFill>
-              <a:latin typeface="Segoe UI" panose="020B0502040204020203" pitchFamily="34" charset="0"/>
-              <a:cs typeface="Segoe UI" panose="020B0502040204020203" pitchFamily="34" charset="0"/>
-            </a:endParaRPr>
-          </a:p>
-          <a:p>
-            <a:pPr marL="0" indent="0">
-              <a:buNone/>
-            </a:pPr>
-            <a:r>
-              <a:rPr lang="fr-FR" dirty="0">
-                <a:solidFill>
-                  <a:schemeClr val="bg2">
-                    <a:lumMod val="50000"/>
-                  </a:schemeClr>
-                </a:solidFill>
-                <a:latin typeface="Segoe UI" panose="020B0502040204020203" pitchFamily="34" charset="0"/>
-                <a:cs typeface="Segoe UI" panose="020B0502040204020203" pitchFamily="34" charset="0"/>
-              </a:rPr>
-              <a:t>PDO</a:t>
-            </a:r>
-          </a:p>
-          <a:p>
-            <a:pPr marL="0" indent="0">
-              <a:buNone/>
-            </a:pPr>
-            <a:r>
-              <a:rPr lang="fr-FR" dirty="0">
-                <a:solidFill>
-                  <a:schemeClr val="bg2">
-                    <a:lumMod val="50000"/>
-                  </a:schemeClr>
-                </a:solidFill>
-                <a:latin typeface="Segoe UI" panose="020B0502040204020203" pitchFamily="34" charset="0"/>
-                <a:cs typeface="Segoe UI" panose="020B0502040204020203" pitchFamily="34" charset="0"/>
-              </a:rPr>
-              <a:t>Swift mailer</a:t>
+              <a:t>c. Moyens de communication</a:t>
             </a:r>
           </a:p>
         </p:txBody>
@@ -7888,7 +8082,7 @@
     </p:spTree>
     <p:extLst>
       <p:ext uri="{BB962C8B-B14F-4D97-AF65-F5344CB8AC3E}">
-        <p14:creationId xmlns:p14="http://schemas.microsoft.com/office/powerpoint/2010/main" val="3268497078"/>
+        <p14:creationId xmlns:p14="http://schemas.microsoft.com/office/powerpoint/2010/main" val="1456083070"/>
       </p:ext>
     </p:extLst>
   </p:cSld>
@@ -7917,256 +8111,260 @@
       </p:grpSpPr>
       <p:sp>
         <p:nvSpPr>
-          <p:cNvPr id="12" name="Titre 1">
-            <a:extLst>
-              <a:ext uri="{FF2B5EF4-FFF2-40B4-BE49-F238E27FC236}">
-                <a16:creationId xmlns:a16="http://schemas.microsoft.com/office/drawing/2014/main" id="{8CB05E21-0B36-4229-BC17-A64766192AC5}"/>
-              </a:ext>
-            </a:extLst>
-          </p:cNvPr>
-          <p:cNvSpPr txBox="1">
-            <a:spLocks/>
-          </p:cNvSpPr>
+          <p:cNvPr id="2" name="Rectangle 1">
+            <a:extLst>
+              <a:ext uri="{FF2B5EF4-FFF2-40B4-BE49-F238E27FC236}">
+                <a16:creationId xmlns:a16="http://schemas.microsoft.com/office/drawing/2014/main" id="{F27BFD2C-A701-487D-A856-0F6F03341EF6}"/>
+              </a:ext>
+            </a:extLst>
+          </p:cNvPr>
+          <p:cNvSpPr/>
           <p:nvPr/>
         </p:nvSpPr>
         <p:spPr>
           <a:xfrm>
-            <a:off x="389022" y="500062"/>
-            <a:ext cx="10515600" cy="1325563"/>
+            <a:off x="0" y="1805709"/>
+            <a:ext cx="12192000" cy="5052291"/>
           </a:xfrm>
           <a:prstGeom prst="rect">
             <a:avLst/>
           </a:prstGeom>
-        </p:spPr>
-        <p:txBody>
-          <a:bodyPr/>
-          <a:lstStyle>
-            <a:lvl1pPr algn="l" defTabSz="914400" rtl="0" eaLnBrk="1" latinLnBrk="0" hangingPunct="1">
-              <a:lnSpc>
-                <a:spcPct val="90000"/>
-              </a:lnSpc>
-              <a:spcBef>
-                <a:spcPct val="0"/>
-              </a:spcBef>
-              <a:buNone/>
-              <a:defRPr sz="4400" kern="1200">
-                <a:solidFill>
-                  <a:schemeClr val="tx1"/>
-                </a:solidFill>
-                <a:latin typeface="+mj-lt"/>
-                <a:ea typeface="+mj-ea"/>
-                <a:cs typeface="+mj-cs"/>
-              </a:defRPr>
-            </a:lvl1pPr>
-          </a:lstStyle>
-          <a:p>
-            <a:r>
-              <a:rPr lang="fr-FR" dirty="0">
-                <a:solidFill>
-                  <a:srgbClr val="3C4DBA"/>
-                </a:solidFill>
-                <a:latin typeface="Fjalla One" panose="02000506040000020004" pitchFamily="2" charset="0"/>
-              </a:rPr>
-              <a:t>Base de données</a:t>
-            </a:r>
-          </a:p>
-        </p:txBody>
-      </p:sp>
-      <p:sp>
-        <p:nvSpPr>
-          <p:cNvPr id="14" name="Espace réservé du contenu 2">
-            <a:extLst>
-              <a:ext uri="{FF2B5EF4-FFF2-40B4-BE49-F238E27FC236}">
-                <a16:creationId xmlns:a16="http://schemas.microsoft.com/office/drawing/2014/main" id="{BA8DA574-5F90-4169-840F-348B222F0D88}"/>
-              </a:ext>
-            </a:extLst>
-          </p:cNvPr>
-          <p:cNvSpPr txBox="1">
-            <a:spLocks/>
-          </p:cNvSpPr>
+          <a:solidFill>
+            <a:srgbClr val="F5F7FA"/>
+          </a:solidFill>
+          <a:ln>
+            <a:noFill/>
+          </a:ln>
+        </p:spPr>
+        <p:style>
+          <a:lnRef idx="2">
+            <a:schemeClr val="accent1">
+              <a:shade val="50000"/>
+            </a:schemeClr>
+          </a:lnRef>
+          <a:fillRef idx="1">
+            <a:schemeClr val="accent1"/>
+          </a:fillRef>
+          <a:effectRef idx="0">
+            <a:schemeClr val="accent1"/>
+          </a:effectRef>
+          <a:fontRef idx="minor">
+            <a:schemeClr val="lt1"/>
+          </a:fontRef>
+        </p:style>
+        <p:txBody>
+          <a:bodyPr rtlCol="0" anchor="ctr"/>
+          <a:lstStyle/>
+          <a:p>
+            <a:pPr algn="ctr"/>
+            <a:endParaRPr lang="fr-FR"/>
+          </a:p>
+        </p:txBody>
+      </p:sp>
+      <p:sp>
+        <p:nvSpPr>
+          <p:cNvPr id="6" name="Rectangle 5">
+            <a:extLst>
+              <a:ext uri="{FF2B5EF4-FFF2-40B4-BE49-F238E27FC236}">
+                <a16:creationId xmlns:a16="http://schemas.microsoft.com/office/drawing/2014/main" id="{604E25AD-D51C-4D61-B2EC-DEADFA2C3B95}"/>
+              </a:ext>
+            </a:extLst>
+          </p:cNvPr>
+          <p:cNvSpPr/>
           <p:nvPr/>
         </p:nvSpPr>
         <p:spPr>
           <a:xfrm>
-            <a:off x="2129589" y="2087235"/>
-            <a:ext cx="10515600" cy="4351338"/>
+            <a:off x="9248942" y="5984120"/>
+            <a:ext cx="2739936" cy="523220"/>
           </a:xfrm>
           <a:prstGeom prst="rect">
             <a:avLst/>
           </a:prstGeom>
         </p:spPr>
         <p:txBody>
-          <a:bodyPr/>
-          <a:lstStyle>
-            <a:lvl1pPr marL="228600" indent="-228600" algn="l" defTabSz="914400" rtl="0" eaLnBrk="1" latinLnBrk="0" hangingPunct="1">
-              <a:lnSpc>
-                <a:spcPct val="90000"/>
-              </a:lnSpc>
-              <a:spcBef>
-                <a:spcPts val="1000"/>
-              </a:spcBef>
-              <a:buFont typeface="Arial" panose="020B0604020202020204" pitchFamily="34" charset="0"/>
-              <a:buChar char="•"/>
-              <a:defRPr sz="2800" kern="1200">
-                <a:solidFill>
-                  <a:schemeClr val="tx1"/>
-                </a:solidFill>
-                <a:latin typeface="+mn-lt"/>
-                <a:ea typeface="+mn-ea"/>
-                <a:cs typeface="+mn-cs"/>
-              </a:defRPr>
-            </a:lvl1pPr>
-            <a:lvl2pPr marL="685800" indent="-228600" algn="l" defTabSz="914400" rtl="0" eaLnBrk="1" latinLnBrk="0" hangingPunct="1">
-              <a:lnSpc>
-                <a:spcPct val="90000"/>
-              </a:lnSpc>
-              <a:spcBef>
-                <a:spcPts val="500"/>
-              </a:spcBef>
-              <a:buFont typeface="Arial" panose="020B0604020202020204" pitchFamily="34" charset="0"/>
-              <a:buChar char="•"/>
-              <a:defRPr sz="2400" kern="1200">
-                <a:solidFill>
-                  <a:schemeClr val="tx1"/>
-                </a:solidFill>
-                <a:latin typeface="+mn-lt"/>
-                <a:ea typeface="+mn-ea"/>
-                <a:cs typeface="+mn-cs"/>
-              </a:defRPr>
-            </a:lvl2pPr>
-            <a:lvl3pPr marL="1143000" indent="-228600" algn="l" defTabSz="914400" rtl="0" eaLnBrk="1" latinLnBrk="0" hangingPunct="1">
-              <a:lnSpc>
-                <a:spcPct val="90000"/>
-              </a:lnSpc>
-              <a:spcBef>
-                <a:spcPts val="500"/>
-              </a:spcBef>
-              <a:buFont typeface="Arial" panose="020B0604020202020204" pitchFamily="34" charset="0"/>
-              <a:buChar char="•"/>
-              <a:defRPr sz="2000" kern="1200">
-                <a:solidFill>
-                  <a:schemeClr val="tx1"/>
-                </a:solidFill>
-                <a:latin typeface="+mn-lt"/>
-                <a:ea typeface="+mn-ea"/>
-                <a:cs typeface="+mn-cs"/>
-              </a:defRPr>
-            </a:lvl3pPr>
-            <a:lvl4pPr marL="1600200" indent="-228600" algn="l" defTabSz="914400" rtl="0" eaLnBrk="1" latinLnBrk="0" hangingPunct="1">
-              <a:lnSpc>
-                <a:spcPct val="90000"/>
-              </a:lnSpc>
-              <a:spcBef>
-                <a:spcPts val="500"/>
-              </a:spcBef>
-              <a:buFont typeface="Arial" panose="020B0604020202020204" pitchFamily="34" charset="0"/>
-              <a:buChar char="•"/>
-              <a:defRPr sz="1800" kern="1200">
-                <a:solidFill>
-                  <a:schemeClr val="tx1"/>
-                </a:solidFill>
-                <a:latin typeface="+mn-lt"/>
-                <a:ea typeface="+mn-ea"/>
-                <a:cs typeface="+mn-cs"/>
-              </a:defRPr>
-            </a:lvl4pPr>
-            <a:lvl5pPr marL="2057400" indent="-228600" algn="l" defTabSz="914400" rtl="0" eaLnBrk="1" latinLnBrk="0" hangingPunct="1">
-              <a:lnSpc>
-                <a:spcPct val="90000"/>
-              </a:lnSpc>
-              <a:spcBef>
-                <a:spcPts val="500"/>
-              </a:spcBef>
-              <a:buFont typeface="Arial" panose="020B0604020202020204" pitchFamily="34" charset="0"/>
-              <a:buChar char="•"/>
-              <a:defRPr sz="1800" kern="1200">
-                <a:solidFill>
-                  <a:schemeClr val="tx1"/>
-                </a:solidFill>
-                <a:latin typeface="+mn-lt"/>
-                <a:ea typeface="+mn-ea"/>
-                <a:cs typeface="+mn-cs"/>
-              </a:defRPr>
-            </a:lvl5pPr>
-            <a:lvl6pPr marL="2514600" indent="-228600" algn="l" defTabSz="914400" rtl="0" eaLnBrk="1" latinLnBrk="0" hangingPunct="1">
-              <a:lnSpc>
-                <a:spcPct val="90000"/>
-              </a:lnSpc>
-              <a:spcBef>
-                <a:spcPts val="500"/>
-              </a:spcBef>
-              <a:buFont typeface="Arial" panose="020B0604020202020204" pitchFamily="34" charset="0"/>
-              <a:buChar char="•"/>
-              <a:defRPr sz="1800" kern="1200">
-                <a:solidFill>
-                  <a:schemeClr val="tx1"/>
-                </a:solidFill>
-                <a:latin typeface="+mn-lt"/>
-                <a:ea typeface="+mn-ea"/>
-                <a:cs typeface="+mn-cs"/>
-              </a:defRPr>
-            </a:lvl6pPr>
-            <a:lvl7pPr marL="2971800" indent="-228600" algn="l" defTabSz="914400" rtl="0" eaLnBrk="1" latinLnBrk="0" hangingPunct="1">
-              <a:lnSpc>
-                <a:spcPct val="90000"/>
-              </a:lnSpc>
-              <a:spcBef>
-                <a:spcPts val="500"/>
-              </a:spcBef>
-              <a:buFont typeface="Arial" panose="020B0604020202020204" pitchFamily="34" charset="0"/>
-              <a:buChar char="•"/>
-              <a:defRPr sz="1800" kern="1200">
-                <a:solidFill>
-                  <a:schemeClr val="tx1"/>
-                </a:solidFill>
-                <a:latin typeface="+mn-lt"/>
-                <a:ea typeface="+mn-ea"/>
-                <a:cs typeface="+mn-cs"/>
-              </a:defRPr>
-            </a:lvl7pPr>
-            <a:lvl8pPr marL="3429000" indent="-228600" algn="l" defTabSz="914400" rtl="0" eaLnBrk="1" latinLnBrk="0" hangingPunct="1">
-              <a:lnSpc>
-                <a:spcPct val="90000"/>
-              </a:lnSpc>
-              <a:spcBef>
-                <a:spcPts val="500"/>
-              </a:spcBef>
-              <a:buFont typeface="Arial" panose="020B0604020202020204" pitchFamily="34" charset="0"/>
-              <a:buChar char="•"/>
-              <a:defRPr sz="1800" kern="1200">
-                <a:solidFill>
-                  <a:schemeClr val="tx1"/>
-                </a:solidFill>
-                <a:latin typeface="+mn-lt"/>
-                <a:ea typeface="+mn-ea"/>
-                <a:cs typeface="+mn-cs"/>
-              </a:defRPr>
-            </a:lvl8pPr>
-            <a:lvl9pPr marL="3886200" indent="-228600" algn="l" defTabSz="914400" rtl="0" eaLnBrk="1" latinLnBrk="0" hangingPunct="1">
-              <a:lnSpc>
-                <a:spcPct val="90000"/>
-              </a:lnSpc>
-              <a:spcBef>
-                <a:spcPts val="500"/>
-              </a:spcBef>
-              <a:buFont typeface="Arial" panose="020B0604020202020204" pitchFamily="34" charset="0"/>
-              <a:buChar char="•"/>
-              <a:defRPr sz="1800" kern="1200">
-                <a:solidFill>
-                  <a:schemeClr val="tx1"/>
-                </a:solidFill>
-                <a:latin typeface="+mn-lt"/>
-                <a:ea typeface="+mn-ea"/>
-                <a:cs typeface="+mn-cs"/>
-              </a:defRPr>
-            </a:lvl9pPr>
-          </a:lstStyle>
-          <a:p>
-            <a:pPr marL="0" indent="0">
-              <a:buNone/>
+          <a:bodyPr wrap="square">
+            <a:spAutoFit/>
+          </a:bodyPr>
+          <a:lstStyle/>
+          <a:p>
+            <a:r>
+              <a:rPr lang="fr-FR" sz="2800" dirty="0" err="1">
+                <a:solidFill>
+                  <a:srgbClr val="FE6354"/>
+                </a:solidFill>
+                <a:latin typeface="Fjalla One" panose="02000506040000020004" pitchFamily="2" charset="0"/>
+              </a:rPr>
+              <a:t>Find</a:t>
+            </a:r>
+            <a:r>
+              <a:rPr lang="fr-FR" sz="2800" dirty="0">
+                <a:solidFill>
+                  <a:srgbClr val="FE6354"/>
+                </a:solidFill>
+                <a:latin typeface="Fjalla One" panose="02000506040000020004" pitchFamily="2" charset="0"/>
+              </a:rPr>
+              <a:t> the right one</a:t>
+            </a:r>
+          </a:p>
+        </p:txBody>
+      </p:sp>
+      <p:sp>
+        <p:nvSpPr>
+          <p:cNvPr id="4" name="Rectangle 3">
+            <a:extLst>
+              <a:ext uri="{FF2B5EF4-FFF2-40B4-BE49-F238E27FC236}">
+                <a16:creationId xmlns:a16="http://schemas.microsoft.com/office/drawing/2014/main" id="{06DF5695-BF6D-4C46-B4A9-F588C5F28C66}"/>
+              </a:ext>
+            </a:extLst>
+          </p:cNvPr>
+          <p:cNvSpPr/>
+          <p:nvPr/>
+        </p:nvSpPr>
+        <p:spPr>
+          <a:xfrm>
+            <a:off x="2879602" y="550664"/>
+            <a:ext cx="3855543" cy="923330"/>
+          </a:xfrm>
+          <a:prstGeom prst="rect">
+            <a:avLst/>
+          </a:prstGeom>
+        </p:spPr>
+        <p:txBody>
+          <a:bodyPr wrap="none">
+            <a:spAutoFit/>
+          </a:bodyPr>
+          <a:lstStyle/>
+          <a:p>
+            <a:r>
+              <a:rPr lang="fr-FR" sz="5400" b="1" dirty="0">
+                <a:solidFill>
+                  <a:srgbClr val="3C4DBA"/>
+                </a:solidFill>
+                <a:latin typeface="Fjalla One" panose="02000506040000020004" pitchFamily="2" charset="0"/>
+              </a:rPr>
+              <a:t>Notre produit</a:t>
+            </a:r>
+          </a:p>
+        </p:txBody>
+      </p:sp>
+      <p:pic>
+        <p:nvPicPr>
+          <p:cNvPr id="11" name="Image 10">
+            <a:extLst>
+              <a:ext uri="{FF2B5EF4-FFF2-40B4-BE49-F238E27FC236}">
+                <a16:creationId xmlns:a16="http://schemas.microsoft.com/office/drawing/2014/main" id="{0BDDA7A9-1380-4469-917C-7EA740392A0E}"/>
+              </a:ext>
+            </a:extLst>
+          </p:cNvPr>
+          <p:cNvPicPr>
+            <a:picLocks noChangeAspect="1"/>
+          </p:cNvPicPr>
+          <p:nvPr/>
+        </p:nvPicPr>
+        <p:blipFill>
+          <a:blip r:embed="rId2">
+            <a:extLst>
+              <a:ext uri="{28A0092B-C50C-407E-A947-70E740481C1C}">
+                <a14:useLocalDpi xmlns:a14="http://schemas.microsoft.com/office/drawing/2010/main" val="0"/>
+              </a:ext>
+            </a:extLst>
+          </a:blip>
+          <a:stretch>
+            <a:fillRect/>
+          </a:stretch>
+        </p:blipFill>
+        <p:spPr>
+          <a:xfrm>
+            <a:off x="368914" y="321256"/>
+            <a:ext cx="1828856" cy="1240178"/>
+          </a:xfrm>
+          <a:prstGeom prst="rect">
+            <a:avLst/>
+          </a:prstGeom>
+        </p:spPr>
+      </p:pic>
+      <p:sp>
+        <p:nvSpPr>
+          <p:cNvPr id="13" name="Rectangle 12">
+            <a:extLst>
+              <a:ext uri="{FF2B5EF4-FFF2-40B4-BE49-F238E27FC236}">
+                <a16:creationId xmlns:a16="http://schemas.microsoft.com/office/drawing/2014/main" id="{40E3E30B-CD32-432B-ADE5-A35E49E0BCE9}"/>
+              </a:ext>
+            </a:extLst>
+          </p:cNvPr>
+          <p:cNvSpPr/>
+          <p:nvPr/>
+        </p:nvSpPr>
+        <p:spPr>
+          <a:xfrm>
+            <a:off x="1050746" y="518982"/>
+            <a:ext cx="598241" cy="1015663"/>
+          </a:xfrm>
+          <a:prstGeom prst="rect">
+            <a:avLst/>
+          </a:prstGeom>
+        </p:spPr>
+        <p:txBody>
+          <a:bodyPr wrap="none">
+            <a:spAutoFit/>
+          </a:bodyPr>
+          <a:lstStyle/>
+          <a:p>
+            <a:r>
+              <a:rPr lang="fr-FR" sz="6000" b="1" dirty="0">
+                <a:solidFill>
+                  <a:srgbClr val="3C4DBA"/>
+                </a:solidFill>
+                <a:latin typeface="Fjalla One" panose="02000506040000020004" pitchFamily="2" charset="0"/>
+              </a:rPr>
+              <a:t>4</a:t>
+            </a:r>
+            <a:endParaRPr lang="fr-FR" sz="6600" b="1" dirty="0">
+              <a:solidFill>
+                <a:srgbClr val="3C4DBA"/>
+              </a:solidFill>
+              <a:latin typeface="Fjalla One" panose="02000506040000020004" pitchFamily="2" charset="0"/>
+            </a:endParaRPr>
+          </a:p>
+        </p:txBody>
+      </p:sp>
+      <p:sp>
+        <p:nvSpPr>
+          <p:cNvPr id="9" name="Rectangle 8">
+            <a:extLst>
+              <a:ext uri="{FF2B5EF4-FFF2-40B4-BE49-F238E27FC236}">
+                <a16:creationId xmlns:a16="http://schemas.microsoft.com/office/drawing/2014/main" id="{BF557550-66F5-4956-893C-8FE3FCBD5CA8}"/>
+              </a:ext>
+            </a:extLst>
+          </p:cNvPr>
+          <p:cNvSpPr/>
+          <p:nvPr/>
+        </p:nvSpPr>
+        <p:spPr>
+          <a:xfrm>
+            <a:off x="929217" y="2486926"/>
+            <a:ext cx="2565126" cy="3689856"/>
+          </a:xfrm>
+          <a:prstGeom prst="rect">
+            <a:avLst/>
+          </a:prstGeom>
+        </p:spPr>
+        <p:txBody>
+          <a:bodyPr wrap="none">
+            <a:spAutoFit/>
+          </a:bodyPr>
+          <a:lstStyle/>
+          <a:p>
+            <a:pPr marL="457200" indent="-457200">
+              <a:lnSpc>
+                <a:spcPct val="200000"/>
+              </a:lnSpc>
+              <a:buFont typeface="+mj-lt"/>
+              <a:buAutoNum type="arabicPeriod"/>
             </a:pPr>
             <a:r>
-              <a:rPr lang="fr-FR" dirty="0" err="1">
+              <a:rPr lang="fr-FR" sz="2000" dirty="0">
                 <a:solidFill>
                   <a:schemeClr val="bg2">
                     <a:lumMod val="50000"/>
@@ -8175,9 +8373,51 @@
                 <a:latin typeface="Segoe UI" panose="020B0502040204020203" pitchFamily="34" charset="0"/>
                 <a:cs typeface="Segoe UI" panose="020B0502040204020203" pitchFamily="34" charset="0"/>
               </a:rPr>
-              <a:t>Postgresql</a:t>
-            </a:r>
-            <a:endParaRPr lang="fr-FR" dirty="0">
+              <a:t>Technos utilisées</a:t>
+            </a:r>
+          </a:p>
+          <a:p>
+            <a:pPr marL="457200" indent="-457200">
+              <a:lnSpc>
+                <a:spcPct val="200000"/>
+              </a:lnSpc>
+              <a:buFont typeface="+mj-lt"/>
+              <a:buAutoNum type="arabicPeriod"/>
+            </a:pPr>
+            <a:r>
+              <a:rPr lang="fr-FR" sz="2000" dirty="0">
+                <a:solidFill>
+                  <a:schemeClr val="bg2">
+                    <a:lumMod val="50000"/>
+                  </a:schemeClr>
+                </a:solidFill>
+                <a:latin typeface="Segoe UI" panose="020B0502040204020203" pitchFamily="34" charset="0"/>
+                <a:cs typeface="Segoe UI" panose="020B0502040204020203" pitchFamily="34" charset="0"/>
+              </a:rPr>
+              <a:t>Base de données</a:t>
+            </a:r>
+          </a:p>
+          <a:p>
+            <a:pPr marL="457200" indent="-457200">
+              <a:lnSpc>
+                <a:spcPct val="200000"/>
+              </a:lnSpc>
+              <a:buFont typeface="+mj-lt"/>
+              <a:buAutoNum type="arabicPeriod"/>
+            </a:pPr>
+            <a:r>
+              <a:rPr lang="fr-FR" sz="2000" dirty="0" err="1">
+                <a:solidFill>
+                  <a:schemeClr val="bg2">
+                    <a:lumMod val="50000"/>
+                  </a:schemeClr>
+                </a:solidFill>
+                <a:latin typeface="Segoe UI" panose="020B0502040204020203" pitchFamily="34" charset="0"/>
+                <a:cs typeface="Segoe UI" panose="020B0502040204020203" pitchFamily="34" charset="0"/>
+              </a:rPr>
+              <a:t>Front-end</a:t>
+            </a:r>
+            <a:endParaRPr lang="fr-FR" sz="2000" dirty="0">
               <a:solidFill>
                 <a:schemeClr val="bg2">
                   <a:lumMod val="50000"/>
@@ -8188,11 +8428,15 @@
             </a:endParaRPr>
           </a:p>
           <a:p>
-            <a:pPr marL="0" indent="0">
-              <a:buNone/>
+            <a:pPr marL="457200" indent="-457200">
+              <a:lnSpc>
+                <a:spcPct val="200000"/>
+              </a:lnSpc>
+              <a:buFont typeface="+mj-lt"/>
+              <a:buAutoNum type="arabicPeriod"/>
             </a:pPr>
             <a:r>
-              <a:rPr lang="fr-FR" dirty="0" err="1">
+              <a:rPr lang="fr-FR" sz="2000" dirty="0" err="1">
                 <a:solidFill>
                   <a:schemeClr val="bg2">
                     <a:lumMod val="50000"/>
@@ -8201,10 +8445,28 @@
                 <a:latin typeface="Segoe UI" panose="020B0502040204020203" pitchFamily="34" charset="0"/>
                 <a:cs typeface="Segoe UI" panose="020B0502040204020203" pitchFamily="34" charset="0"/>
               </a:rPr>
-              <a:t>Mcd</a:t>
-            </a:r>
-            <a:r>
-              <a:rPr lang="fr-FR" dirty="0">
+              <a:t>Back-end</a:t>
+            </a:r>
+            <a:endParaRPr lang="fr-FR" sz="2000" dirty="0">
+              <a:solidFill>
+                <a:schemeClr val="bg2">
+                  <a:lumMod val="50000"/>
+                </a:schemeClr>
+              </a:solidFill>
+              <a:latin typeface="Segoe UI" panose="020B0502040204020203" pitchFamily="34" charset="0"/>
+              <a:cs typeface="Segoe UI" panose="020B0502040204020203" pitchFamily="34" charset="0"/>
+            </a:endParaRPr>
+          </a:p>
+          <a:p>
+            <a:pPr marL="457200" indent="-457200">
+              <a:lnSpc>
+                <a:spcPct val="200000"/>
+              </a:lnSpc>
+              <a:buFont typeface="+mj-lt"/>
+              <a:buAutoNum type="arabicPeriod"/>
+            </a:pPr>
+            <a:r>
+              <a:rPr lang="fr-FR" sz="2000" dirty="0">
                 <a:solidFill>
                   <a:schemeClr val="bg2">
                     <a:lumMod val="50000"/>
@@ -8213,15 +8475,19 @@
                 <a:latin typeface="Segoe UI" panose="020B0502040204020203" pitchFamily="34" charset="0"/>
                 <a:cs typeface="Segoe UI" panose="020B0502040204020203" pitchFamily="34" charset="0"/>
               </a:rPr>
-              <a:t>?</a:t>
-            </a:r>
-          </a:p>
-          <a:p>
-            <a:pPr marL="0" indent="0">
-              <a:buNone/>
+              <a:t>Aspect Sécurité</a:t>
+            </a:r>
+          </a:p>
+          <a:p>
+            <a:pPr marL="457200" indent="-457200">
+              <a:lnSpc>
+                <a:spcPct val="200000"/>
+              </a:lnSpc>
+              <a:buFont typeface="+mj-lt"/>
+              <a:buAutoNum type="arabicPeriod"/>
             </a:pPr>
             <a:r>
-              <a:rPr lang="fr-FR" dirty="0">
+              <a:rPr lang="fr-FR" sz="2000" dirty="0">
                 <a:solidFill>
                   <a:schemeClr val="bg2">
                     <a:lumMod val="50000"/>
@@ -8230,144 +8496,51 @@
                 <a:latin typeface="Segoe UI" panose="020B0502040204020203" pitchFamily="34" charset="0"/>
                 <a:cs typeface="Segoe UI" panose="020B0502040204020203" pitchFamily="34" charset="0"/>
               </a:rPr>
-              <a:t>La table </a:t>
-            </a:r>
-            <a:r>
-              <a:rPr lang="fr-FR" dirty="0" err="1">
-                <a:solidFill>
-                  <a:schemeClr val="bg2">
-                    <a:lumMod val="50000"/>
-                  </a:schemeClr>
-                </a:solidFill>
-                <a:latin typeface="Segoe UI" panose="020B0502040204020203" pitchFamily="34" charset="0"/>
-                <a:cs typeface="Segoe UI" panose="020B0502040204020203" pitchFamily="34" charset="0"/>
-              </a:rPr>
-              <a:t>token</a:t>
-            </a:r>
-            <a:r>
-              <a:rPr lang="fr-FR" dirty="0">
-                <a:solidFill>
-                  <a:schemeClr val="bg2">
-                    <a:lumMod val="50000"/>
-                  </a:schemeClr>
-                </a:solidFill>
-                <a:latin typeface="Segoe UI" panose="020B0502040204020203" pitchFamily="34" charset="0"/>
-                <a:cs typeface="Segoe UI" panose="020B0502040204020203" pitchFamily="34" charset="0"/>
-              </a:rPr>
-              <a:t>?</a:t>
-            </a:r>
-          </a:p>
-          <a:p>
-            <a:pPr marL="0" indent="0">
-              <a:buNone/>
-            </a:pPr>
-            <a:r>
-              <a:rPr lang="fr-FR" dirty="0">
-                <a:solidFill>
-                  <a:schemeClr val="bg2">
-                    <a:lumMod val="50000"/>
-                  </a:schemeClr>
-                </a:solidFill>
-                <a:latin typeface="Segoe UI" panose="020B0502040204020203" pitchFamily="34" charset="0"/>
-                <a:cs typeface="Segoe UI" panose="020B0502040204020203" pitchFamily="34" charset="0"/>
-              </a:rPr>
-              <a:t>…..</a:t>
-            </a:r>
-          </a:p>
-        </p:txBody>
-      </p:sp>
-      <p:sp>
-        <p:nvSpPr>
-          <p:cNvPr id="9" name="Rectangle 8">
-            <a:extLst>
-              <a:ext uri="{FF2B5EF4-FFF2-40B4-BE49-F238E27FC236}">
-                <a16:creationId xmlns:a16="http://schemas.microsoft.com/office/drawing/2014/main" id="{EE7D3276-0BDB-461D-B207-F5EE677F8F14}"/>
-              </a:ext>
-            </a:extLst>
-          </p:cNvPr>
-          <p:cNvSpPr/>
+              <a:t>A venir</a:t>
+            </a:r>
+          </a:p>
+        </p:txBody>
+      </p:sp>
+      <p:pic>
+        <p:nvPicPr>
+          <p:cNvPr id="16" name="Image 15">
+            <a:extLst>
+              <a:ext uri="{FF2B5EF4-FFF2-40B4-BE49-F238E27FC236}">
+                <a16:creationId xmlns:a16="http://schemas.microsoft.com/office/drawing/2014/main" id="{717B0655-0CC0-4A9E-8BF2-731076559FB2}"/>
+              </a:ext>
+            </a:extLst>
+          </p:cNvPr>
+          <p:cNvPicPr>
+            <a:picLocks noChangeAspect="1"/>
+          </p:cNvPicPr>
           <p:nvPr/>
-        </p:nvSpPr>
-        <p:spPr>
-          <a:xfrm>
-            <a:off x="9452064" y="6176963"/>
-            <a:ext cx="2739936" cy="523220"/>
+        </p:nvPicPr>
+        <p:blipFill>
+          <a:blip r:embed="rId3">
+            <a:extLst>
+              <a:ext uri="{28A0092B-C50C-407E-A947-70E740481C1C}">
+                <a14:useLocalDpi xmlns:a14="http://schemas.microsoft.com/office/drawing/2010/main" val="0"/>
+              </a:ext>
+            </a:extLst>
+          </a:blip>
+          <a:stretch>
+            <a:fillRect/>
+          </a:stretch>
+        </p:blipFill>
+        <p:spPr>
+          <a:xfrm>
+            <a:off x="6576265" y="2357911"/>
+            <a:ext cx="3361048" cy="3504071"/>
           </a:xfrm>
           <a:prstGeom prst="rect">
             <a:avLst/>
           </a:prstGeom>
         </p:spPr>
-        <p:txBody>
-          <a:bodyPr wrap="square">
-            <a:spAutoFit/>
-          </a:bodyPr>
-          <a:lstStyle/>
-          <a:p>
-            <a:r>
-              <a:rPr lang="fr-FR" sz="2800" dirty="0" err="1">
-                <a:solidFill>
-                  <a:srgbClr val="FE6354"/>
-                </a:solidFill>
-                <a:latin typeface="Fjalla One" panose="02000506040000020004" pitchFamily="2" charset="0"/>
-              </a:rPr>
-              <a:t>Find</a:t>
-            </a:r>
-            <a:r>
-              <a:rPr lang="fr-FR" sz="2800" dirty="0">
-                <a:solidFill>
-                  <a:srgbClr val="FE6354"/>
-                </a:solidFill>
-                <a:latin typeface="Fjalla One" panose="02000506040000020004" pitchFamily="2" charset="0"/>
-              </a:rPr>
-              <a:t> the right one</a:t>
-            </a:r>
-          </a:p>
-        </p:txBody>
-      </p:sp>
-      <p:sp>
-        <p:nvSpPr>
-          <p:cNvPr id="10" name="Rectangle 9">
-            <a:extLst>
-              <a:ext uri="{FF2B5EF4-FFF2-40B4-BE49-F238E27FC236}">
-                <a16:creationId xmlns:a16="http://schemas.microsoft.com/office/drawing/2014/main" id="{5719C5B8-FC55-413B-BD37-47960D3A6BE5}"/>
-              </a:ext>
-            </a:extLst>
-          </p:cNvPr>
-          <p:cNvSpPr/>
-          <p:nvPr/>
-        </p:nvSpPr>
-        <p:spPr>
-          <a:xfrm>
-            <a:off x="5957180" y="6438573"/>
-            <a:ext cx="303288" cy="369332"/>
-          </a:xfrm>
-          <a:prstGeom prst="rect">
-            <a:avLst/>
-          </a:prstGeom>
-        </p:spPr>
-        <p:txBody>
-          <a:bodyPr wrap="none">
-            <a:spAutoFit/>
-          </a:bodyPr>
-          <a:lstStyle/>
-          <a:p>
-            <a:r>
-              <a:rPr lang="fr-FR" dirty="0">
-                <a:solidFill>
-                  <a:srgbClr val="3C4DBA"/>
-                </a:solidFill>
-                <a:latin typeface="Fjalla One" panose="02000506040000020004" pitchFamily="2" charset="0"/>
-              </a:rPr>
-              <a:t>0</a:t>
-            </a:r>
-            <a:endParaRPr lang="fr-FR" dirty="0"/>
-          </a:p>
-        </p:txBody>
-      </p:sp>
+      </p:pic>
     </p:spTree>
     <p:extLst>
       <p:ext uri="{BB962C8B-B14F-4D97-AF65-F5344CB8AC3E}">
-        <p14:creationId xmlns:p14="http://schemas.microsoft.com/office/powerpoint/2010/main" val="681496384"/>
+        <p14:creationId xmlns:p14="http://schemas.microsoft.com/office/powerpoint/2010/main" val="2508238250"/>
       </p:ext>
     </p:extLst>
   </p:cSld>
@@ -8920,20 +9093,14 @@
           </a:lstStyle>
           <a:p>
             <a:r>
-              <a:rPr lang="fr-FR" dirty="0" err="1">
+              <a:rPr lang="fr-FR" dirty="0">
                 <a:solidFill>
                   <a:srgbClr val="3C4DBA"/>
                 </a:solidFill>
                 <a:latin typeface="Fjalla One" panose="02000506040000020004" pitchFamily="2" charset="0"/>
               </a:rPr>
-              <a:t>Front-end</a:t>
-            </a:r>
-            <a:endParaRPr lang="fr-FR" dirty="0">
-              <a:solidFill>
-                <a:srgbClr val="3C4DBA"/>
-              </a:solidFill>
-              <a:latin typeface="Fjalla One" panose="02000506040000020004" pitchFamily="2" charset="0"/>
-            </a:endParaRPr>
+              <a:t>Technos utilisées</a:t>
+            </a:r>
           </a:p>
         </p:txBody>
       </p:sp>
@@ -8953,7 +9120,7 @@
         </p:nvSpPr>
         <p:spPr>
           <a:xfrm>
-            <a:off x="2129589" y="2087235"/>
+            <a:off x="4194264" y="1472624"/>
             <a:ext cx="10515600" cy="4351338"/>
           </a:xfrm>
           <a:prstGeom prst="rect">
@@ -9140,10 +9307,15 @@
                 <a:latin typeface="Segoe UI" panose="020B0502040204020203" pitchFamily="34" charset="0"/>
                 <a:cs typeface="Segoe UI" panose="020B0502040204020203" pitchFamily="34" charset="0"/>
               </a:rPr>
-              <a:t>Test en </a:t>
-            </a:r>
-            <a:r>
-              <a:rPr lang="fr-FR" dirty="0" err="1">
+              <a:t>PHP</a:t>
+            </a:r>
+          </a:p>
+          <a:p>
+            <a:pPr marL="0" indent="0">
+              <a:buNone/>
+            </a:pPr>
+            <a:r>
+              <a:rPr lang="fr-FR" dirty="0">
                 <a:solidFill>
                   <a:schemeClr val="bg2">
                     <a:lumMod val="50000"/>
@@ -9152,7 +9324,104 @@
                 <a:latin typeface="Segoe UI" panose="020B0502040204020203" pitchFamily="34" charset="0"/>
                 <a:cs typeface="Segoe UI" panose="020B0502040204020203" pitchFamily="34" charset="0"/>
               </a:rPr>
-              <a:t>js</a:t>
+              <a:t>HTML</a:t>
+            </a:r>
+          </a:p>
+          <a:p>
+            <a:pPr marL="0" indent="0">
+              <a:buNone/>
+            </a:pPr>
+            <a:r>
+              <a:rPr lang="fr-FR" dirty="0">
+                <a:solidFill>
+                  <a:schemeClr val="bg2">
+                    <a:lumMod val="50000"/>
+                  </a:schemeClr>
+                </a:solidFill>
+                <a:latin typeface="Segoe UI" panose="020B0502040204020203" pitchFamily="34" charset="0"/>
+                <a:cs typeface="Segoe UI" panose="020B0502040204020203" pitchFamily="34" charset="0"/>
+              </a:rPr>
+              <a:t>CSS</a:t>
+            </a:r>
+          </a:p>
+          <a:p>
+            <a:pPr marL="0" indent="0">
+              <a:buNone/>
+            </a:pPr>
+            <a:r>
+              <a:rPr lang="fr-FR" dirty="0">
+                <a:solidFill>
+                  <a:schemeClr val="bg2">
+                    <a:lumMod val="50000"/>
+                  </a:schemeClr>
+                </a:solidFill>
+                <a:latin typeface="Segoe UI" panose="020B0502040204020203" pitchFamily="34" charset="0"/>
+                <a:cs typeface="Segoe UI" panose="020B0502040204020203" pitchFamily="34" charset="0"/>
+              </a:rPr>
+              <a:t>JS</a:t>
+            </a:r>
+          </a:p>
+          <a:p>
+            <a:pPr marL="0" indent="0">
+              <a:buNone/>
+            </a:pPr>
+            <a:r>
+              <a:rPr lang="fr-FR" dirty="0">
+                <a:solidFill>
+                  <a:schemeClr val="bg2">
+                    <a:lumMod val="50000"/>
+                  </a:schemeClr>
+                </a:solidFill>
+                <a:latin typeface="Segoe UI" panose="020B0502040204020203" pitchFamily="34" charset="0"/>
+                <a:cs typeface="Segoe UI" panose="020B0502040204020203" pitchFamily="34" charset="0"/>
+              </a:rPr>
+              <a:t>Bootstrap</a:t>
+            </a:r>
+          </a:p>
+          <a:p>
+            <a:pPr marL="0" indent="0">
+              <a:buNone/>
+            </a:pPr>
+            <a:r>
+              <a:rPr lang="fr-FR" dirty="0" err="1">
+                <a:solidFill>
+                  <a:schemeClr val="bg2">
+                    <a:lumMod val="50000"/>
+                  </a:schemeClr>
+                </a:solidFill>
+                <a:latin typeface="Segoe UI" panose="020B0502040204020203" pitchFamily="34" charset="0"/>
+                <a:cs typeface="Segoe UI" panose="020B0502040204020203" pitchFamily="34" charset="0"/>
+              </a:rPr>
+              <a:t>React</a:t>
+            </a:r>
+            <a:r>
+              <a:rPr lang="fr-FR" dirty="0">
+                <a:solidFill>
+                  <a:schemeClr val="bg2">
+                    <a:lumMod val="50000"/>
+                  </a:schemeClr>
+                </a:solidFill>
+                <a:latin typeface="Segoe UI" panose="020B0502040204020203" pitchFamily="34" charset="0"/>
+                <a:cs typeface="Segoe UI" panose="020B0502040204020203" pitchFamily="34" charset="0"/>
+              </a:rPr>
+              <a:t> JS</a:t>
+            </a:r>
+          </a:p>
+          <a:p>
+            <a:pPr marL="0" indent="0">
+              <a:buNone/>
+            </a:pPr>
+            <a:r>
+              <a:rPr lang="fr-FR" dirty="0" err="1">
+                <a:solidFill>
+                  <a:schemeClr val="bg2">
+                    <a:lumMod val="50000"/>
+                  </a:schemeClr>
+                </a:solidFill>
+                <a:latin typeface="Segoe UI" panose="020B0502040204020203" pitchFamily="34" charset="0"/>
+                <a:cs typeface="Segoe UI" panose="020B0502040204020203" pitchFamily="34" charset="0"/>
+              </a:rPr>
+              <a:t>Jquery</a:t>
             </a:r>
             <a:endParaRPr lang="fr-FR" dirty="0">
               <a:solidFill>
@@ -9178,7 +9447,24 @@
                 <a:latin typeface="Segoe UI" panose="020B0502040204020203" pitchFamily="34" charset="0"/>
                 <a:cs typeface="Segoe UI" panose="020B0502040204020203" pitchFamily="34" charset="0"/>
               </a:rPr>
-              <a:t>Adaptable a plusieurs tailles d’écrans</a:t>
+              <a:t>PDO</a:t>
+            </a:r>
+          </a:p>
+          <a:p>
+            <a:pPr marL="0" indent="0">
+              <a:buNone/>
+            </a:pPr>
+            <a:r>
+              <a:rPr lang="fr-FR" dirty="0">
+                <a:solidFill>
+                  <a:schemeClr val="bg2">
+                    <a:lumMod val="50000"/>
+                  </a:schemeClr>
+                </a:solidFill>
+                <a:latin typeface="Segoe UI" panose="020B0502040204020203" pitchFamily="34" charset="0"/>
+                <a:cs typeface="Segoe UI" panose="020B0502040204020203" pitchFamily="34" charset="0"/>
+              </a:rPr>
+              <a:t>Swift mailer</a:t>
             </a:r>
           </a:p>
         </p:txBody>
@@ -9274,7 +9560,7 @@
     </p:spTree>
     <p:extLst>
       <p:ext uri="{BB962C8B-B14F-4D97-AF65-F5344CB8AC3E}">
-        <p14:creationId xmlns:p14="http://schemas.microsoft.com/office/powerpoint/2010/main" val="3249781932"/>
+        <p14:creationId xmlns:p14="http://schemas.microsoft.com/office/powerpoint/2010/main" val="3268497078"/>
       </p:ext>
     </p:extLst>
   </p:cSld>
@@ -9347,20 +9633,14 @@
           </a:lstStyle>
           <a:p>
             <a:r>
-              <a:rPr lang="fr-FR" dirty="0" err="1">
+              <a:rPr lang="fr-FR" dirty="0">
                 <a:solidFill>
                   <a:srgbClr val="3C4DBA"/>
                 </a:solidFill>
                 <a:latin typeface="Fjalla One" panose="02000506040000020004" pitchFamily="2" charset="0"/>
               </a:rPr>
-              <a:t>Back-end</a:t>
-            </a:r>
-            <a:endParaRPr lang="fr-FR" dirty="0">
-              <a:solidFill>
-                <a:srgbClr val="3C4DBA"/>
-              </a:solidFill>
-              <a:latin typeface="Fjalla One" panose="02000506040000020004" pitchFamily="2" charset="0"/>
-            </a:endParaRPr>
+              <a:t>Base de données</a:t>
+            </a:r>
           </a:p>
         </p:txBody>
       </p:sp>
@@ -9558,7 +9838,7 @@
               <a:buNone/>
             </a:pPr>
             <a:r>
-              <a:rPr lang="fr-FR" dirty="0">
+              <a:rPr lang="fr-FR" dirty="0" err="1">
                 <a:solidFill>
                   <a:schemeClr val="bg2">
                     <a:lumMod val="50000"/>
@@ -9567,15 +9847,24 @@
                 <a:latin typeface="Segoe UI" panose="020B0502040204020203" pitchFamily="34" charset="0"/>
                 <a:cs typeface="Segoe UI" panose="020B0502040204020203" pitchFamily="34" charset="0"/>
               </a:rPr>
-              <a:t>MVC </a:t>
-            </a:r>
+              <a:t>Postgresql</a:t>
+            </a:r>
+            <a:endParaRPr lang="fr-FR" dirty="0">
+              <a:solidFill>
+                <a:schemeClr val="bg2">
+                  <a:lumMod val="50000"/>
+                </a:schemeClr>
+              </a:solidFill>
+              <a:latin typeface="Segoe UI" panose="020B0502040204020203" pitchFamily="34" charset="0"/>
+              <a:cs typeface="Segoe UI" panose="020B0502040204020203" pitchFamily="34" charset="0"/>
+            </a:endParaRPr>
           </a:p>
           <a:p>
             <a:pPr marL="0" indent="0">
               <a:buNone/>
             </a:pPr>
             <a:r>
-              <a:rPr lang="fr-FR" dirty="0">
+              <a:rPr lang="fr-FR" dirty="0" err="1">
                 <a:solidFill>
                   <a:schemeClr val="bg2">
                     <a:lumMod val="50000"/>
@@ -9584,7 +9873,77 @@
                 <a:latin typeface="Segoe UI" panose="020B0502040204020203" pitchFamily="34" charset="0"/>
                 <a:cs typeface="Segoe UI" panose="020B0502040204020203" pitchFamily="34" charset="0"/>
               </a:rPr>
-              <a:t>…….</a:t>
+              <a:t>Mcd</a:t>
+            </a:r>
+            <a:r>
+              <a:rPr lang="fr-FR" dirty="0">
+                <a:solidFill>
+                  <a:schemeClr val="bg2">
+                    <a:lumMod val="50000"/>
+                  </a:schemeClr>
+                </a:solidFill>
+                <a:latin typeface="Segoe UI" panose="020B0502040204020203" pitchFamily="34" charset="0"/>
+                <a:cs typeface="Segoe UI" panose="020B0502040204020203" pitchFamily="34" charset="0"/>
+              </a:rPr>
+              <a:t>?</a:t>
+            </a:r>
+          </a:p>
+          <a:p>
+            <a:pPr marL="0" indent="0">
+              <a:buNone/>
+            </a:pPr>
+            <a:r>
+              <a:rPr lang="fr-FR" dirty="0">
+                <a:solidFill>
+                  <a:schemeClr val="bg2">
+                    <a:lumMod val="50000"/>
+                  </a:schemeClr>
+                </a:solidFill>
+                <a:latin typeface="Segoe UI" panose="020B0502040204020203" pitchFamily="34" charset="0"/>
+                <a:cs typeface="Segoe UI" panose="020B0502040204020203" pitchFamily="34" charset="0"/>
+              </a:rPr>
+              <a:t>La table </a:t>
+            </a:r>
+            <a:r>
+              <a:rPr lang="fr-FR" dirty="0" err="1">
+                <a:solidFill>
+                  <a:schemeClr val="bg2">
+                    <a:lumMod val="50000"/>
+                  </a:schemeClr>
+                </a:solidFill>
+                <a:latin typeface="Segoe UI" panose="020B0502040204020203" pitchFamily="34" charset="0"/>
+                <a:cs typeface="Segoe UI" panose="020B0502040204020203" pitchFamily="34" charset="0"/>
+              </a:rPr>
+              <a:t>token</a:t>
+            </a:r>
+            <a:r>
+              <a:rPr lang="fr-FR" dirty="0">
+                <a:solidFill>
+                  <a:schemeClr val="bg2">
+                    <a:lumMod val="50000"/>
+                  </a:schemeClr>
+                </a:solidFill>
+                <a:latin typeface="Segoe UI" panose="020B0502040204020203" pitchFamily="34" charset="0"/>
+                <a:cs typeface="Segoe UI" panose="020B0502040204020203" pitchFamily="34" charset="0"/>
+              </a:rPr>
+              <a:t>?</a:t>
+            </a:r>
+          </a:p>
+          <a:p>
+            <a:pPr marL="0" indent="0">
+              <a:buNone/>
+            </a:pPr>
+            <a:r>
+              <a:rPr lang="fr-FR" dirty="0">
+                <a:solidFill>
+                  <a:schemeClr val="bg2">
+                    <a:lumMod val="50000"/>
+                  </a:schemeClr>
+                </a:solidFill>
+                <a:latin typeface="Segoe UI" panose="020B0502040204020203" pitchFamily="34" charset="0"/>
+                <a:cs typeface="Segoe UI" panose="020B0502040204020203" pitchFamily="34" charset="0"/>
+              </a:rPr>
+              <a:t>…..</a:t>
             </a:r>
           </a:p>
         </p:txBody>
@@ -9680,7 +10039,7 @@
     </p:spTree>
     <p:extLst>
       <p:ext uri="{BB962C8B-B14F-4D97-AF65-F5344CB8AC3E}">
-        <p14:creationId xmlns:p14="http://schemas.microsoft.com/office/powerpoint/2010/main" val="926790148"/>
+        <p14:creationId xmlns:p14="http://schemas.microsoft.com/office/powerpoint/2010/main" val="681496384"/>
       </p:ext>
     </p:extLst>
   </p:cSld>
@@ -9723,7 +10082,7 @@
         </p:nvSpPr>
         <p:spPr>
           <a:xfrm>
-            <a:off x="371437" y="500062"/>
+            <a:off x="389022" y="500062"/>
             <a:ext cx="10515600" cy="1325563"/>
           </a:xfrm>
           <a:prstGeom prst="rect">
@@ -9753,14 +10112,20 @@
           </a:lstStyle>
           <a:p>
             <a:r>
-              <a:rPr lang="fr-FR" dirty="0">
+              <a:rPr lang="fr-FR" dirty="0" err="1">
                 <a:solidFill>
                   <a:srgbClr val="3C4DBA"/>
                 </a:solidFill>
                 <a:latin typeface="Fjalla One" panose="02000506040000020004" pitchFamily="2" charset="0"/>
               </a:rPr>
-              <a:t>Aspect sécurité</a:t>
-            </a:r>
+              <a:t>Front-end</a:t>
+            </a:r>
+            <a:endParaRPr lang="fr-FR" dirty="0">
+              <a:solidFill>
+                <a:srgbClr val="3C4DBA"/>
+              </a:solidFill>
+              <a:latin typeface="Fjalla One" panose="02000506040000020004" pitchFamily="2" charset="0"/>
+            </a:endParaRPr>
           </a:p>
         </p:txBody>
       </p:sp>
@@ -9958,7 +10323,7 @@
               <a:buNone/>
             </a:pPr>
             <a:r>
-              <a:rPr lang="fr-FR" dirty="0" err="1">
+              <a:rPr lang="fr-FR" dirty="0">
                 <a:solidFill>
                   <a:schemeClr val="bg2">
                     <a:lumMod val="50000"/>
@@ -9967,10 +10332,10 @@
                 <a:latin typeface="Segoe UI" panose="020B0502040204020203" pitchFamily="34" charset="0"/>
                 <a:cs typeface="Segoe UI" panose="020B0502040204020203" pitchFamily="34" charset="0"/>
               </a:rPr>
-              <a:t>Token</a:t>
-            </a:r>
-            <a:r>
-              <a:rPr lang="fr-FR" dirty="0">
+              <a:t>Test en </a:t>
+            </a:r>
+            <a:r>
+              <a:rPr lang="fr-FR" dirty="0" err="1">
                 <a:solidFill>
                   <a:schemeClr val="bg2">
                     <a:lumMod val="50000"/>
@@ -9979,43 +10344,7 @@
                 <a:latin typeface="Segoe UI" panose="020B0502040204020203" pitchFamily="34" charset="0"/>
                 <a:cs typeface="Segoe UI" panose="020B0502040204020203" pitchFamily="34" charset="0"/>
               </a:rPr>
-              <a:t> de validation + </a:t>
-            </a:r>
-            <a:r>
-              <a:rPr lang="fr-FR" dirty="0" err="1">
-                <a:solidFill>
-                  <a:schemeClr val="bg2">
-                    <a:lumMod val="50000"/>
-                  </a:schemeClr>
-                </a:solidFill>
-                <a:latin typeface="Segoe UI" panose="020B0502040204020203" pitchFamily="34" charset="0"/>
-                <a:cs typeface="Segoe UI" panose="020B0502040204020203" pitchFamily="34" charset="0"/>
-              </a:rPr>
-              <a:t>blow</a:t>
-            </a:r>
-            <a:r>
-              <a:rPr lang="fr-FR" dirty="0">
-                <a:solidFill>
-                  <a:schemeClr val="bg2">
-                    <a:lumMod val="50000"/>
-                  </a:schemeClr>
-                </a:solidFill>
-                <a:latin typeface="Segoe UI" panose="020B0502040204020203" pitchFamily="34" charset="0"/>
-                <a:cs typeface="Segoe UI" panose="020B0502040204020203" pitchFamily="34" charset="0"/>
-              </a:rPr>
-              <a:t> </a:t>
-            </a:r>
-            <a:r>
-              <a:rPr lang="fr-FR" dirty="0" err="1">
-                <a:solidFill>
-                  <a:schemeClr val="bg2">
-                    <a:lumMod val="50000"/>
-                  </a:schemeClr>
-                </a:solidFill>
-                <a:latin typeface="Segoe UI" panose="020B0502040204020203" pitchFamily="34" charset="0"/>
-                <a:cs typeface="Segoe UI" panose="020B0502040204020203" pitchFamily="34" charset="0"/>
-              </a:rPr>
-              <a:t>fish</a:t>
+              <a:t>js</a:t>
             </a:r>
             <a:endParaRPr lang="fr-FR" dirty="0">
               <a:solidFill>
@@ -10032,7 +10361,7 @@
               <a:buNone/>
             </a:pPr>
             <a:r>
-              <a:rPr lang="fr-FR" dirty="0" err="1">
+              <a:rPr lang="fr-FR" dirty="0">
                 <a:solidFill>
                   <a:schemeClr val="bg2">
                     <a:lumMod val="50000"/>
@@ -10041,178 +10370,7 @@
                 <a:latin typeface="Segoe UI" panose="020B0502040204020203" pitchFamily="34" charset="0"/>
                 <a:cs typeface="Segoe UI" panose="020B0502040204020203" pitchFamily="34" charset="0"/>
               </a:rPr>
-              <a:t>Prepared</a:t>
-            </a:r>
-            <a:r>
-              <a:rPr lang="fr-FR" dirty="0">
-                <a:solidFill>
-                  <a:schemeClr val="bg2">
-                    <a:lumMod val="50000"/>
-                  </a:schemeClr>
-                </a:solidFill>
-                <a:latin typeface="Segoe UI" panose="020B0502040204020203" pitchFamily="34" charset="0"/>
-                <a:cs typeface="Segoe UI" panose="020B0502040204020203" pitchFamily="34" charset="0"/>
-              </a:rPr>
-              <a:t> </a:t>
-            </a:r>
-            <a:r>
-              <a:rPr lang="fr-FR" dirty="0" err="1">
-                <a:solidFill>
-                  <a:schemeClr val="bg2">
-                    <a:lumMod val="50000"/>
-                  </a:schemeClr>
-                </a:solidFill>
-                <a:latin typeface="Segoe UI" panose="020B0502040204020203" pitchFamily="34" charset="0"/>
-                <a:cs typeface="Segoe UI" panose="020B0502040204020203" pitchFamily="34" charset="0"/>
-              </a:rPr>
-              <a:t>statement</a:t>
-            </a:r>
-            <a:r>
-              <a:rPr lang="fr-FR" dirty="0">
-                <a:solidFill>
-                  <a:schemeClr val="bg2">
-                    <a:lumMod val="50000"/>
-                  </a:schemeClr>
-                </a:solidFill>
-                <a:latin typeface="Segoe UI" panose="020B0502040204020203" pitchFamily="34" charset="0"/>
-                <a:cs typeface="Segoe UI" panose="020B0502040204020203" pitchFamily="34" charset="0"/>
-              </a:rPr>
-              <a:t> (injections </a:t>
-            </a:r>
-            <a:r>
-              <a:rPr lang="fr-FR" dirty="0" err="1">
-                <a:solidFill>
-                  <a:schemeClr val="bg2">
-                    <a:lumMod val="50000"/>
-                  </a:schemeClr>
-                </a:solidFill>
-                <a:latin typeface="Segoe UI" panose="020B0502040204020203" pitchFamily="34" charset="0"/>
-                <a:cs typeface="Segoe UI" panose="020B0502040204020203" pitchFamily="34" charset="0"/>
-              </a:rPr>
-              <a:t>sql</a:t>
-            </a:r>
-            <a:r>
-              <a:rPr lang="fr-FR" dirty="0">
-                <a:solidFill>
-                  <a:schemeClr val="bg2">
-                    <a:lumMod val="50000"/>
-                  </a:schemeClr>
-                </a:solidFill>
-                <a:latin typeface="Segoe UI" panose="020B0502040204020203" pitchFamily="34" charset="0"/>
-                <a:cs typeface="Segoe UI" panose="020B0502040204020203" pitchFamily="34" charset="0"/>
-              </a:rPr>
-              <a:t>)</a:t>
-            </a:r>
-          </a:p>
-          <a:p>
-            <a:pPr marL="0" indent="0">
-              <a:buNone/>
-            </a:pPr>
-            <a:r>
-              <a:rPr lang="fr-FR" dirty="0">
-                <a:solidFill>
-                  <a:schemeClr val="bg2">
-                    <a:lumMod val="50000"/>
-                  </a:schemeClr>
-                </a:solidFill>
-                <a:latin typeface="Segoe UI" panose="020B0502040204020203" pitchFamily="34" charset="0"/>
-                <a:cs typeface="Segoe UI" panose="020B0502040204020203" pitchFamily="34" charset="0"/>
-              </a:rPr>
-              <a:t>Url pour non log bloquées</a:t>
-            </a:r>
-          </a:p>
-          <a:p>
-            <a:pPr marL="0" indent="0">
-              <a:buNone/>
-            </a:pPr>
-            <a:r>
-              <a:rPr lang="fr-FR" dirty="0" err="1">
-                <a:solidFill>
-                  <a:schemeClr val="bg2">
-                    <a:lumMod val="50000"/>
-                  </a:schemeClr>
-                </a:solidFill>
-                <a:latin typeface="Segoe UI" panose="020B0502040204020203" pitchFamily="34" charset="0"/>
-                <a:cs typeface="Segoe UI" panose="020B0502040204020203" pitchFamily="34" charset="0"/>
-              </a:rPr>
-              <a:t>Xss</a:t>
-            </a:r>
-            <a:r>
-              <a:rPr lang="fr-FR" dirty="0">
-                <a:solidFill>
-                  <a:schemeClr val="bg2">
-                    <a:lumMod val="50000"/>
-                  </a:schemeClr>
-                </a:solidFill>
-                <a:latin typeface="Segoe UI" panose="020B0502040204020203" pitchFamily="34" charset="0"/>
-                <a:cs typeface="Segoe UI" panose="020B0502040204020203" pitchFamily="34" charset="0"/>
-              </a:rPr>
-              <a:t>? Je sais </a:t>
-            </a:r>
-            <a:r>
-              <a:rPr lang="fr-FR" dirty="0" err="1">
-                <a:solidFill>
-                  <a:schemeClr val="bg2">
-                    <a:lumMod val="50000"/>
-                  </a:schemeClr>
-                </a:solidFill>
-                <a:latin typeface="Segoe UI" panose="020B0502040204020203" pitchFamily="34" charset="0"/>
-                <a:cs typeface="Segoe UI" panose="020B0502040204020203" pitchFamily="34" charset="0"/>
-              </a:rPr>
-              <a:t>aps</a:t>
-            </a:r>
-            <a:r>
-              <a:rPr lang="fr-FR" dirty="0">
-                <a:solidFill>
-                  <a:schemeClr val="bg2">
-                    <a:lumMod val="50000"/>
-                  </a:schemeClr>
-                </a:solidFill>
-                <a:latin typeface="Segoe UI" panose="020B0502040204020203" pitchFamily="34" charset="0"/>
-                <a:cs typeface="Segoe UI" panose="020B0502040204020203" pitchFamily="34" charset="0"/>
-              </a:rPr>
-              <a:t> si on </a:t>
-            </a:r>
-            <a:r>
-              <a:rPr lang="fr-FR" dirty="0" err="1">
-                <a:solidFill>
-                  <a:schemeClr val="bg2">
-                    <a:lumMod val="50000"/>
-                  </a:schemeClr>
-                </a:solidFill>
-                <a:latin typeface="Segoe UI" panose="020B0502040204020203" pitchFamily="34" charset="0"/>
-                <a:cs typeface="Segoe UI" panose="020B0502040204020203" pitchFamily="34" charset="0"/>
-              </a:rPr>
-              <a:t>ets</a:t>
-            </a:r>
-            <a:r>
-              <a:rPr lang="fr-FR" dirty="0">
-                <a:solidFill>
-                  <a:schemeClr val="bg2">
-                    <a:lumMod val="50000"/>
-                  </a:schemeClr>
-                </a:solidFill>
-                <a:latin typeface="Segoe UI" panose="020B0502040204020203" pitchFamily="34" charset="0"/>
-                <a:cs typeface="Segoe UI" panose="020B0502040204020203" pitchFamily="34" charset="0"/>
-              </a:rPr>
-              <a:t> protégés</a:t>
-            </a:r>
-          </a:p>
-          <a:p>
-            <a:pPr marL="0" indent="0">
-              <a:buNone/>
-            </a:pPr>
-            <a:r>
-              <a:rPr lang="fr-FR" dirty="0">
-                <a:solidFill>
-                  <a:schemeClr val="bg2">
-                    <a:lumMod val="50000"/>
-                  </a:schemeClr>
-                </a:solidFill>
-                <a:latin typeface="Segoe UI" panose="020B0502040204020203" pitchFamily="34" charset="0"/>
-                <a:cs typeface="Segoe UI" panose="020B0502040204020203" pitchFamily="34" charset="0"/>
-              </a:rPr>
-              <a:t>…..</a:t>
+              <a:t>Adaptable a plusieurs tailles d’écrans</a:t>
             </a:r>
           </a:p>
         </p:txBody>
@@ -10308,7 +10466,7 @@
     </p:spTree>
     <p:extLst>
       <p:ext uri="{BB962C8B-B14F-4D97-AF65-F5344CB8AC3E}">
-        <p14:creationId xmlns:p14="http://schemas.microsoft.com/office/powerpoint/2010/main" val="3387592857"/>
+        <p14:creationId xmlns:p14="http://schemas.microsoft.com/office/powerpoint/2010/main" val="3249781932"/>
       </p:ext>
     </p:extLst>
   </p:cSld>
@@ -10351,7 +10509,7 @@
         </p:nvSpPr>
         <p:spPr>
           <a:xfrm>
-            <a:off x="371437" y="500062"/>
+            <a:off x="389022" y="500062"/>
             <a:ext cx="10515600" cy="1325563"/>
           </a:xfrm>
           <a:prstGeom prst="rect">
@@ -10381,14 +10539,20 @@
           </a:lstStyle>
           <a:p>
             <a:r>
-              <a:rPr lang="fr-FR" dirty="0">
+              <a:rPr lang="fr-FR" dirty="0" err="1">
                 <a:solidFill>
                   <a:srgbClr val="3C4DBA"/>
                 </a:solidFill>
                 <a:latin typeface="Fjalla One" panose="02000506040000020004" pitchFamily="2" charset="0"/>
               </a:rPr>
-              <a:t>A venir …</a:t>
-            </a:r>
+              <a:t>Back-end</a:t>
+            </a:r>
+            <a:endParaRPr lang="fr-FR" dirty="0">
+              <a:solidFill>
+                <a:srgbClr val="3C4DBA"/>
+              </a:solidFill>
+              <a:latin typeface="Fjalla One" panose="02000506040000020004" pitchFamily="2" charset="0"/>
+            </a:endParaRPr>
           </a:p>
         </p:txBody>
       </p:sp>
@@ -10595,7 +10759,7 @@
                 <a:latin typeface="Segoe UI" panose="020B0502040204020203" pitchFamily="34" charset="0"/>
                 <a:cs typeface="Segoe UI" panose="020B0502040204020203" pitchFamily="34" charset="0"/>
               </a:rPr>
-              <a:t>Messagerie</a:t>
+              <a:t>MVC </a:t>
             </a:r>
           </a:p>
           <a:p>
@@ -10612,70 +10776,8 @@
                 <a:latin typeface="Segoe UI" panose="020B0502040204020203" pitchFamily="34" charset="0"/>
                 <a:cs typeface="Segoe UI" panose="020B0502040204020203" pitchFamily="34" charset="0"/>
               </a:rPr>
-              <a:t>Appli mobile IOS/Android</a:t>
-            </a:r>
-          </a:p>
-          <a:p>
-            <a:pPr marL="0" indent="0">
-              <a:buNone/>
-            </a:pPr>
-            <a:r>
-              <a:rPr lang="fr-FR" dirty="0">
-                <a:solidFill>
-                  <a:schemeClr val="bg2">
-                    <a:lumMod val="50000"/>
-                  </a:schemeClr>
-                </a:solidFill>
-                <a:latin typeface="Segoe UI" panose="020B0502040204020203" pitchFamily="34" charset="0"/>
-                <a:cs typeface="Segoe UI" panose="020B0502040204020203" pitchFamily="34" charset="0"/>
-              </a:rPr>
-              <a:t>Test de personnalité plus poussé</a:t>
-            </a:r>
-          </a:p>
-          <a:p>
-            <a:pPr marL="0" indent="0">
-              <a:buNone/>
-            </a:pPr>
-            <a:endParaRPr lang="fr-FR" dirty="0">
-              <a:solidFill>
-                <a:schemeClr val="bg2">
-                  <a:lumMod val="50000"/>
-                </a:schemeClr>
-              </a:solidFill>
-              <a:latin typeface="Segoe UI" panose="020B0502040204020203" pitchFamily="34" charset="0"/>
-              <a:cs typeface="Segoe UI" panose="020B0502040204020203" pitchFamily="34" charset="0"/>
-            </a:endParaRPr>
-          </a:p>
-          <a:p>
-            <a:pPr marL="0" indent="0">
-              <a:buNone/>
-            </a:pPr>
-            <a:r>
-              <a:rPr lang="fr-FR" dirty="0">
-                <a:solidFill>
-                  <a:schemeClr val="bg2">
-                    <a:lumMod val="50000"/>
-                  </a:schemeClr>
-                </a:solidFill>
-                <a:latin typeface="Segoe UI" panose="020B0502040204020203" pitchFamily="34" charset="0"/>
-                <a:cs typeface="Segoe UI" panose="020B0502040204020203" pitchFamily="34" charset="0"/>
-              </a:rPr>
-              <a:t>….</a:t>
-            </a:r>
-          </a:p>
-          <a:p>
-            <a:pPr marL="0" indent="0">
-              <a:buNone/>
-            </a:pPr>
-            <a:endParaRPr lang="fr-FR" dirty="0">
-              <a:solidFill>
-                <a:schemeClr val="bg2">
-                  <a:lumMod val="50000"/>
-                </a:schemeClr>
-              </a:solidFill>
-              <a:latin typeface="Segoe UI" panose="020B0502040204020203" pitchFamily="34" charset="0"/>
-              <a:cs typeface="Segoe UI" panose="020B0502040204020203" pitchFamily="34" charset="0"/>
-            </a:endParaRPr>
+              <a:t>…….</a:t>
+            </a:r>
           </a:p>
         </p:txBody>
       </p:sp>
@@ -10770,7 +10872,7 @@
     </p:spTree>
     <p:extLst>
       <p:ext uri="{BB962C8B-B14F-4D97-AF65-F5344CB8AC3E}">
-        <p14:creationId xmlns:p14="http://schemas.microsoft.com/office/powerpoint/2010/main" val="1455680932"/>
+        <p14:creationId xmlns:p14="http://schemas.microsoft.com/office/powerpoint/2010/main" val="926790148"/>
       </p:ext>
     </p:extLst>
   </p:cSld>
@@ -10799,6 +10901,1096 @@
       </p:grpSpPr>
       <p:sp>
         <p:nvSpPr>
+          <p:cNvPr id="12" name="Titre 1">
+            <a:extLst>
+              <a:ext uri="{FF2B5EF4-FFF2-40B4-BE49-F238E27FC236}">
+                <a16:creationId xmlns:a16="http://schemas.microsoft.com/office/drawing/2014/main" id="{8CB05E21-0B36-4229-BC17-A64766192AC5}"/>
+              </a:ext>
+            </a:extLst>
+          </p:cNvPr>
+          <p:cNvSpPr txBox="1">
+            <a:spLocks/>
+          </p:cNvSpPr>
+          <p:nvPr/>
+        </p:nvSpPr>
+        <p:spPr>
+          <a:xfrm>
+            <a:off x="371437" y="500062"/>
+            <a:ext cx="10515600" cy="1325563"/>
+          </a:xfrm>
+          <a:prstGeom prst="rect">
+            <a:avLst/>
+          </a:prstGeom>
+        </p:spPr>
+        <p:txBody>
+          <a:bodyPr/>
+          <a:lstStyle>
+            <a:lvl1pPr algn="l" defTabSz="914400" rtl="0" eaLnBrk="1" latinLnBrk="0" hangingPunct="1">
+              <a:lnSpc>
+                <a:spcPct val="90000"/>
+              </a:lnSpc>
+              <a:spcBef>
+                <a:spcPct val="0"/>
+              </a:spcBef>
+              <a:buNone/>
+              <a:defRPr sz="4400" kern="1200">
+                <a:solidFill>
+                  <a:schemeClr val="tx1"/>
+                </a:solidFill>
+                <a:latin typeface="+mj-lt"/>
+                <a:ea typeface="+mj-ea"/>
+                <a:cs typeface="+mj-cs"/>
+              </a:defRPr>
+            </a:lvl1pPr>
+          </a:lstStyle>
+          <a:p>
+            <a:r>
+              <a:rPr lang="fr-FR" dirty="0">
+                <a:solidFill>
+                  <a:srgbClr val="3C4DBA"/>
+                </a:solidFill>
+                <a:latin typeface="Fjalla One" panose="02000506040000020004" pitchFamily="2" charset="0"/>
+              </a:rPr>
+              <a:t>Aspect sécurité</a:t>
+            </a:r>
+          </a:p>
+        </p:txBody>
+      </p:sp>
+      <p:sp>
+        <p:nvSpPr>
+          <p:cNvPr id="14" name="Espace réservé du contenu 2">
+            <a:extLst>
+              <a:ext uri="{FF2B5EF4-FFF2-40B4-BE49-F238E27FC236}">
+                <a16:creationId xmlns:a16="http://schemas.microsoft.com/office/drawing/2014/main" id="{BA8DA574-5F90-4169-840F-348B222F0D88}"/>
+              </a:ext>
+            </a:extLst>
+          </p:cNvPr>
+          <p:cNvSpPr txBox="1">
+            <a:spLocks/>
+          </p:cNvSpPr>
+          <p:nvPr/>
+        </p:nvSpPr>
+        <p:spPr>
+          <a:xfrm>
+            <a:off x="2129589" y="2087235"/>
+            <a:ext cx="10515600" cy="4351338"/>
+          </a:xfrm>
+          <a:prstGeom prst="rect">
+            <a:avLst/>
+          </a:prstGeom>
+        </p:spPr>
+        <p:txBody>
+          <a:bodyPr/>
+          <a:lstStyle>
+            <a:lvl1pPr marL="228600" indent="-228600" algn="l" defTabSz="914400" rtl="0" eaLnBrk="1" latinLnBrk="0" hangingPunct="1">
+              <a:lnSpc>
+                <a:spcPct val="90000"/>
+              </a:lnSpc>
+              <a:spcBef>
+                <a:spcPts val="1000"/>
+              </a:spcBef>
+              <a:buFont typeface="Arial" panose="020B0604020202020204" pitchFamily="34" charset="0"/>
+              <a:buChar char="•"/>
+              <a:defRPr sz="2800" kern="1200">
+                <a:solidFill>
+                  <a:schemeClr val="tx1"/>
+                </a:solidFill>
+                <a:latin typeface="+mn-lt"/>
+                <a:ea typeface="+mn-ea"/>
+                <a:cs typeface="+mn-cs"/>
+              </a:defRPr>
+            </a:lvl1pPr>
+            <a:lvl2pPr marL="685800" indent="-228600" algn="l" defTabSz="914400" rtl="0" eaLnBrk="1" latinLnBrk="0" hangingPunct="1">
+              <a:lnSpc>
+                <a:spcPct val="90000"/>
+              </a:lnSpc>
+              <a:spcBef>
+                <a:spcPts val="500"/>
+              </a:spcBef>
+              <a:buFont typeface="Arial" panose="020B0604020202020204" pitchFamily="34" charset="0"/>
+              <a:buChar char="•"/>
+              <a:defRPr sz="2400" kern="1200">
+                <a:solidFill>
+                  <a:schemeClr val="tx1"/>
+                </a:solidFill>
+                <a:latin typeface="+mn-lt"/>
+                <a:ea typeface="+mn-ea"/>
+                <a:cs typeface="+mn-cs"/>
+              </a:defRPr>
+            </a:lvl2pPr>
+            <a:lvl3pPr marL="1143000" indent="-228600" algn="l" defTabSz="914400" rtl="0" eaLnBrk="1" latinLnBrk="0" hangingPunct="1">
+              <a:lnSpc>
+                <a:spcPct val="90000"/>
+              </a:lnSpc>
+              <a:spcBef>
+                <a:spcPts val="500"/>
+              </a:spcBef>
+              <a:buFont typeface="Arial" panose="020B0604020202020204" pitchFamily="34" charset="0"/>
+              <a:buChar char="•"/>
+              <a:defRPr sz="2000" kern="1200">
+                <a:solidFill>
+                  <a:schemeClr val="tx1"/>
+                </a:solidFill>
+                <a:latin typeface="+mn-lt"/>
+                <a:ea typeface="+mn-ea"/>
+                <a:cs typeface="+mn-cs"/>
+              </a:defRPr>
+            </a:lvl3pPr>
+            <a:lvl4pPr marL="1600200" indent="-228600" algn="l" defTabSz="914400" rtl="0" eaLnBrk="1" latinLnBrk="0" hangingPunct="1">
+              <a:lnSpc>
+                <a:spcPct val="90000"/>
+              </a:lnSpc>
+              <a:spcBef>
+                <a:spcPts val="500"/>
+              </a:spcBef>
+              <a:buFont typeface="Arial" panose="020B0604020202020204" pitchFamily="34" charset="0"/>
+              <a:buChar char="•"/>
+              <a:defRPr sz="1800" kern="1200">
+                <a:solidFill>
+                  <a:schemeClr val="tx1"/>
+                </a:solidFill>
+                <a:latin typeface="+mn-lt"/>
+                <a:ea typeface="+mn-ea"/>
+                <a:cs typeface="+mn-cs"/>
+              </a:defRPr>
+            </a:lvl4pPr>
+            <a:lvl5pPr marL="2057400" indent="-228600" algn="l" defTabSz="914400" rtl="0" eaLnBrk="1" latinLnBrk="0" hangingPunct="1">
+              <a:lnSpc>
+                <a:spcPct val="90000"/>
+              </a:lnSpc>
+              <a:spcBef>
+                <a:spcPts val="500"/>
+              </a:spcBef>
+              <a:buFont typeface="Arial" panose="020B0604020202020204" pitchFamily="34" charset="0"/>
+              <a:buChar char="•"/>
+              <a:defRPr sz="1800" kern="1200">
+                <a:solidFill>
+                  <a:schemeClr val="tx1"/>
+                </a:solidFill>
+                <a:latin typeface="+mn-lt"/>
+                <a:ea typeface="+mn-ea"/>
+                <a:cs typeface="+mn-cs"/>
+              </a:defRPr>
+            </a:lvl5pPr>
+            <a:lvl6pPr marL="2514600" indent="-228600" algn="l" defTabSz="914400" rtl="0" eaLnBrk="1" latinLnBrk="0" hangingPunct="1">
+              <a:lnSpc>
+                <a:spcPct val="90000"/>
+              </a:lnSpc>
+              <a:spcBef>
+                <a:spcPts val="500"/>
+              </a:spcBef>
+              <a:buFont typeface="Arial" panose="020B0604020202020204" pitchFamily="34" charset="0"/>
+              <a:buChar char="•"/>
+              <a:defRPr sz="1800" kern="1200">
+                <a:solidFill>
+                  <a:schemeClr val="tx1"/>
+                </a:solidFill>
+                <a:latin typeface="+mn-lt"/>
+                <a:ea typeface="+mn-ea"/>
+                <a:cs typeface="+mn-cs"/>
+              </a:defRPr>
+            </a:lvl6pPr>
+            <a:lvl7pPr marL="2971800" indent="-228600" algn="l" defTabSz="914400" rtl="0" eaLnBrk="1" latinLnBrk="0" hangingPunct="1">
+              <a:lnSpc>
+                <a:spcPct val="90000"/>
+              </a:lnSpc>
+              <a:spcBef>
+                <a:spcPts val="500"/>
+              </a:spcBef>
+              <a:buFont typeface="Arial" panose="020B0604020202020204" pitchFamily="34" charset="0"/>
+              <a:buChar char="•"/>
+              <a:defRPr sz="1800" kern="1200">
+                <a:solidFill>
+                  <a:schemeClr val="tx1"/>
+                </a:solidFill>
+                <a:latin typeface="+mn-lt"/>
+                <a:ea typeface="+mn-ea"/>
+                <a:cs typeface="+mn-cs"/>
+              </a:defRPr>
+            </a:lvl7pPr>
+            <a:lvl8pPr marL="3429000" indent="-228600" algn="l" defTabSz="914400" rtl="0" eaLnBrk="1" latinLnBrk="0" hangingPunct="1">
+              <a:lnSpc>
+                <a:spcPct val="90000"/>
+              </a:lnSpc>
+              <a:spcBef>
+                <a:spcPts val="500"/>
+              </a:spcBef>
+              <a:buFont typeface="Arial" panose="020B0604020202020204" pitchFamily="34" charset="0"/>
+              <a:buChar char="•"/>
+              <a:defRPr sz="1800" kern="1200">
+                <a:solidFill>
+                  <a:schemeClr val="tx1"/>
+                </a:solidFill>
+                <a:latin typeface="+mn-lt"/>
+                <a:ea typeface="+mn-ea"/>
+                <a:cs typeface="+mn-cs"/>
+              </a:defRPr>
+            </a:lvl8pPr>
+            <a:lvl9pPr marL="3886200" indent="-228600" algn="l" defTabSz="914400" rtl="0" eaLnBrk="1" latinLnBrk="0" hangingPunct="1">
+              <a:lnSpc>
+                <a:spcPct val="90000"/>
+              </a:lnSpc>
+              <a:spcBef>
+                <a:spcPts val="500"/>
+              </a:spcBef>
+              <a:buFont typeface="Arial" panose="020B0604020202020204" pitchFamily="34" charset="0"/>
+              <a:buChar char="•"/>
+              <a:defRPr sz="1800" kern="1200">
+                <a:solidFill>
+                  <a:schemeClr val="tx1"/>
+                </a:solidFill>
+                <a:latin typeface="+mn-lt"/>
+                <a:ea typeface="+mn-ea"/>
+                <a:cs typeface="+mn-cs"/>
+              </a:defRPr>
+            </a:lvl9pPr>
+          </a:lstStyle>
+          <a:p>
+            <a:pPr marL="0" indent="0">
+              <a:buNone/>
+            </a:pPr>
+            <a:r>
+              <a:rPr lang="fr-FR" dirty="0" err="1">
+                <a:solidFill>
+                  <a:schemeClr val="bg2">
+                    <a:lumMod val="50000"/>
+                  </a:schemeClr>
+                </a:solidFill>
+                <a:latin typeface="Segoe UI" panose="020B0502040204020203" pitchFamily="34" charset="0"/>
+                <a:cs typeface="Segoe UI" panose="020B0502040204020203" pitchFamily="34" charset="0"/>
+              </a:rPr>
+              <a:t>Token</a:t>
+            </a:r>
+            <a:r>
+              <a:rPr lang="fr-FR" dirty="0">
+                <a:solidFill>
+                  <a:schemeClr val="bg2">
+                    <a:lumMod val="50000"/>
+                  </a:schemeClr>
+                </a:solidFill>
+                <a:latin typeface="Segoe UI" panose="020B0502040204020203" pitchFamily="34" charset="0"/>
+                <a:cs typeface="Segoe UI" panose="020B0502040204020203" pitchFamily="34" charset="0"/>
+              </a:rPr>
+              <a:t> de validation + </a:t>
+            </a:r>
+            <a:r>
+              <a:rPr lang="fr-FR" dirty="0" err="1">
+                <a:solidFill>
+                  <a:schemeClr val="bg2">
+                    <a:lumMod val="50000"/>
+                  </a:schemeClr>
+                </a:solidFill>
+                <a:latin typeface="Segoe UI" panose="020B0502040204020203" pitchFamily="34" charset="0"/>
+                <a:cs typeface="Segoe UI" panose="020B0502040204020203" pitchFamily="34" charset="0"/>
+              </a:rPr>
+              <a:t>blow</a:t>
+            </a:r>
+            <a:r>
+              <a:rPr lang="fr-FR" dirty="0">
+                <a:solidFill>
+                  <a:schemeClr val="bg2">
+                    <a:lumMod val="50000"/>
+                  </a:schemeClr>
+                </a:solidFill>
+                <a:latin typeface="Segoe UI" panose="020B0502040204020203" pitchFamily="34" charset="0"/>
+                <a:cs typeface="Segoe UI" panose="020B0502040204020203" pitchFamily="34" charset="0"/>
+              </a:rPr>
+              <a:t> </a:t>
+            </a:r>
+            <a:r>
+              <a:rPr lang="fr-FR" dirty="0" err="1">
+                <a:solidFill>
+                  <a:schemeClr val="bg2">
+                    <a:lumMod val="50000"/>
+                  </a:schemeClr>
+                </a:solidFill>
+                <a:latin typeface="Segoe UI" panose="020B0502040204020203" pitchFamily="34" charset="0"/>
+                <a:cs typeface="Segoe UI" panose="020B0502040204020203" pitchFamily="34" charset="0"/>
+              </a:rPr>
+              <a:t>fish</a:t>
+            </a:r>
+            <a:endParaRPr lang="fr-FR" dirty="0">
+              <a:solidFill>
+                <a:schemeClr val="bg2">
+                  <a:lumMod val="50000"/>
+                </a:schemeClr>
+              </a:solidFill>
+              <a:latin typeface="Segoe UI" panose="020B0502040204020203" pitchFamily="34" charset="0"/>
+              <a:cs typeface="Segoe UI" panose="020B0502040204020203" pitchFamily="34" charset="0"/>
+            </a:endParaRPr>
+          </a:p>
+          <a:p>
+            <a:pPr marL="0" indent="0">
+              <a:buNone/>
+            </a:pPr>
+            <a:r>
+              <a:rPr lang="fr-FR" dirty="0" err="1">
+                <a:solidFill>
+                  <a:schemeClr val="bg2">
+                    <a:lumMod val="50000"/>
+                  </a:schemeClr>
+                </a:solidFill>
+                <a:latin typeface="Segoe UI" panose="020B0502040204020203" pitchFamily="34" charset="0"/>
+                <a:cs typeface="Segoe UI" panose="020B0502040204020203" pitchFamily="34" charset="0"/>
+              </a:rPr>
+              <a:t>Prepared</a:t>
+            </a:r>
+            <a:r>
+              <a:rPr lang="fr-FR" dirty="0">
+                <a:solidFill>
+                  <a:schemeClr val="bg2">
+                    <a:lumMod val="50000"/>
+                  </a:schemeClr>
+                </a:solidFill>
+                <a:latin typeface="Segoe UI" panose="020B0502040204020203" pitchFamily="34" charset="0"/>
+                <a:cs typeface="Segoe UI" panose="020B0502040204020203" pitchFamily="34" charset="0"/>
+              </a:rPr>
+              <a:t> </a:t>
+            </a:r>
+            <a:r>
+              <a:rPr lang="fr-FR" dirty="0" err="1">
+                <a:solidFill>
+                  <a:schemeClr val="bg2">
+                    <a:lumMod val="50000"/>
+                  </a:schemeClr>
+                </a:solidFill>
+                <a:latin typeface="Segoe UI" panose="020B0502040204020203" pitchFamily="34" charset="0"/>
+                <a:cs typeface="Segoe UI" panose="020B0502040204020203" pitchFamily="34" charset="0"/>
+              </a:rPr>
+              <a:t>statement</a:t>
+            </a:r>
+            <a:r>
+              <a:rPr lang="fr-FR" dirty="0">
+                <a:solidFill>
+                  <a:schemeClr val="bg2">
+                    <a:lumMod val="50000"/>
+                  </a:schemeClr>
+                </a:solidFill>
+                <a:latin typeface="Segoe UI" panose="020B0502040204020203" pitchFamily="34" charset="0"/>
+                <a:cs typeface="Segoe UI" panose="020B0502040204020203" pitchFamily="34" charset="0"/>
+              </a:rPr>
+              <a:t> (injections </a:t>
+            </a:r>
+            <a:r>
+              <a:rPr lang="fr-FR" dirty="0" err="1">
+                <a:solidFill>
+                  <a:schemeClr val="bg2">
+                    <a:lumMod val="50000"/>
+                  </a:schemeClr>
+                </a:solidFill>
+                <a:latin typeface="Segoe UI" panose="020B0502040204020203" pitchFamily="34" charset="0"/>
+                <a:cs typeface="Segoe UI" panose="020B0502040204020203" pitchFamily="34" charset="0"/>
+              </a:rPr>
+              <a:t>sql</a:t>
+            </a:r>
+            <a:r>
+              <a:rPr lang="fr-FR" dirty="0">
+                <a:solidFill>
+                  <a:schemeClr val="bg2">
+                    <a:lumMod val="50000"/>
+                  </a:schemeClr>
+                </a:solidFill>
+                <a:latin typeface="Segoe UI" panose="020B0502040204020203" pitchFamily="34" charset="0"/>
+                <a:cs typeface="Segoe UI" panose="020B0502040204020203" pitchFamily="34" charset="0"/>
+              </a:rPr>
+              <a:t>)</a:t>
+            </a:r>
+          </a:p>
+          <a:p>
+            <a:pPr marL="0" indent="0">
+              <a:buNone/>
+            </a:pPr>
+            <a:r>
+              <a:rPr lang="fr-FR" dirty="0">
+                <a:solidFill>
+                  <a:schemeClr val="bg2">
+                    <a:lumMod val="50000"/>
+                  </a:schemeClr>
+                </a:solidFill>
+                <a:latin typeface="Segoe UI" panose="020B0502040204020203" pitchFamily="34" charset="0"/>
+                <a:cs typeface="Segoe UI" panose="020B0502040204020203" pitchFamily="34" charset="0"/>
+              </a:rPr>
+              <a:t>Url pour non log bloquées</a:t>
+            </a:r>
+          </a:p>
+          <a:p>
+            <a:pPr marL="0" indent="0">
+              <a:buNone/>
+            </a:pPr>
+            <a:r>
+              <a:rPr lang="fr-FR" dirty="0" err="1">
+                <a:solidFill>
+                  <a:schemeClr val="bg2">
+                    <a:lumMod val="50000"/>
+                  </a:schemeClr>
+                </a:solidFill>
+                <a:latin typeface="Segoe UI" panose="020B0502040204020203" pitchFamily="34" charset="0"/>
+                <a:cs typeface="Segoe UI" panose="020B0502040204020203" pitchFamily="34" charset="0"/>
+              </a:rPr>
+              <a:t>Xss</a:t>
+            </a:r>
+            <a:r>
+              <a:rPr lang="fr-FR" dirty="0">
+                <a:solidFill>
+                  <a:schemeClr val="bg2">
+                    <a:lumMod val="50000"/>
+                  </a:schemeClr>
+                </a:solidFill>
+                <a:latin typeface="Segoe UI" panose="020B0502040204020203" pitchFamily="34" charset="0"/>
+                <a:cs typeface="Segoe UI" panose="020B0502040204020203" pitchFamily="34" charset="0"/>
+              </a:rPr>
+              <a:t>? Je sais </a:t>
+            </a:r>
+            <a:r>
+              <a:rPr lang="fr-FR" dirty="0" err="1">
+                <a:solidFill>
+                  <a:schemeClr val="bg2">
+                    <a:lumMod val="50000"/>
+                  </a:schemeClr>
+                </a:solidFill>
+                <a:latin typeface="Segoe UI" panose="020B0502040204020203" pitchFamily="34" charset="0"/>
+                <a:cs typeface="Segoe UI" panose="020B0502040204020203" pitchFamily="34" charset="0"/>
+              </a:rPr>
+              <a:t>aps</a:t>
+            </a:r>
+            <a:r>
+              <a:rPr lang="fr-FR" dirty="0">
+                <a:solidFill>
+                  <a:schemeClr val="bg2">
+                    <a:lumMod val="50000"/>
+                  </a:schemeClr>
+                </a:solidFill>
+                <a:latin typeface="Segoe UI" panose="020B0502040204020203" pitchFamily="34" charset="0"/>
+                <a:cs typeface="Segoe UI" panose="020B0502040204020203" pitchFamily="34" charset="0"/>
+              </a:rPr>
+              <a:t> si on </a:t>
+            </a:r>
+            <a:r>
+              <a:rPr lang="fr-FR" dirty="0" err="1">
+                <a:solidFill>
+                  <a:schemeClr val="bg2">
+                    <a:lumMod val="50000"/>
+                  </a:schemeClr>
+                </a:solidFill>
+                <a:latin typeface="Segoe UI" panose="020B0502040204020203" pitchFamily="34" charset="0"/>
+                <a:cs typeface="Segoe UI" panose="020B0502040204020203" pitchFamily="34" charset="0"/>
+              </a:rPr>
+              <a:t>ets</a:t>
+            </a:r>
+            <a:r>
+              <a:rPr lang="fr-FR" dirty="0">
+                <a:solidFill>
+                  <a:schemeClr val="bg2">
+                    <a:lumMod val="50000"/>
+                  </a:schemeClr>
+                </a:solidFill>
+                <a:latin typeface="Segoe UI" panose="020B0502040204020203" pitchFamily="34" charset="0"/>
+                <a:cs typeface="Segoe UI" panose="020B0502040204020203" pitchFamily="34" charset="0"/>
+              </a:rPr>
+              <a:t> protégés</a:t>
+            </a:r>
+          </a:p>
+          <a:p>
+            <a:pPr marL="0" indent="0">
+              <a:buNone/>
+            </a:pPr>
+            <a:r>
+              <a:rPr lang="fr-FR" dirty="0">
+                <a:solidFill>
+                  <a:schemeClr val="bg2">
+                    <a:lumMod val="50000"/>
+                  </a:schemeClr>
+                </a:solidFill>
+                <a:latin typeface="Segoe UI" panose="020B0502040204020203" pitchFamily="34" charset="0"/>
+                <a:cs typeface="Segoe UI" panose="020B0502040204020203" pitchFamily="34" charset="0"/>
+              </a:rPr>
+              <a:t>…..</a:t>
+            </a:r>
+          </a:p>
+        </p:txBody>
+      </p:sp>
+      <p:sp>
+        <p:nvSpPr>
+          <p:cNvPr id="9" name="Rectangle 8">
+            <a:extLst>
+              <a:ext uri="{FF2B5EF4-FFF2-40B4-BE49-F238E27FC236}">
+                <a16:creationId xmlns:a16="http://schemas.microsoft.com/office/drawing/2014/main" id="{EE7D3276-0BDB-461D-B207-F5EE677F8F14}"/>
+              </a:ext>
+            </a:extLst>
+          </p:cNvPr>
+          <p:cNvSpPr/>
+          <p:nvPr/>
+        </p:nvSpPr>
+        <p:spPr>
+          <a:xfrm>
+            <a:off x="9452064" y="6176963"/>
+            <a:ext cx="2739936" cy="523220"/>
+          </a:xfrm>
+          <a:prstGeom prst="rect">
+            <a:avLst/>
+          </a:prstGeom>
+        </p:spPr>
+        <p:txBody>
+          <a:bodyPr wrap="square">
+            <a:spAutoFit/>
+          </a:bodyPr>
+          <a:lstStyle/>
+          <a:p>
+            <a:r>
+              <a:rPr lang="fr-FR" sz="2800" dirty="0" err="1">
+                <a:solidFill>
+                  <a:srgbClr val="FE6354"/>
+                </a:solidFill>
+                <a:latin typeface="Fjalla One" panose="02000506040000020004" pitchFamily="2" charset="0"/>
+              </a:rPr>
+              <a:t>Find</a:t>
+            </a:r>
+            <a:r>
+              <a:rPr lang="fr-FR" sz="2800" dirty="0">
+                <a:solidFill>
+                  <a:srgbClr val="FE6354"/>
+                </a:solidFill>
+                <a:latin typeface="Fjalla One" panose="02000506040000020004" pitchFamily="2" charset="0"/>
+              </a:rPr>
+              <a:t> the right one</a:t>
+            </a:r>
+          </a:p>
+        </p:txBody>
+      </p:sp>
+      <p:sp>
+        <p:nvSpPr>
+          <p:cNvPr id="10" name="Rectangle 9">
+            <a:extLst>
+              <a:ext uri="{FF2B5EF4-FFF2-40B4-BE49-F238E27FC236}">
+                <a16:creationId xmlns:a16="http://schemas.microsoft.com/office/drawing/2014/main" id="{5719C5B8-FC55-413B-BD37-47960D3A6BE5}"/>
+              </a:ext>
+            </a:extLst>
+          </p:cNvPr>
+          <p:cNvSpPr/>
+          <p:nvPr/>
+        </p:nvSpPr>
+        <p:spPr>
+          <a:xfrm>
+            <a:off x="5957180" y="6438573"/>
+            <a:ext cx="303288" cy="369332"/>
+          </a:xfrm>
+          <a:prstGeom prst="rect">
+            <a:avLst/>
+          </a:prstGeom>
+        </p:spPr>
+        <p:txBody>
+          <a:bodyPr wrap="none">
+            <a:spAutoFit/>
+          </a:bodyPr>
+          <a:lstStyle/>
+          <a:p>
+            <a:r>
+              <a:rPr lang="fr-FR" dirty="0">
+                <a:solidFill>
+                  <a:srgbClr val="3C4DBA"/>
+                </a:solidFill>
+                <a:latin typeface="Fjalla One" panose="02000506040000020004" pitchFamily="2" charset="0"/>
+              </a:rPr>
+              <a:t>0</a:t>
+            </a:r>
+            <a:endParaRPr lang="fr-FR" dirty="0"/>
+          </a:p>
+        </p:txBody>
+      </p:sp>
+    </p:spTree>
+    <p:extLst>
+      <p:ext uri="{BB962C8B-B14F-4D97-AF65-F5344CB8AC3E}">
+        <p14:creationId xmlns:p14="http://schemas.microsoft.com/office/powerpoint/2010/main" val="3387592857"/>
+      </p:ext>
+    </p:extLst>
+  </p:cSld>
+  <p:clrMapOvr>
+    <a:masterClrMapping/>
+  </p:clrMapOvr>
+</p:sld>
+</file>
+
+<file path=ppt/slides/slide25.xml><?xml version="1.0" encoding="utf-8"?>
+<p:sld xmlns:a="http://schemas.openxmlformats.org/drawingml/2006/main" xmlns:r="http://schemas.openxmlformats.org/officeDocument/2006/relationships" xmlns:p="http://schemas.openxmlformats.org/presentationml/2006/main">
+  <p:cSld>
+    <p:spTree>
+      <p:nvGrpSpPr>
+        <p:cNvPr id="1" name=""/>
+        <p:cNvGrpSpPr/>
+        <p:nvPr/>
+      </p:nvGrpSpPr>
+      <p:grpSpPr>
+        <a:xfrm>
+          <a:off x="0" y="0"/>
+          <a:ext cx="0" cy="0"/>
+          <a:chOff x="0" y="0"/>
+          <a:chExt cx="0" cy="0"/>
+        </a:xfrm>
+      </p:grpSpPr>
+      <p:sp>
+        <p:nvSpPr>
+          <p:cNvPr id="12" name="Titre 1">
+            <a:extLst>
+              <a:ext uri="{FF2B5EF4-FFF2-40B4-BE49-F238E27FC236}">
+                <a16:creationId xmlns:a16="http://schemas.microsoft.com/office/drawing/2014/main" id="{8CB05E21-0B36-4229-BC17-A64766192AC5}"/>
+              </a:ext>
+            </a:extLst>
+          </p:cNvPr>
+          <p:cNvSpPr txBox="1">
+            <a:spLocks/>
+          </p:cNvSpPr>
+          <p:nvPr/>
+        </p:nvSpPr>
+        <p:spPr>
+          <a:xfrm>
+            <a:off x="371437" y="500062"/>
+            <a:ext cx="10515600" cy="1325563"/>
+          </a:xfrm>
+          <a:prstGeom prst="rect">
+            <a:avLst/>
+          </a:prstGeom>
+        </p:spPr>
+        <p:txBody>
+          <a:bodyPr/>
+          <a:lstStyle>
+            <a:lvl1pPr algn="l" defTabSz="914400" rtl="0" eaLnBrk="1" latinLnBrk="0" hangingPunct="1">
+              <a:lnSpc>
+                <a:spcPct val="90000"/>
+              </a:lnSpc>
+              <a:spcBef>
+                <a:spcPct val="0"/>
+              </a:spcBef>
+              <a:buNone/>
+              <a:defRPr sz="4400" kern="1200">
+                <a:solidFill>
+                  <a:schemeClr val="tx1"/>
+                </a:solidFill>
+                <a:latin typeface="+mj-lt"/>
+                <a:ea typeface="+mj-ea"/>
+                <a:cs typeface="+mj-cs"/>
+              </a:defRPr>
+            </a:lvl1pPr>
+          </a:lstStyle>
+          <a:p>
+            <a:r>
+              <a:rPr lang="fr-FR" dirty="0">
+                <a:solidFill>
+                  <a:srgbClr val="3C4DBA"/>
+                </a:solidFill>
+                <a:latin typeface="Fjalla One" panose="02000506040000020004" pitchFamily="2" charset="0"/>
+              </a:rPr>
+              <a:t>A venir …</a:t>
+            </a:r>
+          </a:p>
+        </p:txBody>
+      </p:sp>
+      <p:sp>
+        <p:nvSpPr>
+          <p:cNvPr id="14" name="Espace réservé du contenu 2">
+            <a:extLst>
+              <a:ext uri="{FF2B5EF4-FFF2-40B4-BE49-F238E27FC236}">
+                <a16:creationId xmlns:a16="http://schemas.microsoft.com/office/drawing/2014/main" id="{BA8DA574-5F90-4169-840F-348B222F0D88}"/>
+              </a:ext>
+            </a:extLst>
+          </p:cNvPr>
+          <p:cNvSpPr txBox="1">
+            <a:spLocks/>
+          </p:cNvSpPr>
+          <p:nvPr/>
+        </p:nvSpPr>
+        <p:spPr>
+          <a:xfrm>
+            <a:off x="2129589" y="2087235"/>
+            <a:ext cx="10515600" cy="4351338"/>
+          </a:xfrm>
+          <a:prstGeom prst="rect">
+            <a:avLst/>
+          </a:prstGeom>
+        </p:spPr>
+        <p:txBody>
+          <a:bodyPr/>
+          <a:lstStyle>
+            <a:lvl1pPr marL="228600" indent="-228600" algn="l" defTabSz="914400" rtl="0" eaLnBrk="1" latinLnBrk="0" hangingPunct="1">
+              <a:lnSpc>
+                <a:spcPct val="90000"/>
+              </a:lnSpc>
+              <a:spcBef>
+                <a:spcPts val="1000"/>
+              </a:spcBef>
+              <a:buFont typeface="Arial" panose="020B0604020202020204" pitchFamily="34" charset="0"/>
+              <a:buChar char="•"/>
+              <a:defRPr sz="2800" kern="1200">
+                <a:solidFill>
+                  <a:schemeClr val="tx1"/>
+                </a:solidFill>
+                <a:latin typeface="+mn-lt"/>
+                <a:ea typeface="+mn-ea"/>
+                <a:cs typeface="+mn-cs"/>
+              </a:defRPr>
+            </a:lvl1pPr>
+            <a:lvl2pPr marL="685800" indent="-228600" algn="l" defTabSz="914400" rtl="0" eaLnBrk="1" latinLnBrk="0" hangingPunct="1">
+              <a:lnSpc>
+                <a:spcPct val="90000"/>
+              </a:lnSpc>
+              <a:spcBef>
+                <a:spcPts val="500"/>
+              </a:spcBef>
+              <a:buFont typeface="Arial" panose="020B0604020202020204" pitchFamily="34" charset="0"/>
+              <a:buChar char="•"/>
+              <a:defRPr sz="2400" kern="1200">
+                <a:solidFill>
+                  <a:schemeClr val="tx1"/>
+                </a:solidFill>
+                <a:latin typeface="+mn-lt"/>
+                <a:ea typeface="+mn-ea"/>
+                <a:cs typeface="+mn-cs"/>
+              </a:defRPr>
+            </a:lvl2pPr>
+            <a:lvl3pPr marL="1143000" indent="-228600" algn="l" defTabSz="914400" rtl="0" eaLnBrk="1" latinLnBrk="0" hangingPunct="1">
+              <a:lnSpc>
+                <a:spcPct val="90000"/>
+              </a:lnSpc>
+              <a:spcBef>
+                <a:spcPts val="500"/>
+              </a:spcBef>
+              <a:buFont typeface="Arial" panose="020B0604020202020204" pitchFamily="34" charset="0"/>
+              <a:buChar char="•"/>
+              <a:defRPr sz="2000" kern="1200">
+                <a:solidFill>
+                  <a:schemeClr val="tx1"/>
+                </a:solidFill>
+                <a:latin typeface="+mn-lt"/>
+                <a:ea typeface="+mn-ea"/>
+                <a:cs typeface="+mn-cs"/>
+              </a:defRPr>
+            </a:lvl3pPr>
+            <a:lvl4pPr marL="1600200" indent="-228600" algn="l" defTabSz="914400" rtl="0" eaLnBrk="1" latinLnBrk="0" hangingPunct="1">
+              <a:lnSpc>
+                <a:spcPct val="90000"/>
+              </a:lnSpc>
+              <a:spcBef>
+                <a:spcPts val="500"/>
+              </a:spcBef>
+              <a:buFont typeface="Arial" panose="020B0604020202020204" pitchFamily="34" charset="0"/>
+              <a:buChar char="•"/>
+              <a:defRPr sz="1800" kern="1200">
+                <a:solidFill>
+                  <a:schemeClr val="tx1"/>
+                </a:solidFill>
+                <a:latin typeface="+mn-lt"/>
+                <a:ea typeface="+mn-ea"/>
+                <a:cs typeface="+mn-cs"/>
+              </a:defRPr>
+            </a:lvl4pPr>
+            <a:lvl5pPr marL="2057400" indent="-228600" algn="l" defTabSz="914400" rtl="0" eaLnBrk="1" latinLnBrk="0" hangingPunct="1">
+              <a:lnSpc>
+                <a:spcPct val="90000"/>
+              </a:lnSpc>
+              <a:spcBef>
+                <a:spcPts val="500"/>
+              </a:spcBef>
+              <a:buFont typeface="Arial" panose="020B0604020202020204" pitchFamily="34" charset="0"/>
+              <a:buChar char="•"/>
+              <a:defRPr sz="1800" kern="1200">
+                <a:solidFill>
+                  <a:schemeClr val="tx1"/>
+                </a:solidFill>
+                <a:latin typeface="+mn-lt"/>
+                <a:ea typeface="+mn-ea"/>
+                <a:cs typeface="+mn-cs"/>
+              </a:defRPr>
+            </a:lvl5pPr>
+            <a:lvl6pPr marL="2514600" indent="-228600" algn="l" defTabSz="914400" rtl="0" eaLnBrk="1" latinLnBrk="0" hangingPunct="1">
+              <a:lnSpc>
+                <a:spcPct val="90000"/>
+              </a:lnSpc>
+              <a:spcBef>
+                <a:spcPts val="500"/>
+              </a:spcBef>
+              <a:buFont typeface="Arial" panose="020B0604020202020204" pitchFamily="34" charset="0"/>
+              <a:buChar char="•"/>
+              <a:defRPr sz="1800" kern="1200">
+                <a:solidFill>
+                  <a:schemeClr val="tx1"/>
+                </a:solidFill>
+                <a:latin typeface="+mn-lt"/>
+                <a:ea typeface="+mn-ea"/>
+                <a:cs typeface="+mn-cs"/>
+              </a:defRPr>
+            </a:lvl6pPr>
+            <a:lvl7pPr marL="2971800" indent="-228600" algn="l" defTabSz="914400" rtl="0" eaLnBrk="1" latinLnBrk="0" hangingPunct="1">
+              <a:lnSpc>
+                <a:spcPct val="90000"/>
+              </a:lnSpc>
+              <a:spcBef>
+                <a:spcPts val="500"/>
+              </a:spcBef>
+              <a:buFont typeface="Arial" panose="020B0604020202020204" pitchFamily="34" charset="0"/>
+              <a:buChar char="•"/>
+              <a:defRPr sz="1800" kern="1200">
+                <a:solidFill>
+                  <a:schemeClr val="tx1"/>
+                </a:solidFill>
+                <a:latin typeface="+mn-lt"/>
+                <a:ea typeface="+mn-ea"/>
+                <a:cs typeface="+mn-cs"/>
+              </a:defRPr>
+            </a:lvl7pPr>
+            <a:lvl8pPr marL="3429000" indent="-228600" algn="l" defTabSz="914400" rtl="0" eaLnBrk="1" latinLnBrk="0" hangingPunct="1">
+              <a:lnSpc>
+                <a:spcPct val="90000"/>
+              </a:lnSpc>
+              <a:spcBef>
+                <a:spcPts val="500"/>
+              </a:spcBef>
+              <a:buFont typeface="Arial" panose="020B0604020202020204" pitchFamily="34" charset="0"/>
+              <a:buChar char="•"/>
+              <a:defRPr sz="1800" kern="1200">
+                <a:solidFill>
+                  <a:schemeClr val="tx1"/>
+                </a:solidFill>
+                <a:latin typeface="+mn-lt"/>
+                <a:ea typeface="+mn-ea"/>
+                <a:cs typeface="+mn-cs"/>
+              </a:defRPr>
+            </a:lvl8pPr>
+            <a:lvl9pPr marL="3886200" indent="-228600" algn="l" defTabSz="914400" rtl="0" eaLnBrk="1" latinLnBrk="0" hangingPunct="1">
+              <a:lnSpc>
+                <a:spcPct val="90000"/>
+              </a:lnSpc>
+              <a:spcBef>
+                <a:spcPts val="500"/>
+              </a:spcBef>
+              <a:buFont typeface="Arial" panose="020B0604020202020204" pitchFamily="34" charset="0"/>
+              <a:buChar char="•"/>
+              <a:defRPr sz="1800" kern="1200">
+                <a:solidFill>
+                  <a:schemeClr val="tx1"/>
+                </a:solidFill>
+                <a:latin typeface="+mn-lt"/>
+                <a:ea typeface="+mn-ea"/>
+                <a:cs typeface="+mn-cs"/>
+              </a:defRPr>
+            </a:lvl9pPr>
+          </a:lstStyle>
+          <a:p>
+            <a:pPr marL="0" indent="0">
+              <a:buNone/>
+            </a:pPr>
+            <a:r>
+              <a:rPr lang="fr-FR" dirty="0">
+                <a:solidFill>
+                  <a:schemeClr val="bg2">
+                    <a:lumMod val="50000"/>
+                  </a:schemeClr>
+                </a:solidFill>
+                <a:latin typeface="Segoe UI" panose="020B0502040204020203" pitchFamily="34" charset="0"/>
+                <a:cs typeface="Segoe UI" panose="020B0502040204020203" pitchFamily="34" charset="0"/>
+              </a:rPr>
+              <a:t>Messagerie</a:t>
+            </a:r>
+          </a:p>
+          <a:p>
+            <a:pPr marL="0" indent="0">
+              <a:buNone/>
+            </a:pPr>
+            <a:r>
+              <a:rPr lang="fr-FR" dirty="0">
+                <a:solidFill>
+                  <a:schemeClr val="bg2">
+                    <a:lumMod val="50000"/>
+                  </a:schemeClr>
+                </a:solidFill>
+                <a:latin typeface="Segoe UI" panose="020B0502040204020203" pitchFamily="34" charset="0"/>
+                <a:cs typeface="Segoe UI" panose="020B0502040204020203" pitchFamily="34" charset="0"/>
+              </a:rPr>
+              <a:t>Appli mobile IOS/Android</a:t>
+            </a:r>
+          </a:p>
+          <a:p>
+            <a:pPr marL="0" indent="0">
+              <a:buNone/>
+            </a:pPr>
+            <a:r>
+              <a:rPr lang="fr-FR" dirty="0">
+                <a:solidFill>
+                  <a:schemeClr val="bg2">
+                    <a:lumMod val="50000"/>
+                  </a:schemeClr>
+                </a:solidFill>
+                <a:latin typeface="Segoe UI" panose="020B0502040204020203" pitchFamily="34" charset="0"/>
+                <a:cs typeface="Segoe UI" panose="020B0502040204020203" pitchFamily="34" charset="0"/>
+              </a:rPr>
+              <a:t>Test de personnalité plus poussé</a:t>
+            </a:r>
+          </a:p>
+          <a:p>
+            <a:pPr marL="0" indent="0">
+              <a:buNone/>
+            </a:pPr>
+            <a:endParaRPr lang="fr-FR" dirty="0">
+              <a:solidFill>
+                <a:schemeClr val="bg2">
+                  <a:lumMod val="50000"/>
+                </a:schemeClr>
+              </a:solidFill>
+              <a:latin typeface="Segoe UI" panose="020B0502040204020203" pitchFamily="34" charset="0"/>
+              <a:cs typeface="Segoe UI" panose="020B0502040204020203" pitchFamily="34" charset="0"/>
+            </a:endParaRPr>
+          </a:p>
+          <a:p>
+            <a:pPr marL="0" indent="0">
+              <a:buNone/>
+            </a:pPr>
+            <a:r>
+              <a:rPr lang="fr-FR" dirty="0">
+                <a:solidFill>
+                  <a:schemeClr val="bg2">
+                    <a:lumMod val="50000"/>
+                  </a:schemeClr>
+                </a:solidFill>
+                <a:latin typeface="Segoe UI" panose="020B0502040204020203" pitchFamily="34" charset="0"/>
+                <a:cs typeface="Segoe UI" panose="020B0502040204020203" pitchFamily="34" charset="0"/>
+              </a:rPr>
+              <a:t>….</a:t>
+            </a:r>
+          </a:p>
+          <a:p>
+            <a:pPr marL="0" indent="0">
+              <a:buNone/>
+            </a:pPr>
+            <a:endParaRPr lang="fr-FR" dirty="0">
+              <a:solidFill>
+                <a:schemeClr val="bg2">
+                  <a:lumMod val="50000"/>
+                </a:schemeClr>
+              </a:solidFill>
+              <a:latin typeface="Segoe UI" panose="020B0502040204020203" pitchFamily="34" charset="0"/>
+              <a:cs typeface="Segoe UI" panose="020B0502040204020203" pitchFamily="34" charset="0"/>
+            </a:endParaRPr>
+          </a:p>
+        </p:txBody>
+      </p:sp>
+      <p:sp>
+        <p:nvSpPr>
+          <p:cNvPr id="9" name="Rectangle 8">
+            <a:extLst>
+              <a:ext uri="{FF2B5EF4-FFF2-40B4-BE49-F238E27FC236}">
+                <a16:creationId xmlns:a16="http://schemas.microsoft.com/office/drawing/2014/main" id="{EE7D3276-0BDB-461D-B207-F5EE677F8F14}"/>
+              </a:ext>
+            </a:extLst>
+          </p:cNvPr>
+          <p:cNvSpPr/>
+          <p:nvPr/>
+        </p:nvSpPr>
+        <p:spPr>
+          <a:xfrm>
+            <a:off x="9452064" y="6176963"/>
+            <a:ext cx="2739936" cy="523220"/>
+          </a:xfrm>
+          <a:prstGeom prst="rect">
+            <a:avLst/>
+          </a:prstGeom>
+        </p:spPr>
+        <p:txBody>
+          <a:bodyPr wrap="square">
+            <a:spAutoFit/>
+          </a:bodyPr>
+          <a:lstStyle/>
+          <a:p>
+            <a:r>
+              <a:rPr lang="fr-FR" sz="2800" dirty="0" err="1">
+                <a:solidFill>
+                  <a:srgbClr val="FE6354"/>
+                </a:solidFill>
+                <a:latin typeface="Fjalla One" panose="02000506040000020004" pitchFamily="2" charset="0"/>
+              </a:rPr>
+              <a:t>Find</a:t>
+            </a:r>
+            <a:r>
+              <a:rPr lang="fr-FR" sz="2800" dirty="0">
+                <a:solidFill>
+                  <a:srgbClr val="FE6354"/>
+                </a:solidFill>
+                <a:latin typeface="Fjalla One" panose="02000506040000020004" pitchFamily="2" charset="0"/>
+              </a:rPr>
+              <a:t> the right one</a:t>
+            </a:r>
+          </a:p>
+        </p:txBody>
+      </p:sp>
+      <p:sp>
+        <p:nvSpPr>
+          <p:cNvPr id="10" name="Rectangle 9">
+            <a:extLst>
+              <a:ext uri="{FF2B5EF4-FFF2-40B4-BE49-F238E27FC236}">
+                <a16:creationId xmlns:a16="http://schemas.microsoft.com/office/drawing/2014/main" id="{5719C5B8-FC55-413B-BD37-47960D3A6BE5}"/>
+              </a:ext>
+            </a:extLst>
+          </p:cNvPr>
+          <p:cNvSpPr/>
+          <p:nvPr/>
+        </p:nvSpPr>
+        <p:spPr>
+          <a:xfrm>
+            <a:off x="5957180" y="6438573"/>
+            <a:ext cx="303288" cy="369332"/>
+          </a:xfrm>
+          <a:prstGeom prst="rect">
+            <a:avLst/>
+          </a:prstGeom>
+        </p:spPr>
+        <p:txBody>
+          <a:bodyPr wrap="none">
+            <a:spAutoFit/>
+          </a:bodyPr>
+          <a:lstStyle/>
+          <a:p>
+            <a:r>
+              <a:rPr lang="fr-FR" dirty="0">
+                <a:solidFill>
+                  <a:srgbClr val="3C4DBA"/>
+                </a:solidFill>
+                <a:latin typeface="Fjalla One" panose="02000506040000020004" pitchFamily="2" charset="0"/>
+              </a:rPr>
+              <a:t>0</a:t>
+            </a:r>
+            <a:endParaRPr lang="fr-FR" dirty="0"/>
+          </a:p>
+        </p:txBody>
+      </p:sp>
+    </p:spTree>
+    <p:extLst>
+      <p:ext uri="{BB962C8B-B14F-4D97-AF65-F5344CB8AC3E}">
+        <p14:creationId xmlns:p14="http://schemas.microsoft.com/office/powerpoint/2010/main" val="1455680932"/>
+      </p:ext>
+    </p:extLst>
+  </p:cSld>
+  <p:clrMapOvr>
+    <a:masterClrMapping/>
+  </p:clrMapOvr>
+</p:sld>
+</file>
+
+<file path=ppt/slides/slide26.xml><?xml version="1.0" encoding="utf-8"?>
+<p:sld xmlns:a="http://schemas.openxmlformats.org/drawingml/2006/main" xmlns:r="http://schemas.openxmlformats.org/officeDocument/2006/relationships" xmlns:p="http://schemas.openxmlformats.org/presentationml/2006/main">
+  <p:cSld>
+    <p:spTree>
+      <p:nvGrpSpPr>
+        <p:cNvPr id="1" name=""/>
+        <p:cNvGrpSpPr/>
+        <p:nvPr/>
+      </p:nvGrpSpPr>
+      <p:grpSpPr>
+        <a:xfrm>
+          <a:off x="0" y="0"/>
+          <a:ext cx="0" cy="0"/>
+          <a:chOff x="0" y="0"/>
+          <a:chExt cx="0" cy="0"/>
+        </a:xfrm>
+      </p:grpSpPr>
+      <p:sp>
+        <p:nvSpPr>
           <p:cNvPr id="2" name="Rectangle 1">
             <a:extLst>
               <a:ext uri="{FF2B5EF4-FFF2-40B4-BE49-F238E27FC236}">
@@ -11010,7 +12202,7 @@
         </p:nvSpPr>
         <p:spPr>
           <a:xfrm>
-            <a:off x="1050746" y="518982"/>
+            <a:off x="1004566" y="518982"/>
             <a:ext cx="611065" cy="1107996"/>
           </a:xfrm>
           <a:prstGeom prst="rect">
@@ -11049,8 +12241,8 @@
         </p:nvSpPr>
         <p:spPr>
           <a:xfrm>
-            <a:off x="929217" y="2486926"/>
-            <a:ext cx="3799630" cy="4305409"/>
+            <a:off x="735253" y="1871253"/>
+            <a:ext cx="3799630" cy="4920963"/>
           </a:xfrm>
           <a:prstGeom prst="rect">
             <a:avLst/>
@@ -11185,6 +12377,51 @@
                 <a:cs typeface="Segoe UI" panose="020B0502040204020203" pitchFamily="34" charset="0"/>
               </a:rPr>
               <a:t>Match</a:t>
+            </a:r>
+          </a:p>
+          <a:p>
+            <a:pPr marL="457200" indent="-457200">
+              <a:lnSpc>
+                <a:spcPct val="200000"/>
+              </a:lnSpc>
+              <a:buFont typeface="+mj-lt"/>
+              <a:buAutoNum type="arabicPeriod"/>
+            </a:pPr>
+            <a:r>
+              <a:rPr lang="fr-FR" sz="2000" dirty="0">
+                <a:solidFill>
+                  <a:schemeClr val="bg2">
+                    <a:lumMod val="50000"/>
+                  </a:schemeClr>
+                </a:solidFill>
+                <a:latin typeface="Segoe UI" panose="020B0502040204020203" pitchFamily="34" charset="0"/>
+                <a:cs typeface="Segoe UI" panose="020B0502040204020203" pitchFamily="34" charset="0"/>
+              </a:rPr>
+              <a:t>Algo de </a:t>
+            </a:r>
+            <a:r>
+              <a:rPr lang="fr-FR" sz="2000" dirty="0" err="1">
+                <a:solidFill>
+                  <a:schemeClr val="bg2">
+                    <a:lumMod val="50000"/>
+                  </a:schemeClr>
+                </a:solidFill>
+                <a:latin typeface="Segoe UI" panose="020B0502040204020203" pitchFamily="34" charset="0"/>
+                <a:cs typeface="Segoe UI" panose="020B0502040204020203" pitchFamily="34" charset="0"/>
+              </a:rPr>
+              <a:t>matching</a:t>
+            </a:r>
+            <a:r>
+              <a:rPr lang="fr-FR" sz="2000" dirty="0">
+                <a:solidFill>
+                  <a:schemeClr val="bg2">
+                    <a:lumMod val="50000"/>
+                  </a:schemeClr>
+                </a:solidFill>
+                <a:latin typeface="Segoe UI" panose="020B0502040204020203" pitchFamily="34" charset="0"/>
+                <a:cs typeface="Segoe UI" panose="020B0502040204020203" pitchFamily="34" charset="0"/>
+              </a:rPr>
+              <a:t> </a:t>
             </a:r>
           </a:p>
           <a:p>
@@ -11259,7 +12496,7 @@
 </p:sld>
 </file>
 
-<file path=ppt/slides/slide25.xml><?xml version="1.0" encoding="utf-8"?>
+<file path=ppt/slides/slide27.xml><?xml version="1.0" encoding="utf-8"?>
 <p:sld xmlns:a="http://schemas.openxmlformats.org/drawingml/2006/main" xmlns:r="http://schemas.openxmlformats.org/officeDocument/2006/relationships" xmlns:p="http://schemas.openxmlformats.org/presentationml/2006/main">
   <p:cSld>
     <p:spTree>

--- a/presentation/fr81.pptx
+++ b/presentation/fr81.pptx
@@ -289,7 +289,7 @@
           <a:p>
             <a:fld id="{052555F7-EA8D-47E4-8D51-4A3BF7D4E9AA}" type="datetimeFigureOut">
               <a:rPr lang="fr-FR" smtClean="0"/>
-              <a:t>28/03/2018</a:t>
+              <a:t>29/03/2018</a:t>
             </a:fld>
             <a:endParaRPr lang="fr-FR"/>
           </a:p>
@@ -487,7 +487,7 @@
           <a:p>
             <a:fld id="{052555F7-EA8D-47E4-8D51-4A3BF7D4E9AA}" type="datetimeFigureOut">
               <a:rPr lang="fr-FR" smtClean="0"/>
-              <a:t>28/03/2018</a:t>
+              <a:t>29/03/2018</a:t>
             </a:fld>
             <a:endParaRPr lang="fr-FR"/>
           </a:p>
@@ -695,7 +695,7 @@
           <a:p>
             <a:fld id="{052555F7-EA8D-47E4-8D51-4A3BF7D4E9AA}" type="datetimeFigureOut">
               <a:rPr lang="fr-FR" smtClean="0"/>
-              <a:t>28/03/2018</a:t>
+              <a:t>29/03/2018</a:t>
             </a:fld>
             <a:endParaRPr lang="fr-FR"/>
           </a:p>
@@ -989,7 +989,7 @@
           <a:p>
             <a:fld id="{052555F7-EA8D-47E4-8D51-4A3BF7D4E9AA}" type="datetimeFigureOut">
               <a:rPr lang="fr-FR" smtClean="0"/>
-              <a:t>28/03/2018</a:t>
+              <a:t>29/03/2018</a:t>
             </a:fld>
             <a:endParaRPr lang="fr-FR"/>
           </a:p>
@@ -1264,7 +1264,7 @@
           <a:p>
             <a:fld id="{052555F7-EA8D-47E4-8D51-4A3BF7D4E9AA}" type="datetimeFigureOut">
               <a:rPr lang="fr-FR" smtClean="0"/>
-              <a:t>28/03/2018</a:t>
+              <a:t>29/03/2018</a:t>
             </a:fld>
             <a:endParaRPr lang="fr-FR"/>
           </a:p>
@@ -1529,7 +1529,7 @@
           <a:p>
             <a:fld id="{052555F7-EA8D-47E4-8D51-4A3BF7D4E9AA}" type="datetimeFigureOut">
               <a:rPr lang="fr-FR" smtClean="0"/>
-              <a:t>28/03/2018</a:t>
+              <a:t>29/03/2018</a:t>
             </a:fld>
             <a:endParaRPr lang="fr-FR"/>
           </a:p>
@@ -1941,7 +1941,7 @@
           <a:p>
             <a:fld id="{052555F7-EA8D-47E4-8D51-4A3BF7D4E9AA}" type="datetimeFigureOut">
               <a:rPr lang="fr-FR" smtClean="0"/>
-              <a:t>28/03/2018</a:t>
+              <a:t>29/03/2018</a:t>
             </a:fld>
             <a:endParaRPr lang="fr-FR"/>
           </a:p>
@@ -2082,7 +2082,7 @@
           <a:p>
             <a:fld id="{052555F7-EA8D-47E4-8D51-4A3BF7D4E9AA}" type="datetimeFigureOut">
               <a:rPr lang="fr-FR" smtClean="0"/>
-              <a:t>28/03/2018</a:t>
+              <a:t>29/03/2018</a:t>
             </a:fld>
             <a:endParaRPr lang="fr-FR"/>
           </a:p>
@@ -2195,7 +2195,7 @@
           <a:p>
             <a:fld id="{052555F7-EA8D-47E4-8D51-4A3BF7D4E9AA}" type="datetimeFigureOut">
               <a:rPr lang="fr-FR" smtClean="0"/>
-              <a:t>28/03/2018</a:t>
+              <a:t>29/03/2018</a:t>
             </a:fld>
             <a:endParaRPr lang="fr-FR"/>
           </a:p>
@@ -2506,7 +2506,7 @@
           <a:p>
             <a:fld id="{052555F7-EA8D-47E4-8D51-4A3BF7D4E9AA}" type="datetimeFigureOut">
               <a:rPr lang="fr-FR" smtClean="0"/>
-              <a:t>28/03/2018</a:t>
+              <a:t>29/03/2018</a:t>
             </a:fld>
             <a:endParaRPr lang="fr-FR"/>
           </a:p>
@@ -2794,7 +2794,7 @@
           <a:p>
             <a:fld id="{052555F7-EA8D-47E4-8D51-4A3BF7D4E9AA}" type="datetimeFigureOut">
               <a:rPr lang="fr-FR" smtClean="0"/>
-              <a:t>28/03/2018</a:t>
+              <a:t>29/03/2018</a:t>
             </a:fld>
             <a:endParaRPr lang="fr-FR"/>
           </a:p>
@@ -3038,7 +3038,7 @@
           <a:p>
             <a:fld id="{052555F7-EA8D-47E4-8D51-4A3BF7D4E9AA}" type="datetimeFigureOut">
               <a:rPr lang="fr-FR" smtClean="0"/>
-              <a:t>28/03/2018</a:t>
+              <a:t>29/03/2018</a:t>
             </a:fld>
             <a:endParaRPr lang="fr-FR"/>
           </a:p>
@@ -4791,7 +4791,7 @@
           <p:nvPr/>
         </p:nvPicPr>
         <p:blipFill>
-          <a:blip r:embed="rId2">
+          <a:blip r:embed="rId2" cstate="hqprint">
             <a:extLst>
               <a:ext uri="{28A0092B-C50C-407E-A947-70E740481C1C}">
                 <a14:useLocalDpi xmlns:a14="http://schemas.microsoft.com/office/drawing/2010/main" val="0"/>
@@ -4915,7 +4915,7 @@
           <p:nvPr/>
         </p:nvPicPr>
         <p:blipFill>
-          <a:blip r:embed="rId3">
+          <a:blip r:embed="rId3" cstate="hqprint">
             <a:extLst>
               <a:ext uri="{28A0092B-C50C-407E-A947-70E740481C1C}">
                 <a14:useLocalDpi xmlns:a14="http://schemas.microsoft.com/office/drawing/2010/main" val="0"/>
@@ -6048,7 +6048,7 @@
         <p:spPr>
           <a:xfrm>
             <a:off x="2733848" y="4104310"/>
-            <a:ext cx="2912974" cy="456151"/>
+            <a:ext cx="2912974" cy="1384995"/>
           </a:xfrm>
           <a:prstGeom prst="rect">
             <a:avLst/>
@@ -6060,13 +6060,8 @@
           </a:bodyPr>
           <a:lstStyle/>
           <a:p>
-            <a:pPr>
-              <a:lnSpc>
-                <a:spcPct val="200000"/>
-              </a:lnSpc>
-            </a:pPr>
-            <a:r>
-              <a:rPr lang="fr-FR" sz="1400" dirty="0">
+            <a:r>
+              <a:rPr lang="fr-FR" sz="1400" dirty="0" smtClean="0">
                 <a:solidFill>
                   <a:schemeClr val="bg2">
                     <a:lumMod val="50000"/>
@@ -6075,8 +6070,69 @@
                 <a:latin typeface="Segoe UI" panose="020B0502040204020203" pitchFamily="34" charset="0"/>
                 <a:cs typeface="Segoe UI" panose="020B0502040204020203" pitchFamily="34" charset="0"/>
               </a:rPr>
-              <a:t>blablabla</a:t>
-            </a:r>
+              <a:t>-Possibilité de développer une application mobile</a:t>
+            </a:r>
+          </a:p>
+          <a:p>
+            <a:r>
+              <a:rPr lang="fr-FR" sz="1400" dirty="0" smtClean="0">
+                <a:solidFill>
+                  <a:schemeClr val="bg2">
+                    <a:lumMod val="50000"/>
+                  </a:schemeClr>
+                </a:solidFill>
+                <a:latin typeface="Segoe UI" panose="020B0502040204020203" pitchFamily="34" charset="0"/>
+                <a:cs typeface="Segoe UI" panose="020B0502040204020203" pitchFamily="34" charset="0"/>
+              </a:rPr>
+              <a:t>-Vente de l’application à l’internationale</a:t>
+            </a:r>
+          </a:p>
+          <a:p>
+            <a:r>
+              <a:rPr lang="fr-FR" sz="1400" dirty="0" smtClean="0">
+                <a:solidFill>
+                  <a:schemeClr val="bg2">
+                    <a:lumMod val="50000"/>
+                  </a:schemeClr>
+                </a:solidFill>
+                <a:latin typeface="Segoe UI" panose="020B0502040204020203" pitchFamily="34" charset="0"/>
+                <a:cs typeface="Segoe UI" panose="020B0502040204020203" pitchFamily="34" charset="0"/>
+              </a:rPr>
+              <a:t>-Adaptable à d’autres situation de </a:t>
+            </a:r>
+            <a:r>
+              <a:rPr lang="fr-FR" sz="1400" dirty="0" err="1" smtClean="0">
+                <a:solidFill>
+                  <a:schemeClr val="bg2">
+                    <a:lumMod val="50000"/>
+                  </a:schemeClr>
+                </a:solidFill>
+                <a:latin typeface="Segoe UI" panose="020B0502040204020203" pitchFamily="34" charset="0"/>
+                <a:cs typeface="Segoe UI" panose="020B0502040204020203" pitchFamily="34" charset="0"/>
+              </a:rPr>
+              <a:t>matching</a:t>
+            </a:r>
+            <a:r>
+              <a:rPr lang="fr-FR" sz="1400" dirty="0" smtClean="0">
+                <a:solidFill>
+                  <a:schemeClr val="bg2">
+                    <a:lumMod val="50000"/>
+                  </a:schemeClr>
+                </a:solidFill>
+                <a:latin typeface="Segoe UI" panose="020B0502040204020203" pitchFamily="34" charset="0"/>
+                <a:cs typeface="Segoe UI" panose="020B0502040204020203" pitchFamily="34" charset="0"/>
+              </a:rPr>
+              <a:t> (travail, etc…)</a:t>
+            </a:r>
+            <a:endParaRPr lang="fr-FR" sz="1400" dirty="0">
+              <a:solidFill>
+                <a:schemeClr val="bg2">
+                  <a:lumMod val="50000"/>
+                </a:schemeClr>
+              </a:solidFill>
+              <a:latin typeface="Segoe UI" panose="020B0502040204020203" pitchFamily="34" charset="0"/>
+              <a:cs typeface="Segoe UI" panose="020B0502040204020203" pitchFamily="34" charset="0"/>
+            </a:endParaRPr>
           </a:p>
         </p:txBody>
       </p:sp>
@@ -6094,8 +6150,8 @@
         </p:nvSpPr>
         <p:spPr>
           <a:xfrm>
-            <a:off x="7232604" y="1918085"/>
-            <a:ext cx="2912974" cy="456151"/>
+            <a:off x="6944857" y="1584178"/>
+            <a:ext cx="2912974" cy="1169551"/>
           </a:xfrm>
           <a:prstGeom prst="rect">
             <a:avLst/>
@@ -6107,13 +6163,8 @@
           </a:bodyPr>
           <a:lstStyle/>
           <a:p>
-            <a:pPr>
-              <a:lnSpc>
-                <a:spcPct val="200000"/>
-              </a:lnSpc>
-            </a:pPr>
-            <a:r>
-              <a:rPr lang="fr-FR" sz="1400" dirty="0">
+            <a:r>
+              <a:rPr lang="fr-FR" sz="1400" dirty="0" smtClean="0">
                 <a:solidFill>
                   <a:schemeClr val="bg2">
                     <a:lumMod val="50000"/>
@@ -6122,8 +6173,69 @@
                 <a:latin typeface="Segoe UI" panose="020B0502040204020203" pitchFamily="34" charset="0"/>
                 <a:cs typeface="Segoe UI" panose="020B0502040204020203" pitchFamily="34" charset="0"/>
               </a:rPr>
-              <a:t>blablabla</a:t>
-            </a:r>
+              <a:t>-Seulement disponible sur ordinateur</a:t>
+            </a:r>
+          </a:p>
+          <a:p>
+            <a:r>
+              <a:rPr lang="fr-FR" sz="1400" dirty="0" smtClean="0">
+                <a:solidFill>
+                  <a:schemeClr val="bg2">
+                    <a:lumMod val="50000"/>
+                  </a:schemeClr>
+                </a:solidFill>
+                <a:latin typeface="Segoe UI" panose="020B0502040204020203" pitchFamily="34" charset="0"/>
+                <a:cs typeface="Segoe UI" panose="020B0502040204020203" pitchFamily="34" charset="0"/>
+              </a:rPr>
+              <a:t>-Utilisation à court-terme,</a:t>
+            </a:r>
+          </a:p>
+          <a:p>
+            <a:r>
+              <a:rPr lang="fr-FR" sz="1400" dirty="0" smtClean="0">
+                <a:solidFill>
+                  <a:schemeClr val="bg2">
+                    <a:lumMod val="50000"/>
+                  </a:schemeClr>
+                </a:solidFill>
+                <a:latin typeface="Segoe UI" panose="020B0502040204020203" pitchFamily="34" charset="0"/>
+                <a:cs typeface="Segoe UI" panose="020B0502040204020203" pitchFamily="34" charset="0"/>
+              </a:rPr>
+              <a:t>-Besoin de modifier l’application pour chaque client(</a:t>
+            </a:r>
+            <a:r>
+              <a:rPr lang="fr-FR" sz="1400" dirty="0" err="1" smtClean="0">
+                <a:solidFill>
+                  <a:schemeClr val="bg2">
+                    <a:lumMod val="50000"/>
+                  </a:schemeClr>
+                </a:solidFill>
+                <a:latin typeface="Segoe UI" panose="020B0502040204020203" pitchFamily="34" charset="0"/>
+                <a:cs typeface="Segoe UI" panose="020B0502040204020203" pitchFamily="34" charset="0"/>
+              </a:rPr>
+              <a:t>e.g</a:t>
+            </a:r>
+            <a:r>
+              <a:rPr lang="fr-FR" sz="1400" dirty="0" smtClean="0">
+                <a:solidFill>
+                  <a:schemeClr val="bg2">
+                    <a:lumMod val="50000"/>
+                  </a:schemeClr>
+                </a:solidFill>
+                <a:latin typeface="Segoe UI" panose="020B0502040204020203" pitchFamily="34" charset="0"/>
+                <a:cs typeface="Segoe UI" panose="020B0502040204020203" pitchFamily="34" charset="0"/>
+              </a:rPr>
+              <a:t> universités)</a:t>
+            </a:r>
+            <a:endParaRPr lang="fr-FR" sz="1400" dirty="0">
+              <a:solidFill>
+                <a:schemeClr val="bg2">
+                  <a:lumMod val="50000"/>
+                </a:schemeClr>
+              </a:solidFill>
+              <a:latin typeface="Segoe UI" panose="020B0502040204020203" pitchFamily="34" charset="0"/>
+              <a:cs typeface="Segoe UI" panose="020B0502040204020203" pitchFamily="34" charset="0"/>
+            </a:endParaRPr>
           </a:p>
         </p:txBody>
       </p:sp>
@@ -6141,8 +6253,8 @@
         </p:nvSpPr>
         <p:spPr>
           <a:xfrm>
-            <a:off x="3936215" y="2202621"/>
-            <a:ext cx="2912974" cy="456151"/>
+            <a:off x="3851811" y="1004782"/>
+            <a:ext cx="2543231" cy="2031325"/>
           </a:xfrm>
           <a:prstGeom prst="rect">
             <a:avLst/>
@@ -6160,7 +6272,7 @@
               </a:lnSpc>
             </a:pPr>
             <a:r>
-              <a:rPr lang="fr-FR" sz="1400" dirty="0">
+              <a:rPr lang="fr-FR" sz="1400" dirty="0" smtClean="0">
                 <a:solidFill>
                   <a:schemeClr val="bg2">
                     <a:lumMod val="50000"/>
@@ -6169,8 +6281,97 @@
                 <a:latin typeface="Segoe UI" panose="020B0502040204020203" pitchFamily="34" charset="0"/>
                 <a:cs typeface="Segoe UI" panose="020B0502040204020203" pitchFamily="34" charset="0"/>
               </a:rPr>
-              <a:t>blablabla</a:t>
-            </a:r>
+              <a:t>-Nouveau concept</a:t>
+            </a:r>
+          </a:p>
+          <a:p>
+            <a:r>
+              <a:rPr lang="fr-FR" sz="1400" dirty="0" smtClean="0">
+                <a:solidFill>
+                  <a:schemeClr val="bg2">
+                    <a:lumMod val="50000"/>
+                  </a:schemeClr>
+                </a:solidFill>
+                <a:latin typeface="Segoe UI" panose="020B0502040204020203" pitchFamily="34" charset="0"/>
+                <a:cs typeface="Segoe UI" panose="020B0502040204020203" pitchFamily="34" charset="0"/>
+              </a:rPr>
+              <a:t>-Prix de vente faible</a:t>
+            </a:r>
+          </a:p>
+          <a:p>
+            <a:r>
+              <a:rPr lang="fr-FR" sz="1400" dirty="0" smtClean="0">
+                <a:solidFill>
+                  <a:schemeClr val="bg2">
+                    <a:lumMod val="50000"/>
+                  </a:schemeClr>
+                </a:solidFill>
+                <a:latin typeface="Segoe UI" panose="020B0502040204020203" pitchFamily="34" charset="0"/>
+                <a:cs typeface="Segoe UI" panose="020B0502040204020203" pitchFamily="34" charset="0"/>
+              </a:rPr>
+              <a:t>- User </a:t>
+            </a:r>
+            <a:r>
+              <a:rPr lang="fr-FR" sz="1400" dirty="0" err="1" smtClean="0">
+                <a:solidFill>
+                  <a:schemeClr val="bg2">
+                    <a:lumMod val="50000"/>
+                  </a:schemeClr>
+                </a:solidFill>
+                <a:latin typeface="Segoe UI" panose="020B0502040204020203" pitchFamily="34" charset="0"/>
+                <a:cs typeface="Segoe UI" panose="020B0502040204020203" pitchFamily="34" charset="0"/>
+              </a:rPr>
+              <a:t>friendly</a:t>
+            </a:r>
+            <a:r>
+              <a:rPr lang="fr-FR" sz="1400" dirty="0" smtClean="0">
+                <a:solidFill>
+                  <a:schemeClr val="bg2">
+                    <a:lumMod val="50000"/>
+                  </a:schemeClr>
+                </a:solidFill>
+                <a:latin typeface="Segoe UI" panose="020B0502040204020203" pitchFamily="34" charset="0"/>
+                <a:cs typeface="Segoe UI" panose="020B0502040204020203" pitchFamily="34" charset="0"/>
+              </a:rPr>
+              <a:t> </a:t>
+            </a:r>
+          </a:p>
+          <a:p>
+            <a:r>
+              <a:rPr lang="fr-FR" sz="1400" dirty="0" smtClean="0">
+                <a:solidFill>
+                  <a:schemeClr val="bg2">
+                    <a:lumMod val="50000"/>
+                  </a:schemeClr>
+                </a:solidFill>
+                <a:latin typeface="Segoe UI" panose="020B0502040204020203" pitchFamily="34" charset="0"/>
+                <a:cs typeface="Segoe UI" panose="020B0502040204020203" pitchFamily="34" charset="0"/>
+              </a:rPr>
+              <a:t>-Adaptable pour tous les universités française, beaucoup de client potentielles</a:t>
+            </a:r>
+          </a:p>
+          <a:p>
+            <a:r>
+              <a:rPr lang="fr-FR" sz="1400" dirty="0" smtClean="0">
+                <a:solidFill>
+                  <a:schemeClr val="bg2">
+                    <a:lumMod val="50000"/>
+                  </a:schemeClr>
+                </a:solidFill>
+                <a:latin typeface="Segoe UI" panose="020B0502040204020203" pitchFamily="34" charset="0"/>
+                <a:cs typeface="Segoe UI" panose="020B0502040204020203" pitchFamily="34" charset="0"/>
+              </a:rPr>
+              <a:t>-Faible cout de maintenance</a:t>
+            </a:r>
+            <a:endParaRPr lang="fr-FR" sz="1400" dirty="0">
+              <a:solidFill>
+                <a:schemeClr val="bg2">
+                  <a:lumMod val="50000"/>
+                </a:schemeClr>
+              </a:solidFill>
+              <a:latin typeface="Segoe UI" panose="020B0502040204020203" pitchFamily="34" charset="0"/>
+              <a:cs typeface="Segoe UI" panose="020B0502040204020203" pitchFamily="34" charset="0"/>
+            </a:endParaRPr>
           </a:p>
         </p:txBody>
       </p:sp>
@@ -6189,7 +6390,7 @@
         <p:spPr>
           <a:xfrm>
             <a:off x="6836199" y="4127940"/>
-            <a:ext cx="2474852" cy="456151"/>
+            <a:ext cx="2474852" cy="1600438"/>
           </a:xfrm>
           <a:prstGeom prst="rect">
             <a:avLst/>
@@ -6201,13 +6402,8 @@
           </a:bodyPr>
           <a:lstStyle/>
           <a:p>
-            <a:pPr>
-              <a:lnSpc>
-                <a:spcPct val="200000"/>
-              </a:lnSpc>
-            </a:pPr>
-            <a:r>
-              <a:rPr lang="fr-FR" sz="1400" dirty="0">
+            <a:r>
+              <a:rPr lang="fr-FR" sz="1400" dirty="0" smtClean="0">
                 <a:solidFill>
                   <a:schemeClr val="bg2">
                     <a:lumMod val="50000"/>
@@ -6216,8 +6412,45 @@
                 <a:latin typeface="Segoe UI" panose="020B0502040204020203" pitchFamily="34" charset="0"/>
                 <a:cs typeface="Segoe UI" panose="020B0502040204020203" pitchFamily="34" charset="0"/>
               </a:rPr>
-              <a:t>blablabla</a:t>
-            </a:r>
+              <a:t>-Facilement copiable par les autres universités</a:t>
+            </a:r>
+          </a:p>
+          <a:p>
+            <a:r>
+              <a:rPr lang="fr-FR" sz="1400" dirty="0" smtClean="0">
+                <a:solidFill>
+                  <a:schemeClr val="bg2">
+                    <a:lumMod val="50000"/>
+                  </a:schemeClr>
+                </a:solidFill>
+                <a:latin typeface="Segoe UI" panose="020B0502040204020203" pitchFamily="34" charset="0"/>
+                <a:cs typeface="Segoe UI" panose="020B0502040204020203" pitchFamily="34" charset="0"/>
+              </a:rPr>
+              <a:t>-Pas de politiques de protection des données</a:t>
+            </a:r>
+          </a:p>
+          <a:p>
+            <a:r>
+              <a:rPr lang="fr-FR" sz="1400" dirty="0" smtClean="0">
+                <a:solidFill>
+                  <a:schemeClr val="bg2">
+                    <a:lumMod val="50000"/>
+                  </a:schemeClr>
+                </a:solidFill>
+                <a:latin typeface="Segoe UI" panose="020B0502040204020203" pitchFamily="34" charset="0"/>
+                <a:cs typeface="Segoe UI" panose="020B0502040204020203" pitchFamily="34" charset="0"/>
+              </a:rPr>
+              <a:t>-Utilisé ? Fin du lien et rencontre « IRL » pour parrain/marraines</a:t>
+            </a:r>
+            <a:endParaRPr lang="fr-FR" sz="1400" dirty="0">
+              <a:solidFill>
+                <a:schemeClr val="bg2">
+                  <a:lumMod val="50000"/>
+                </a:schemeClr>
+              </a:solidFill>
+              <a:latin typeface="Segoe UI" panose="020B0502040204020203" pitchFamily="34" charset="0"/>
+              <a:cs typeface="Segoe UI" panose="020B0502040204020203" pitchFamily="34" charset="0"/>
+            </a:endParaRPr>
           </a:p>
         </p:txBody>
       </p:sp>
@@ -6405,7 +6638,7 @@
           <p:nvPr/>
         </p:nvPicPr>
         <p:blipFill>
-          <a:blip r:embed="rId2">
+          <a:blip r:embed="rId2" cstate="hqprint">
             <a:extLst>
               <a:ext uri="{28A0092B-C50C-407E-A947-70E740481C1C}">
                 <a14:useLocalDpi xmlns:a14="http://schemas.microsoft.com/office/drawing/2010/main" val="0"/>
@@ -6640,7 +6873,7 @@
           <p:nvPr/>
         </p:nvPicPr>
         <p:blipFill>
-          <a:blip r:embed="rId3">
+          <a:blip r:embed="rId3" cstate="hqprint">
             <a:extLst>
               <a:ext uri="{28A0092B-C50C-407E-A947-70E740481C1C}">
                 <a14:useLocalDpi xmlns:a14="http://schemas.microsoft.com/office/drawing/2010/main" val="0"/>
@@ -6852,7 +7085,7 @@
         </p:nvSpPr>
         <p:spPr>
           <a:xfrm>
-            <a:off x="5570656" y="2341748"/>
+            <a:off x="5646822" y="970483"/>
             <a:ext cx="1892967" cy="1087252"/>
           </a:xfrm>
           <a:prstGeom prst="rect">
@@ -7058,8 +7291,8 @@
         </p:nvSpPr>
         <p:spPr>
           <a:xfrm>
-            <a:off x="2004334" y="3735888"/>
-            <a:ext cx="9025612" cy="889603"/>
+            <a:off x="1372816" y="2857765"/>
+            <a:ext cx="9775304" cy="2235230"/>
           </a:xfrm>
           <a:prstGeom prst="rect">
             <a:avLst/>
@@ -7236,7 +7469,7 @@
               <a:buNone/>
             </a:pPr>
             <a:r>
-              <a:rPr lang="fr-FR" dirty="0">
+              <a:rPr lang="fr-FR" dirty="0" smtClean="0">
                 <a:solidFill>
                   <a:schemeClr val="bg2">
                     <a:lumMod val="50000"/>
@@ -7245,10 +7478,10 @@
                 <a:latin typeface="Segoe UI" panose="020B0502040204020203" pitchFamily="34" charset="0"/>
                 <a:cs typeface="Segoe UI" panose="020B0502040204020203" pitchFamily="34" charset="0"/>
               </a:rPr>
-              <a:t>C’est le taux de réussite des couples parrains-</a:t>
-            </a:r>
-            <a:r>
-              <a:rPr lang="fr-FR" dirty="0" err="1">
+              <a:t>C’est </a:t>
+            </a:r>
+            <a:r>
+              <a:rPr lang="fr-FR" dirty="0">
                 <a:solidFill>
                   <a:schemeClr val="bg2">
                     <a:lumMod val="50000"/>
@@ -7257,10 +7490,10 @@
                 <a:latin typeface="Segoe UI" panose="020B0502040204020203" pitchFamily="34" charset="0"/>
                 <a:cs typeface="Segoe UI" panose="020B0502040204020203" pitchFamily="34" charset="0"/>
               </a:rPr>
-              <a:t>fieul</a:t>
-            </a:r>
-            <a:r>
-              <a:rPr lang="fr-FR" dirty="0">
+              <a:t>le taux de réussite des couples parrains-</a:t>
+            </a:r>
+            <a:r>
+              <a:rPr lang="fr-FR" dirty="0" err="1">
                 <a:solidFill>
                   <a:schemeClr val="bg2">
                     <a:lumMod val="50000"/>
@@ -7269,8 +7502,84 @@
                 <a:latin typeface="Segoe UI" panose="020B0502040204020203" pitchFamily="34" charset="0"/>
                 <a:cs typeface="Segoe UI" panose="020B0502040204020203" pitchFamily="34" charset="0"/>
               </a:rPr>
+              <a:t>fieul</a:t>
+            </a:r>
+            <a:r>
+              <a:rPr lang="fr-FR" dirty="0">
+                <a:solidFill>
+                  <a:schemeClr val="bg2">
+                    <a:lumMod val="50000"/>
+                  </a:schemeClr>
+                </a:solidFill>
+                <a:latin typeface="Segoe UI" panose="020B0502040204020203" pitchFamily="34" charset="0"/>
+                <a:cs typeface="Segoe UI" panose="020B0502040204020203" pitchFamily="34" charset="0"/>
+              </a:rPr>
               <a:t>. </a:t>
             </a:r>
+            <a:endParaRPr lang="fr-FR" dirty="0" smtClean="0">
+              <a:solidFill>
+                <a:schemeClr val="bg2">
+                  <a:lumMod val="50000"/>
+                </a:schemeClr>
+              </a:solidFill>
+              <a:latin typeface="Segoe UI" panose="020B0502040204020203" pitchFamily="34" charset="0"/>
+              <a:cs typeface="Segoe UI" panose="020B0502040204020203" pitchFamily="34" charset="0"/>
+            </a:endParaRPr>
+          </a:p>
+          <a:p>
+            <a:pPr marL="0" indent="0">
+              <a:buNone/>
+            </a:pPr>
+            <a:r>
+              <a:rPr lang="fr-FR" dirty="0" smtClean="0">
+                <a:solidFill>
+                  <a:schemeClr val="bg2">
+                    <a:lumMod val="50000"/>
+                  </a:schemeClr>
+                </a:solidFill>
+                <a:latin typeface="Segoe UI" panose="020B0502040204020203" pitchFamily="34" charset="0"/>
+                <a:cs typeface="Segoe UI" panose="020B0502040204020203" pitchFamily="34" charset="0"/>
+              </a:rPr>
+              <a:t>-Déception face à certains couples parrains/filleules</a:t>
+            </a:r>
+          </a:p>
+          <a:p>
+            <a:pPr marL="0" indent="0">
+              <a:buNone/>
+            </a:pPr>
+            <a:r>
+              <a:rPr lang="fr-FR" dirty="0">
+                <a:solidFill>
+                  <a:schemeClr val="bg2">
+                    <a:lumMod val="50000"/>
+                  </a:schemeClr>
+                </a:solidFill>
+                <a:latin typeface="Segoe UI" panose="020B0502040204020203" pitchFamily="34" charset="0"/>
+                <a:cs typeface="Segoe UI" panose="020B0502040204020203" pitchFamily="34" charset="0"/>
+              </a:rPr>
+              <a:t>	</a:t>
+            </a:r>
+            <a:r>
+              <a:rPr lang="fr-FR" dirty="0" smtClean="0">
+                <a:solidFill>
+                  <a:schemeClr val="bg2">
+                    <a:lumMod val="50000"/>
+                  </a:schemeClr>
+                </a:solidFill>
+                <a:latin typeface="Segoe UI" panose="020B0502040204020203" pitchFamily="34" charset="0"/>
+                <a:cs typeface="Segoe UI" panose="020B0502040204020203" pitchFamily="34" charset="0"/>
+              </a:rPr>
+              <a:t>-&gt; Offre le choix de son binôme = Augmente les chances de réussite et de collaboration</a:t>
+            </a:r>
+            <a:endParaRPr lang="fr-FR" dirty="0">
+              <a:solidFill>
+                <a:schemeClr val="bg2">
+                  <a:lumMod val="50000"/>
+                </a:schemeClr>
+              </a:solidFill>
+              <a:latin typeface="Segoe UI" panose="020B0502040204020203" pitchFamily="34" charset="0"/>
+              <a:cs typeface="Segoe UI" panose="020B0502040204020203" pitchFamily="34" charset="0"/>
+            </a:endParaRPr>
           </a:p>
         </p:txBody>
       </p:sp>
@@ -8381,7 +8690,7 @@
           <p:nvPr/>
         </p:nvPicPr>
         <p:blipFill>
-          <a:blip r:embed="rId4">
+          <a:blip r:embed="rId4" cstate="hqprint">
             <a:extLst>
               <a:ext uri="{28A0092B-C50C-407E-A947-70E740481C1C}">
                 <a14:useLocalDpi xmlns:a14="http://schemas.microsoft.com/office/drawing/2010/main" val="0"/>
@@ -8417,7 +8726,7 @@
           <p:nvPr/>
         </p:nvPicPr>
         <p:blipFill>
-          <a:blip r:embed="rId5">
+          <a:blip r:embed="rId5" cstate="hqprint">
             <a:extLst>
               <a:ext uri="{28A0092B-C50C-407E-A947-70E740481C1C}">
                 <a14:useLocalDpi xmlns:a14="http://schemas.microsoft.com/office/drawing/2010/main" val="0"/>
@@ -8628,7 +8937,7 @@
           <p:nvPr/>
         </p:nvPicPr>
         <p:blipFill>
-          <a:blip r:embed="rId2">
+          <a:blip r:embed="rId2" cstate="hqprint">
             <a:extLst>
               <a:ext uri="{28A0092B-C50C-407E-A947-70E740481C1C}">
                 <a14:useLocalDpi xmlns:a14="http://schemas.microsoft.com/office/drawing/2010/main" val="0"/>
@@ -8664,7 +8973,7 @@
           <p:nvPr/>
         </p:nvPicPr>
         <p:blipFill>
-          <a:blip r:embed="rId3">
+          <a:blip r:embed="rId3" cstate="hqprint">
             <a:extLst>
               <a:ext uri="{28A0092B-C50C-407E-A947-70E740481C1C}">
                 <a14:useLocalDpi xmlns:a14="http://schemas.microsoft.com/office/drawing/2010/main" val="0"/>
@@ -9304,8 +9613,8 @@
         </p:nvSpPr>
         <p:spPr>
           <a:xfrm>
-            <a:off x="2129589" y="2087235"/>
-            <a:ext cx="10515600" cy="4351338"/>
+            <a:off x="389022" y="2087235"/>
+            <a:ext cx="12256167" cy="4351338"/>
           </a:xfrm>
           <a:prstGeom prst="rect">
             <a:avLst/>
@@ -9482,7 +9791,7 @@
               <a:buNone/>
             </a:pPr>
             <a:r>
-              <a:rPr lang="fr-FR" dirty="0">
+              <a:rPr lang="fr-FR" dirty="0" smtClean="0">
                 <a:solidFill>
                   <a:schemeClr val="bg2">
                     <a:lumMod val="50000"/>
@@ -9491,8 +9800,171 @@
                 <a:latin typeface="Segoe UI" panose="020B0502040204020203" pitchFamily="34" charset="0"/>
                 <a:cs typeface="Segoe UI" panose="020B0502040204020203" pitchFamily="34" charset="0"/>
               </a:rPr>
-              <a:t>Texte blablabla</a:t>
-            </a:r>
+              <a:t>● Concept nouveau :</a:t>
+            </a:r>
+          </a:p>
+          <a:p>
+            <a:pPr marL="0" indent="0">
+              <a:buNone/>
+            </a:pPr>
+            <a:r>
+              <a:rPr lang="fr-FR" dirty="0">
+                <a:solidFill>
+                  <a:schemeClr val="bg2">
+                    <a:lumMod val="50000"/>
+                  </a:schemeClr>
+                </a:solidFill>
+                <a:latin typeface="Segoe UI" panose="020B0502040204020203" pitchFamily="34" charset="0"/>
+                <a:cs typeface="Segoe UI" panose="020B0502040204020203" pitchFamily="34" charset="0"/>
+              </a:rPr>
+              <a:t>	</a:t>
+            </a:r>
+            <a:r>
+              <a:rPr lang="fr-FR" dirty="0" smtClean="0">
+                <a:solidFill>
+                  <a:schemeClr val="bg2">
+                    <a:lumMod val="50000"/>
+                  </a:schemeClr>
+                </a:solidFill>
+                <a:latin typeface="Segoe UI" panose="020B0502040204020203" pitchFamily="34" charset="0"/>
+                <a:cs typeface="Segoe UI" panose="020B0502040204020203" pitchFamily="34" charset="0"/>
+              </a:rPr>
+              <a:t>-&gt; Adapter un modèle de rencontre ≠ rencontre amoureuse</a:t>
+            </a:r>
+          </a:p>
+          <a:p>
+            <a:pPr marL="0" indent="0">
+              <a:buNone/>
+            </a:pPr>
+            <a:r>
+              <a:rPr lang="fr-FR" dirty="0">
+                <a:solidFill>
+                  <a:schemeClr val="bg2">
+                    <a:lumMod val="50000"/>
+                  </a:schemeClr>
+                </a:solidFill>
+                <a:latin typeface="Segoe UI" panose="020B0502040204020203" pitchFamily="34" charset="0"/>
+                <a:cs typeface="Segoe UI" panose="020B0502040204020203" pitchFamily="34" charset="0"/>
+              </a:rPr>
+              <a:t>	</a:t>
+            </a:r>
+            <a:r>
+              <a:rPr lang="fr-FR" dirty="0">
+                <a:solidFill>
+                  <a:schemeClr val="bg2">
+                    <a:lumMod val="50000"/>
+                  </a:schemeClr>
+                </a:solidFill>
+                <a:latin typeface="Segoe UI" panose="020B0502040204020203" pitchFamily="34" charset="0"/>
+                <a:cs typeface="Segoe UI" panose="020B0502040204020203" pitchFamily="34" charset="0"/>
+              </a:rPr>
+              <a:t>	</a:t>
+            </a:r>
+            <a:r>
+              <a:rPr lang="fr-FR" dirty="0" smtClean="0">
+                <a:solidFill>
+                  <a:schemeClr val="bg2">
+                    <a:lumMod val="50000"/>
+                  </a:schemeClr>
+                </a:solidFill>
+                <a:latin typeface="Segoe UI" panose="020B0502040204020203" pitchFamily="34" charset="0"/>
+                <a:cs typeface="Segoe UI" panose="020B0502040204020203" pitchFamily="34" charset="0"/>
+              </a:rPr>
+              <a:t>= Pas d’autres applis comme celle-ci</a:t>
+            </a:r>
+          </a:p>
+          <a:p>
+            <a:pPr marL="0" indent="0">
+              <a:buNone/>
+            </a:pPr>
+            <a:r>
+              <a:rPr lang="fr-FR" dirty="0" smtClean="0">
+                <a:solidFill>
+                  <a:schemeClr val="bg2">
+                    <a:lumMod val="50000"/>
+                  </a:schemeClr>
+                </a:solidFill>
+                <a:latin typeface="Segoe UI" panose="020B0502040204020203" pitchFamily="34" charset="0"/>
+                <a:cs typeface="Segoe UI" panose="020B0502040204020203" pitchFamily="34" charset="0"/>
+              </a:rPr>
+              <a:t>● Très proche du modèle de </a:t>
+            </a:r>
+            <a:r>
+              <a:rPr lang="fr-FR" dirty="0" err="1" smtClean="0">
+                <a:solidFill>
+                  <a:schemeClr val="bg2">
+                    <a:lumMod val="50000"/>
+                  </a:schemeClr>
+                </a:solidFill>
+                <a:latin typeface="Segoe UI" panose="020B0502040204020203" pitchFamily="34" charset="0"/>
+                <a:cs typeface="Segoe UI" panose="020B0502040204020203" pitchFamily="34" charset="0"/>
+              </a:rPr>
+              <a:t>Tinder</a:t>
+            </a:r>
+            <a:r>
+              <a:rPr lang="fr-FR" dirty="0" smtClean="0">
+                <a:solidFill>
+                  <a:schemeClr val="bg2">
+                    <a:lumMod val="50000"/>
+                  </a:schemeClr>
+                </a:solidFill>
+                <a:latin typeface="Segoe UI" panose="020B0502040204020203" pitchFamily="34" charset="0"/>
+                <a:cs typeface="Segoe UI" panose="020B0502040204020203" pitchFamily="34" charset="0"/>
+              </a:rPr>
+              <a:t>(syntaxe/design/fonctionnement)</a:t>
+            </a:r>
+          </a:p>
+          <a:p>
+            <a:pPr marL="0" indent="0">
+              <a:buNone/>
+            </a:pPr>
+            <a:r>
+              <a:rPr lang="fr-FR" dirty="0">
+                <a:solidFill>
+                  <a:schemeClr val="bg2">
+                    <a:lumMod val="50000"/>
+                  </a:schemeClr>
+                </a:solidFill>
+                <a:latin typeface="Segoe UI" panose="020B0502040204020203" pitchFamily="34" charset="0"/>
+                <a:cs typeface="Segoe UI" panose="020B0502040204020203" pitchFamily="34" charset="0"/>
+              </a:rPr>
+              <a:t>	</a:t>
+            </a:r>
+            <a:endParaRPr lang="fr-FR" dirty="0" smtClean="0">
+              <a:solidFill>
+                <a:schemeClr val="bg2">
+                  <a:lumMod val="50000"/>
+                </a:schemeClr>
+              </a:solidFill>
+              <a:latin typeface="Segoe UI" panose="020B0502040204020203" pitchFamily="34" charset="0"/>
+              <a:cs typeface="Segoe UI" panose="020B0502040204020203" pitchFamily="34" charset="0"/>
+            </a:endParaRPr>
+          </a:p>
+          <a:p>
+            <a:pPr marL="0" indent="0">
+              <a:buNone/>
+            </a:pPr>
+            <a:r>
+              <a:rPr lang="fr-FR" dirty="0" smtClean="0">
+                <a:solidFill>
+                  <a:schemeClr val="bg2">
+                    <a:lumMod val="50000"/>
+                  </a:schemeClr>
+                </a:solidFill>
+                <a:latin typeface="Segoe UI" panose="020B0502040204020203" pitchFamily="34" charset="0"/>
+                <a:cs typeface="Segoe UI" panose="020B0502040204020203" pitchFamily="34" charset="0"/>
+              </a:rPr>
+              <a:t>● Autres universités =&gt; développement possible par leurs étudiants</a:t>
+            </a:r>
+            <a:endParaRPr lang="fr-FR" dirty="0">
+              <a:solidFill>
+                <a:schemeClr val="bg2">
+                  <a:lumMod val="50000"/>
+                </a:schemeClr>
+              </a:solidFill>
+              <a:latin typeface="Segoe UI" panose="020B0502040204020203" pitchFamily="34" charset="0"/>
+              <a:cs typeface="Segoe UI" panose="020B0502040204020203" pitchFamily="34" charset="0"/>
+            </a:endParaRPr>
           </a:p>
         </p:txBody>
       </p:sp>
@@ -11048,7 +11520,7 @@
           <p:nvPr/>
         </p:nvPicPr>
         <p:blipFill>
-          <a:blip r:embed="rId2">
+          <a:blip r:embed="rId2" cstate="hqprint">
             <a:extLst>
               <a:ext uri="{28A0092B-C50C-407E-A947-70E740481C1C}">
                 <a14:useLocalDpi xmlns:a14="http://schemas.microsoft.com/office/drawing/2010/main" val="0"/>
@@ -11301,7 +11773,7 @@
           <p:nvPr/>
         </p:nvPicPr>
         <p:blipFill>
-          <a:blip r:embed="rId3">
+          <a:blip r:embed="rId3" cstate="hqprint">
             <a:extLst>
               <a:ext uri="{28A0092B-C50C-407E-A947-70E740481C1C}">
                 <a14:useLocalDpi xmlns:a14="http://schemas.microsoft.com/office/drawing/2010/main" val="0"/>
@@ -14472,7 +14944,7 @@
           <p:nvPr/>
         </p:nvPicPr>
         <p:blipFill>
-          <a:blip r:embed="rId2">
+          <a:blip r:embed="rId2" cstate="hqprint">
             <a:extLst>
               <a:ext uri="{28A0092B-C50C-407E-A947-70E740481C1C}">
                 <a14:useLocalDpi xmlns:a14="http://schemas.microsoft.com/office/drawing/2010/main" val="0"/>
@@ -14767,7 +15239,7 @@
           <p:nvPr/>
         </p:nvPicPr>
         <p:blipFill>
-          <a:blip r:embed="rId3">
+          <a:blip r:embed="rId3" cstate="hqprint">
             <a:extLst>
               <a:ext uri="{28A0092B-C50C-407E-A947-70E740481C1C}">
                 <a14:useLocalDpi xmlns:a14="http://schemas.microsoft.com/office/drawing/2010/main" val="0"/>
@@ -14929,7 +15401,7 @@
           <p:nvPr/>
         </p:nvPicPr>
         <p:blipFill>
-          <a:blip r:embed="rId3">
+          <a:blip r:embed="rId3" cstate="hqprint">
             <a:extLst>
               <a:ext uri="{28A0092B-C50C-407E-A947-70E740481C1C}">
                 <a14:useLocalDpi xmlns:a14="http://schemas.microsoft.com/office/drawing/2010/main" val="0"/>
@@ -15085,7 +15557,7 @@
           <p:nvPr/>
         </p:nvPicPr>
         <p:blipFill>
-          <a:blip r:embed="rId6">
+          <a:blip r:embed="rId6" cstate="hqprint">
             <a:extLst>
               <a:ext uri="{28A0092B-C50C-407E-A947-70E740481C1C}">
                 <a14:useLocalDpi xmlns:a14="http://schemas.microsoft.com/office/drawing/2010/main" val="0"/>
@@ -15121,7 +15593,7 @@
           <p:nvPr/>
         </p:nvPicPr>
         <p:blipFill>
-          <a:blip r:embed="rId7">
+          <a:blip r:embed="rId7" cstate="hqprint">
             <a:extLst>
               <a:ext uri="{28A0092B-C50C-407E-A947-70E740481C1C}">
                 <a14:useLocalDpi xmlns:a14="http://schemas.microsoft.com/office/drawing/2010/main" val="0"/>
@@ -15564,7 +16036,7 @@
           <p:nvPr/>
         </p:nvPicPr>
         <p:blipFill>
-          <a:blip r:embed="rId2">
+          <a:blip r:embed="rId2" cstate="hqprint">
             <a:extLst>
               <a:ext uri="{28A0092B-C50C-407E-A947-70E740481C1C}">
                 <a14:useLocalDpi xmlns:a14="http://schemas.microsoft.com/office/drawing/2010/main" val="0"/>
@@ -15730,7 +16202,7 @@
           <p:nvPr/>
         </p:nvPicPr>
         <p:blipFill>
-          <a:blip r:embed="rId3">
+          <a:blip r:embed="rId3" cstate="hqprint">
             <a:extLst>
               <a:ext uri="{28A0092B-C50C-407E-A947-70E740481C1C}">
                 <a14:useLocalDpi xmlns:a14="http://schemas.microsoft.com/office/drawing/2010/main" val="0"/>
@@ -15854,8 +16326,8 @@
         </p:nvSpPr>
         <p:spPr>
           <a:xfrm>
-            <a:off x="2129589" y="2087235"/>
-            <a:ext cx="10515600" cy="4351338"/>
+            <a:off x="389022" y="1658679"/>
+            <a:ext cx="12256167" cy="4779894"/>
           </a:xfrm>
           <a:prstGeom prst="rect">
             <a:avLst/>
@@ -16032,7 +16504,7 @@
               <a:buNone/>
             </a:pPr>
             <a:r>
-              <a:rPr lang="fr-FR" dirty="0">
+              <a:rPr lang="fr-FR" dirty="0" smtClean="0">
                 <a:solidFill>
                   <a:schemeClr val="bg2">
                     <a:lumMod val="50000"/>
@@ -16041,8 +16513,130 @@
                 <a:latin typeface="Segoe UI" panose="020B0502040204020203" pitchFamily="34" charset="0"/>
                 <a:cs typeface="Segoe UI" panose="020B0502040204020203" pitchFamily="34" charset="0"/>
               </a:rPr>
-              <a:t>Texte blablabla</a:t>
-            </a:r>
+              <a:t>● Expérience personnelle = Relation mauvaise avec nos parrains/filleules actuelles</a:t>
+            </a:r>
+          </a:p>
+          <a:p>
+            <a:pPr marL="0" indent="0">
+              <a:buNone/>
+            </a:pPr>
+            <a:endParaRPr lang="fr-FR" dirty="0">
+              <a:solidFill>
+                <a:schemeClr val="bg2">
+                  <a:lumMod val="50000"/>
+                </a:schemeClr>
+              </a:solidFill>
+              <a:latin typeface="Segoe UI" panose="020B0502040204020203" pitchFamily="34" charset="0"/>
+              <a:cs typeface="Segoe UI" panose="020B0502040204020203" pitchFamily="34" charset="0"/>
+            </a:endParaRPr>
+          </a:p>
+          <a:p>
+            <a:pPr marL="0" indent="0">
+              <a:buNone/>
+            </a:pPr>
+            <a:r>
+              <a:rPr lang="fr-FR" dirty="0" smtClean="0">
+                <a:solidFill>
+                  <a:schemeClr val="bg2">
+                    <a:lumMod val="50000"/>
+                  </a:schemeClr>
+                </a:solidFill>
+                <a:latin typeface="Segoe UI" panose="020B0502040204020203" pitchFamily="34" charset="0"/>
+                <a:cs typeface="Segoe UI" panose="020B0502040204020203" pitchFamily="34" charset="0"/>
+              </a:rPr>
+              <a:t>● Réinventer cette phase de «</a:t>
+            </a:r>
+            <a:r>
+              <a:rPr lang="fr-FR" dirty="0" err="1" smtClean="0">
+                <a:solidFill>
+                  <a:schemeClr val="bg2">
+                    <a:lumMod val="50000"/>
+                  </a:schemeClr>
+                </a:solidFill>
+                <a:latin typeface="Segoe UI" panose="020B0502040204020203" pitchFamily="34" charset="0"/>
+                <a:cs typeface="Segoe UI" panose="020B0502040204020203" pitchFamily="34" charset="0"/>
+              </a:rPr>
+              <a:t>matching</a:t>
+            </a:r>
+            <a:r>
+              <a:rPr lang="fr-FR" dirty="0" smtClean="0">
+                <a:solidFill>
+                  <a:schemeClr val="bg2">
+                    <a:lumMod val="50000"/>
+                  </a:schemeClr>
+                </a:solidFill>
+                <a:latin typeface="Segoe UI" panose="020B0502040204020203" pitchFamily="34" charset="0"/>
+                <a:cs typeface="Segoe UI" panose="020B0502040204020203" pitchFamily="34" charset="0"/>
+              </a:rPr>
+              <a:t>»</a:t>
+            </a:r>
+          </a:p>
+          <a:p>
+            <a:pPr marL="0" indent="0">
+              <a:buNone/>
+            </a:pPr>
+            <a:r>
+              <a:rPr lang="fr-FR" dirty="0">
+                <a:solidFill>
+                  <a:schemeClr val="bg2">
+                    <a:lumMod val="50000"/>
+                  </a:schemeClr>
+                </a:solidFill>
+                <a:latin typeface="Segoe UI" panose="020B0502040204020203" pitchFamily="34" charset="0"/>
+                <a:cs typeface="Segoe UI" panose="020B0502040204020203" pitchFamily="34" charset="0"/>
+              </a:rPr>
+              <a:t>	</a:t>
+            </a:r>
+            <a:r>
+              <a:rPr lang="fr-FR" dirty="0" smtClean="0">
+                <a:solidFill>
+                  <a:schemeClr val="bg2">
+                    <a:lumMod val="50000"/>
+                  </a:schemeClr>
+                </a:solidFill>
+                <a:latin typeface="Segoe UI" panose="020B0502040204020203" pitchFamily="34" charset="0"/>
+                <a:cs typeface="Segoe UI" panose="020B0502040204020203" pitchFamily="34" charset="0"/>
+              </a:rPr>
+              <a:t>-&gt; Dynamiser via la technologie</a:t>
+            </a:r>
+          </a:p>
+          <a:p>
+            <a:pPr marL="0" indent="0">
+              <a:buNone/>
+            </a:pPr>
+            <a:r>
+              <a:rPr lang="fr-FR" dirty="0">
+                <a:solidFill>
+                  <a:schemeClr val="bg2">
+                    <a:lumMod val="50000"/>
+                  </a:schemeClr>
+                </a:solidFill>
+                <a:latin typeface="Segoe UI" panose="020B0502040204020203" pitchFamily="34" charset="0"/>
+                <a:cs typeface="Segoe UI" panose="020B0502040204020203" pitchFamily="34" charset="0"/>
+              </a:rPr>
+              <a:t>	</a:t>
+            </a:r>
+            <a:r>
+              <a:rPr lang="fr-FR" dirty="0" smtClean="0">
+                <a:solidFill>
+                  <a:schemeClr val="bg2">
+                    <a:lumMod val="50000"/>
+                  </a:schemeClr>
+                </a:solidFill>
+                <a:latin typeface="Segoe UI" panose="020B0502040204020203" pitchFamily="34" charset="0"/>
+                <a:cs typeface="Segoe UI" panose="020B0502040204020203" pitchFamily="34" charset="0"/>
+              </a:rPr>
+              <a:t>-&gt; Proche des jeunes (génération Y)</a:t>
+            </a:r>
+            <a:endParaRPr lang="fr-FR" dirty="0">
+              <a:solidFill>
+                <a:schemeClr val="bg2">
+                  <a:lumMod val="50000"/>
+                </a:schemeClr>
+              </a:solidFill>
+              <a:latin typeface="Segoe UI" panose="020B0502040204020203" pitchFamily="34" charset="0"/>
+              <a:cs typeface="Segoe UI" panose="020B0502040204020203" pitchFamily="34" charset="0"/>
+            </a:endParaRPr>
           </a:p>
         </p:txBody>
       </p:sp>
